--- a/10. Стандарты группы DocsVision/Стандарты на архитектуру кода группы DocsVision.pptx
+++ b/10. Стандарты группы DocsVision/Стандарты на архитектуру кода группы DocsVision.pptx
@@ -8,15 +8,14 @@
     <p:sldId id="256" r:id="rId2"/>
     <p:sldId id="257" r:id="rId3"/>
     <p:sldId id="258" r:id="rId4"/>
-    <p:sldId id="259" r:id="rId5"/>
-    <p:sldId id="261" r:id="rId6"/>
-    <p:sldId id="262" r:id="rId7"/>
-    <p:sldId id="264" r:id="rId8"/>
-    <p:sldId id="263" r:id="rId9"/>
-    <p:sldId id="265" r:id="rId10"/>
-    <p:sldId id="269" r:id="rId11"/>
-    <p:sldId id="271" r:id="rId12"/>
-    <p:sldId id="273" r:id="rId13"/>
+    <p:sldId id="261" r:id="rId5"/>
+    <p:sldId id="262" r:id="rId6"/>
+    <p:sldId id="264" r:id="rId7"/>
+    <p:sldId id="263" r:id="rId8"/>
+    <p:sldId id="265" r:id="rId9"/>
+    <p:sldId id="269" r:id="rId10"/>
+    <p:sldId id="271" r:id="rId11"/>
+    <p:sldId id="273" r:id="rId12"/>
   </p:sldIdLst>
   <p:sldSz cx="12192000" cy="6858000"/>
   <p:notesSz cx="6858000" cy="9144000"/>
@@ -3138,34 +3137,7 @@
           <a:p>
             <a:r>
               <a:rPr lang="ru-RU" dirty="0" smtClean="0"/>
-              <a:t>Пример</a:t>
-            </a:r>
-            <a:endParaRPr lang="ru-RU" dirty="0"/>
-          </a:p>
-        </p:txBody>
-      </p:sp>
-      <p:sp>
-        <p:nvSpPr>
-          <p:cNvPr id="3" name="Объект 2"/>
-          <p:cNvSpPr>
-            <a:spLocks noGrp="1"/>
-          </p:cNvSpPr>
-          <p:nvPr>
-            <p:ph idx="1"/>
-          </p:nvPr>
-        </p:nvSpPr>
-        <p:spPr/>
-        <p:txBody>
-          <a:bodyPr/>
-          <a:lstStyle/>
-          <a:p>
-            <a:r>
-              <a:rPr lang="ru-RU" dirty="0" smtClean="0"/>
-              <a:t>Рассмотрим для примера проект </a:t>
-            </a:r>
-            <a:r>
-              <a:rPr lang="en-US" dirty="0" err="1" smtClean="0"/>
-              <a:t>DVExnetsion</a:t>
+              <a:t>Вопросы?</a:t>
             </a:r>
             <a:endParaRPr lang="ru-RU" dirty="0"/>
           </a:p>
@@ -3174,13 +3146,20 @@
     </p:spTree>
     <p:extLst>
       <p:ext uri="{BB962C8B-B14F-4D97-AF65-F5344CB8AC3E}">
-        <p14:creationId xmlns:p14="http://schemas.microsoft.com/office/powerpoint/2010/main" val="1393440007"/>
+        <p14:creationId xmlns:p14="http://schemas.microsoft.com/office/powerpoint/2010/main" val="3058961881"/>
       </p:ext>
     </p:extLst>
   </p:cSld>
   <p:clrMapOvr>
     <a:masterClrMapping/>
   </p:clrMapOvr>
+  <p:timing>
+    <p:tnLst>
+      <p:par>
+        <p:cTn id="1" dur="indefinite" restart="never" nodeType="tmRoot"/>
+      </p:par>
+    </p:tnLst>
+  </p:timing>
 </p:sld>
 </file>
 
@@ -3252,93 +3231,6 @@
           <a:p>
             <a:r>
               <a:rPr lang="ru-RU" dirty="0" smtClean="0"/>
-              <a:t>Вопросы?</a:t>
-            </a:r>
-            <a:endParaRPr lang="ru-RU" dirty="0"/>
-          </a:p>
-        </p:txBody>
-      </p:sp>
-    </p:spTree>
-    <p:extLst>
-      <p:ext uri="{BB962C8B-B14F-4D97-AF65-F5344CB8AC3E}">
-        <p14:creationId xmlns:p14="http://schemas.microsoft.com/office/powerpoint/2010/main" val="3058961881"/>
-      </p:ext>
-    </p:extLst>
-  </p:cSld>
-  <p:clrMapOvr>
-    <a:masterClrMapping/>
-  </p:clrMapOvr>
-</p:sld>
-</file>
-
-<file path=ppt/slides/slide12.xml><?xml version="1.0" encoding="utf-8"?>
-<p:sld xmlns:a="http://schemas.openxmlformats.org/drawingml/2006/main" xmlns:r="http://schemas.openxmlformats.org/officeDocument/2006/relationships" xmlns:p="http://schemas.openxmlformats.org/presentationml/2006/main">
-  <p:cSld>
-    <p:bg>
-      <p:bgPr>
-        <a:gradFill>
-          <a:gsLst>
-            <a:gs pos="0">
-              <a:schemeClr val="accent1">
-                <a:lumMod val="5000"/>
-                <a:lumOff val="95000"/>
-              </a:schemeClr>
-            </a:gs>
-            <a:gs pos="74000">
-              <a:schemeClr val="accent1">
-                <a:lumMod val="45000"/>
-                <a:lumOff val="55000"/>
-              </a:schemeClr>
-            </a:gs>
-            <a:gs pos="83000">
-              <a:schemeClr val="accent1">
-                <a:lumMod val="45000"/>
-                <a:lumOff val="55000"/>
-              </a:schemeClr>
-            </a:gs>
-            <a:gs pos="100000">
-              <a:schemeClr val="accent1">
-                <a:lumMod val="30000"/>
-                <a:lumOff val="70000"/>
-              </a:schemeClr>
-            </a:gs>
-          </a:gsLst>
-          <a:lin ang="5400000" scaled="1"/>
-        </a:gradFill>
-        <a:effectLst/>
-      </p:bgPr>
-    </p:bg>
-    <p:spTree>
-      <p:nvGrpSpPr>
-        <p:cNvPr id="1" name=""/>
-        <p:cNvGrpSpPr/>
-        <p:nvPr/>
-      </p:nvGrpSpPr>
-      <p:grpSpPr>
-        <a:xfrm>
-          <a:off x="0" y="0"/>
-          <a:ext cx="0" cy="0"/>
-          <a:chOff x="0" y="0"/>
-          <a:chExt cx="0" cy="0"/>
-        </a:xfrm>
-      </p:grpSpPr>
-      <p:sp>
-        <p:nvSpPr>
-          <p:cNvPr id="2" name="Заголовок 1"/>
-          <p:cNvSpPr>
-            <a:spLocks noGrp="1"/>
-          </p:cNvSpPr>
-          <p:nvPr>
-            <p:ph type="title"/>
-          </p:nvPr>
-        </p:nvSpPr>
-        <p:spPr/>
-        <p:txBody>
-          <a:bodyPr/>
-          <a:lstStyle/>
-          <a:p>
-            <a:r>
-              <a:rPr lang="ru-RU" dirty="0" smtClean="0"/>
               <a:t>Всем спасибо!</a:t>
             </a:r>
             <a:endParaRPr lang="ru-RU" dirty="0"/>
@@ -3355,6 +3247,13 @@
   <p:clrMapOvr>
     <a:masterClrMapping/>
   </p:clrMapOvr>
+  <p:timing>
+    <p:tnLst>
+      <p:par>
+        <p:cTn id="1" dur="indefinite" restart="never" nodeType="tmRoot"/>
+      </p:par>
+    </p:tnLst>
+  </p:timing>
 </p:sld>
 </file>
 
@@ -3547,7 +3446,7 @@
         </p:nvSpPr>
         <p:spPr>
           <a:xfrm>
-            <a:off x="557719" y="2143139"/>
+            <a:off x="296028" y="2452888"/>
             <a:ext cx="3679652" cy="1546860"/>
           </a:xfrm>
           <a:prstGeom prst="cloudCallout">
@@ -3869,8 +3768,8 @@
         </p:nvSpPr>
         <p:spPr>
           <a:xfrm>
-            <a:off x="4458722" y="2615563"/>
-            <a:ext cx="1779891" cy="368300"/>
+            <a:off x="4295996" y="2607247"/>
+            <a:ext cx="3478306" cy="368300"/>
           </a:xfrm>
           <a:prstGeom prst="rect">
             <a:avLst/>
@@ -3904,24 +3803,7 @@
                 <a:ea typeface="Calibri" panose="020F0502020204030204" pitchFamily="34" charset="0"/>
                 <a:cs typeface="Times New Roman" panose="02020603050405020304" pitchFamily="18" charset="0"/>
               </a:rPr>
-              <a:t>Счастье</a:t>
-            </a:r>
-            <a:r>
-              <a:rPr lang="ru-RU" sz="2000" dirty="0">
-                <a:latin typeface="Calibri" panose="020F0502020204030204" pitchFamily="34" charset="0"/>
-                <a:ea typeface="Calibri" panose="020F0502020204030204" pitchFamily="34" charset="0"/>
-                <a:cs typeface="Times New Roman" panose="02020603050405020304" pitchFamily="18" charset="0"/>
-              </a:rPr>
-              <a:t> </a:t>
-            </a:r>
-            <a:r>
-              <a:rPr lang="ru-RU" sz="2000" dirty="0" smtClean="0">
-                <a:effectLst/>
-                <a:latin typeface="Calibri" panose="020F0502020204030204" pitchFamily="34" charset="0"/>
-                <a:ea typeface="Calibri" panose="020F0502020204030204" pitchFamily="34" charset="0"/>
-                <a:cs typeface="Times New Roman" panose="02020603050405020304" pitchFamily="18" charset="0"/>
-              </a:rPr>
-              <a:t>программистов</a:t>
+              <a:t>Светлое счастье</a:t>
             </a:r>
             <a:br>
               <a:rPr lang="ru-RU" sz="2000" dirty="0" smtClean="0">
@@ -3931,6 +3813,23 @@
                 <a:cs typeface="Times New Roman" panose="02020603050405020304" pitchFamily="18" charset="0"/>
               </a:rPr>
             </a:br>
+            <a:r>
+              <a:rPr lang="ru-RU" sz="2000" dirty="0" smtClean="0">
+                <a:effectLst/>
+                <a:latin typeface="Calibri" panose="020F0502020204030204" pitchFamily="34" charset="0"/>
+                <a:ea typeface="Calibri" panose="020F0502020204030204" pitchFamily="34" charset="0"/>
+                <a:cs typeface="Times New Roman" panose="02020603050405020304" pitchFamily="18" charset="0"/>
+              </a:rPr>
+              <a:t>программистов</a:t>
+            </a:r>
+            <a:r>
+              <a:rPr lang="ru-RU" sz="2000" dirty="0" smtClean="0">
+                <a:latin typeface="Calibri" panose="020F0502020204030204" pitchFamily="34" charset="0"/>
+                <a:ea typeface="Calibri" panose="020F0502020204030204" pitchFamily="34" charset="0"/>
+                <a:cs typeface="Times New Roman" panose="02020603050405020304" pitchFamily="18" charset="0"/>
+              </a:rPr>
+              <a:t> </a:t>
+            </a:r>
             <a:r>
               <a:rPr lang="ru-RU" sz="2000" dirty="0" err="1" smtClean="0">
                 <a:latin typeface="Calibri" panose="020F0502020204030204" pitchFamily="34" charset="0"/>
@@ -3956,7 +3855,7 @@
         </p:nvSpPr>
         <p:spPr>
           <a:xfrm>
-            <a:off x="5099798" y="780536"/>
+            <a:off x="4660046" y="851077"/>
             <a:ext cx="1775974" cy="1775974"/>
           </a:xfrm>
           <a:prstGeom prst="sun">
@@ -4031,83 +3930,6 @@
                 <a:cs typeface="Times New Roman" panose="02020603050405020304" pitchFamily="18" charset="0"/>
               </a:rPr>
               <a:t>Договориться о стандартах на архитектуру кода</a:t>
-            </a:r>
-            <a:endParaRPr lang="ru-RU" sz="2000" dirty="0">
-              <a:latin typeface="Calibri" panose="020F0502020204030204" pitchFamily="34" charset="0"/>
-              <a:ea typeface="Calibri" panose="020F0502020204030204" pitchFamily="34" charset="0"/>
-              <a:cs typeface="Times New Roman" panose="02020603050405020304" pitchFamily="18" charset="0"/>
-            </a:endParaRPr>
-          </a:p>
-        </p:txBody>
-      </p:sp>
-      <p:sp>
-        <p:nvSpPr>
-          <p:cNvPr id="12" name="Прямоугольник 11"/>
-          <p:cNvSpPr/>
-          <p:nvPr/>
-        </p:nvSpPr>
-        <p:spPr>
-          <a:xfrm>
-            <a:off x="1769066" y="5596918"/>
-            <a:ext cx="10077941" cy="421654"/>
-          </a:xfrm>
-          <a:prstGeom prst="rect">
-            <a:avLst/>
-          </a:prstGeom>
-        </p:spPr>
-        <p:txBody>
-          <a:bodyPr wrap="square">
-            <a:spAutoFit/>
-          </a:bodyPr>
-          <a:lstStyle/>
-          <a:p>
-            <a:pPr>
-              <a:lnSpc>
-                <a:spcPct val="107000"/>
-              </a:lnSpc>
-              <a:spcAft>
-                <a:spcPts val="800"/>
-              </a:spcAft>
-            </a:pPr>
-            <a:r>
-              <a:rPr lang="ru-RU" sz="2000" dirty="0" smtClean="0">
-                <a:latin typeface="Calibri" panose="020F0502020204030204" pitchFamily="34" charset="0"/>
-                <a:ea typeface="Calibri" panose="020F0502020204030204" pitchFamily="34" charset="0"/>
-                <a:cs typeface="Times New Roman" panose="02020603050405020304" pitchFamily="18" charset="0"/>
-              </a:rPr>
-              <a:t>Счастье группы </a:t>
-            </a:r>
-            <a:r>
-              <a:rPr lang="en-US" sz="2000" dirty="0" smtClean="0">
-                <a:latin typeface="Calibri" panose="020F0502020204030204" pitchFamily="34" charset="0"/>
-                <a:ea typeface="Calibri" panose="020F0502020204030204" pitchFamily="34" charset="0"/>
-                <a:cs typeface="Times New Roman" panose="02020603050405020304" pitchFamily="18" charset="0"/>
-              </a:rPr>
-              <a:t>D</a:t>
-            </a:r>
-            <a:r>
-              <a:rPr lang="ru-RU" sz="2000" dirty="0" smtClean="0">
-                <a:latin typeface="Calibri" panose="020F0502020204030204" pitchFamily="34" charset="0"/>
-                <a:ea typeface="Calibri" panose="020F0502020204030204" pitchFamily="34" charset="0"/>
-                <a:cs typeface="Times New Roman" panose="02020603050405020304" pitchFamily="18" charset="0"/>
-              </a:rPr>
-              <a:t>о</a:t>
-            </a:r>
-            <a:r>
-              <a:rPr lang="en-US" sz="2000" dirty="0" err="1" smtClean="0">
-                <a:latin typeface="Calibri" panose="020F0502020204030204" pitchFamily="34" charset="0"/>
-                <a:ea typeface="Calibri" panose="020F0502020204030204" pitchFamily="34" charset="0"/>
-                <a:cs typeface="Times New Roman" panose="02020603050405020304" pitchFamily="18" charset="0"/>
-              </a:rPr>
-              <a:t>csVision</a:t>
-            </a:r>
-            <a:r>
-              <a:rPr lang="ru-RU" sz="2000" dirty="0" smtClean="0">
-                <a:latin typeface="Calibri" panose="020F0502020204030204" pitchFamily="34" charset="0"/>
-                <a:ea typeface="Calibri" panose="020F0502020204030204" pitchFamily="34" charset="0"/>
-                <a:cs typeface="Times New Roman" panose="02020603050405020304" pitchFamily="18" charset="0"/>
-              </a:rPr>
-              <a:t> омрачено проблемами</a:t>
             </a:r>
             <a:endParaRPr lang="ru-RU" sz="2000" dirty="0">
               <a:latin typeface="Calibri" panose="020F0502020204030204" pitchFamily="34" charset="0"/>
@@ -4749,8 +4571,8 @@
         </p:nvSpPr>
         <p:spPr>
           <a:xfrm>
-            <a:off x="3996566" y="5989104"/>
-            <a:ext cx="7482672" cy="421654"/>
+            <a:off x="800523" y="1747677"/>
+            <a:ext cx="9510426" cy="4557145"/>
           </a:xfrm>
           <a:prstGeom prst="rect">
             <a:avLst/>
@@ -4771,66 +4593,306 @@
               </a:spcAft>
             </a:pPr>
             <a:r>
+              <a:rPr lang="ru-RU" sz="2000" b="1" dirty="0" smtClean="0">
+                <a:latin typeface="Calibri" panose="020F0502020204030204" pitchFamily="34" charset="0"/>
+                <a:ea typeface="Calibri" panose="020F0502020204030204" pitchFamily="34" charset="0"/>
+                <a:cs typeface="Times New Roman" panose="02020603050405020304" pitchFamily="18" charset="0"/>
+              </a:rPr>
+              <a:t>Источник данных </a:t>
+            </a:r>
+            <a:r>
               <a:rPr lang="ru-RU" sz="2000" dirty="0" smtClean="0">
                 <a:latin typeface="Calibri" panose="020F0502020204030204" pitchFamily="34" charset="0"/>
                 <a:ea typeface="Calibri" panose="020F0502020204030204" pitchFamily="34" charset="0"/>
                 <a:cs typeface="Times New Roman" panose="02020603050405020304" pitchFamily="18" charset="0"/>
               </a:rPr>
-              <a:t>Поговорим по понятиям</a:t>
-            </a:r>
-            <a:endParaRPr lang="ru-RU" sz="2000" dirty="0">
+              <a:t>– внешняя система, с которой работает наш код (</a:t>
+            </a:r>
+            <a:r>
+              <a:rPr lang="ru-RU" sz="2000" dirty="0">
+                <a:latin typeface="Calibri" panose="020F0502020204030204" pitchFamily="34" charset="0"/>
+                <a:ea typeface="Calibri" panose="020F0502020204030204" pitchFamily="34" charset="0"/>
+                <a:cs typeface="Times New Roman" panose="02020603050405020304" pitchFamily="18" charset="0"/>
+              </a:rPr>
+              <a:t>например, база данных или веб-сервис)</a:t>
+            </a:r>
+            <a:endParaRPr lang="en-US" sz="2000" b="1" dirty="0" smtClean="0">
               <a:latin typeface="Calibri" panose="020F0502020204030204" pitchFamily="34" charset="0"/>
               <a:ea typeface="Calibri" panose="020F0502020204030204" pitchFamily="34" charset="0"/>
               <a:cs typeface="Times New Roman" panose="02020603050405020304" pitchFamily="18" charset="0"/>
             </a:endParaRPr>
           </a:p>
-        </p:txBody>
-      </p:sp>
-      <p:pic>
-        <p:nvPicPr>
-          <p:cNvPr id="1026" name="Picture 2" descr="История появления гопников"/>
-          <p:cNvPicPr>
-            <a:picLocks noChangeAspect="1" noChangeArrowheads="1"/>
-          </p:cNvPicPr>
+          <a:p>
+            <a:pPr>
+              <a:lnSpc>
+                <a:spcPct val="107000"/>
+              </a:lnSpc>
+              <a:spcAft>
+                <a:spcPts val="800"/>
+              </a:spcAft>
+            </a:pPr>
+            <a:r>
+              <a:rPr lang="ru-RU" sz="2000" b="1" dirty="0" err="1" smtClean="0">
+                <a:latin typeface="Calibri" panose="020F0502020204030204" pitchFamily="34" charset="0"/>
+                <a:ea typeface="Calibri" panose="020F0502020204030204" pitchFamily="34" charset="0"/>
+                <a:cs typeface="Times New Roman" panose="02020603050405020304" pitchFamily="18" charset="0"/>
+              </a:rPr>
+              <a:t>Репозиторий</a:t>
+            </a:r>
+            <a:r>
+              <a:rPr lang="ru-RU" sz="2000" dirty="0" smtClean="0">
+                <a:latin typeface="Calibri" panose="020F0502020204030204" pitchFamily="34" charset="0"/>
+                <a:ea typeface="Calibri" panose="020F0502020204030204" pitchFamily="34" charset="0"/>
+                <a:cs typeface="Times New Roman" panose="02020603050405020304" pitchFamily="18" charset="0"/>
+              </a:rPr>
+              <a:t> </a:t>
+            </a:r>
+            <a:r>
+              <a:rPr lang="ru-RU" sz="2000" b="1" dirty="0" smtClean="0">
+                <a:latin typeface="Calibri" panose="020F0502020204030204" pitchFamily="34" charset="0"/>
+                <a:ea typeface="Calibri" panose="020F0502020204030204" pitchFamily="34" charset="0"/>
+                <a:cs typeface="Times New Roman" panose="02020603050405020304" pitchFamily="18" charset="0"/>
+              </a:rPr>
+              <a:t>–</a:t>
+            </a:r>
+            <a:r>
+              <a:rPr lang="ru-RU" sz="2000" dirty="0" smtClean="0">
+                <a:latin typeface="Calibri" panose="020F0502020204030204" pitchFamily="34" charset="0"/>
+                <a:ea typeface="Calibri" panose="020F0502020204030204" pitchFamily="34" charset="0"/>
+                <a:cs typeface="Times New Roman" panose="02020603050405020304" pitchFamily="18" charset="0"/>
+              </a:rPr>
+              <a:t> класс, который строит запросы к источнику данных, и выдает в качестве результата </a:t>
+            </a:r>
+            <a:r>
+              <a:rPr lang="en-US" sz="2000" dirty="0" smtClean="0">
+                <a:latin typeface="Calibri" panose="020F0502020204030204" pitchFamily="34" charset="0"/>
+                <a:ea typeface="Calibri" panose="020F0502020204030204" pitchFamily="34" charset="0"/>
+                <a:cs typeface="Times New Roman" panose="02020603050405020304" pitchFamily="18" charset="0"/>
+              </a:rPr>
+              <a:t>C# </a:t>
+            </a:r>
+            <a:r>
+              <a:rPr lang="ru-RU" sz="2000" dirty="0" smtClean="0">
+                <a:latin typeface="Calibri" panose="020F0502020204030204" pitchFamily="34" charset="0"/>
+                <a:ea typeface="Calibri" panose="020F0502020204030204" pitchFamily="34" charset="0"/>
+                <a:cs typeface="Times New Roman" panose="02020603050405020304" pitchFamily="18" charset="0"/>
+              </a:rPr>
+              <a:t>модели</a:t>
+            </a:r>
+          </a:p>
+          <a:p>
+            <a:pPr>
+              <a:lnSpc>
+                <a:spcPct val="107000"/>
+              </a:lnSpc>
+              <a:spcAft>
+                <a:spcPts val="800"/>
+              </a:spcAft>
+            </a:pPr>
+            <a:r>
+              <a:rPr lang="ru-RU" sz="2000" b="1" dirty="0" smtClean="0">
+                <a:latin typeface="Calibri" panose="020F0502020204030204" pitchFamily="34" charset="0"/>
+                <a:ea typeface="Calibri" panose="020F0502020204030204" pitchFamily="34" charset="0"/>
+                <a:cs typeface="Times New Roman" panose="02020603050405020304" pitchFamily="18" charset="0"/>
+              </a:rPr>
+              <a:t>Контекст </a:t>
+            </a:r>
+            <a:r>
+              <a:rPr lang="ru-RU" sz="2000" dirty="0" smtClean="0">
+                <a:latin typeface="Calibri" panose="020F0502020204030204" pitchFamily="34" charset="0"/>
+                <a:ea typeface="Calibri" panose="020F0502020204030204" pitchFamily="34" charset="0"/>
+                <a:cs typeface="Times New Roman" panose="02020603050405020304" pitchFamily="18" charset="0"/>
+              </a:rPr>
+              <a:t>– класс, который создает низкоуровневый коннект до системы, и позволяет строить к системы запросы (помощник </a:t>
+            </a:r>
+            <a:r>
+              <a:rPr lang="ru-RU" sz="2000" dirty="0" err="1" smtClean="0">
+                <a:latin typeface="Calibri" panose="020F0502020204030204" pitchFamily="34" charset="0"/>
+                <a:ea typeface="Calibri" panose="020F0502020204030204" pitchFamily="34" charset="0"/>
+                <a:cs typeface="Times New Roman" panose="02020603050405020304" pitchFamily="18" charset="0"/>
+              </a:rPr>
+              <a:t>репозитория</a:t>
+            </a:r>
+            <a:r>
+              <a:rPr lang="ru-RU" sz="2000" dirty="0" smtClean="0">
+                <a:latin typeface="Calibri" panose="020F0502020204030204" pitchFamily="34" charset="0"/>
+                <a:ea typeface="Calibri" panose="020F0502020204030204" pitchFamily="34" charset="0"/>
+                <a:cs typeface="Times New Roman" panose="02020603050405020304" pitchFamily="18" charset="0"/>
+              </a:rPr>
+              <a:t>)</a:t>
+            </a:r>
+            <a:endParaRPr lang="en-US" sz="2000" b="1" dirty="0" smtClean="0">
+              <a:latin typeface="Calibri" panose="020F0502020204030204" pitchFamily="34" charset="0"/>
+              <a:ea typeface="Calibri" panose="020F0502020204030204" pitchFamily="34" charset="0"/>
+              <a:cs typeface="Times New Roman" panose="02020603050405020304" pitchFamily="18" charset="0"/>
+            </a:endParaRPr>
+          </a:p>
+          <a:p>
+            <a:pPr>
+              <a:lnSpc>
+                <a:spcPct val="107000"/>
+              </a:lnSpc>
+              <a:spcAft>
+                <a:spcPts val="800"/>
+              </a:spcAft>
+            </a:pPr>
+            <a:r>
+              <a:rPr lang="ru-RU" sz="2000" b="1" dirty="0" smtClean="0">
+                <a:latin typeface="Calibri" panose="020F0502020204030204" pitchFamily="34" charset="0"/>
+                <a:ea typeface="Calibri" panose="020F0502020204030204" pitchFamily="34" charset="0"/>
+                <a:cs typeface="Times New Roman" panose="02020603050405020304" pitchFamily="18" charset="0"/>
+              </a:rPr>
+              <a:t>Сервис – </a:t>
+            </a:r>
+            <a:r>
+              <a:rPr lang="ru-RU" sz="2000" dirty="0" smtClean="0">
+                <a:latin typeface="Calibri" panose="020F0502020204030204" pitchFamily="34" charset="0"/>
+                <a:ea typeface="Calibri" panose="020F0502020204030204" pitchFamily="34" charset="0"/>
+                <a:cs typeface="Times New Roman" panose="02020603050405020304" pitchFamily="18" charset="0"/>
+              </a:rPr>
+              <a:t>класс, реализующий бизнес-логику. Может использовать </a:t>
+            </a:r>
+            <a:r>
+              <a:rPr lang="ru-RU" sz="2000" dirty="0" err="1" smtClean="0">
+                <a:latin typeface="Calibri" panose="020F0502020204030204" pitchFamily="34" charset="0"/>
+                <a:ea typeface="Calibri" panose="020F0502020204030204" pitchFamily="34" charset="0"/>
+                <a:cs typeface="Times New Roman" panose="02020603050405020304" pitchFamily="18" charset="0"/>
+              </a:rPr>
+              <a:t>репозитории</a:t>
+            </a:r>
+            <a:r>
+              <a:rPr lang="ru-RU" sz="2000" dirty="0" smtClean="0">
+                <a:latin typeface="Calibri" panose="020F0502020204030204" pitchFamily="34" charset="0"/>
+                <a:ea typeface="Calibri" panose="020F0502020204030204" pitchFamily="34" charset="0"/>
+                <a:cs typeface="Times New Roman" panose="02020603050405020304" pitchFamily="18" charset="0"/>
+              </a:rPr>
+              <a:t> для запросов к базе, или другие вспомогательные сервисы</a:t>
+            </a:r>
+          </a:p>
+          <a:p>
+            <a:pPr>
+              <a:lnSpc>
+                <a:spcPct val="107000"/>
+              </a:lnSpc>
+              <a:spcAft>
+                <a:spcPts val="800"/>
+              </a:spcAft>
+            </a:pPr>
+            <a:r>
+              <a:rPr lang="en-US" sz="2000" b="1" dirty="0" smtClean="0">
+                <a:latin typeface="Calibri" panose="020F0502020204030204" pitchFamily="34" charset="0"/>
+                <a:ea typeface="Calibri" panose="020F0502020204030204" pitchFamily="34" charset="0"/>
+                <a:cs typeface="Times New Roman" panose="02020603050405020304" pitchFamily="18" charset="0"/>
+              </a:rPr>
+              <a:t>Use Case </a:t>
+            </a:r>
+            <a:r>
+              <a:rPr lang="ru-RU" sz="2000" dirty="0" smtClean="0">
+                <a:latin typeface="Calibri" panose="020F0502020204030204" pitchFamily="34" charset="0"/>
+                <a:ea typeface="Calibri" panose="020F0502020204030204" pitchFamily="34" charset="0"/>
+                <a:cs typeface="Times New Roman" panose="02020603050405020304" pitchFamily="18" charset="0"/>
+              </a:rPr>
+              <a:t>– в сложных алгоритмах когда одни сервисы вызывают другие сервисы можно выделить самый </a:t>
+            </a:r>
+            <a:r>
+              <a:rPr lang="ru-RU" sz="2000" dirty="0" err="1" smtClean="0">
+                <a:latin typeface="Calibri" panose="020F0502020204030204" pitchFamily="34" charset="0"/>
+                <a:ea typeface="Calibri" panose="020F0502020204030204" pitchFamily="34" charset="0"/>
+                <a:cs typeface="Times New Roman" panose="02020603050405020304" pitchFamily="18" charset="0"/>
+              </a:rPr>
+              <a:t>верхнеуровневый</a:t>
+            </a:r>
+            <a:r>
+              <a:rPr lang="ru-RU" sz="2000" dirty="0" smtClean="0">
+                <a:latin typeface="Calibri" panose="020F0502020204030204" pitchFamily="34" charset="0"/>
+                <a:ea typeface="Calibri" panose="020F0502020204030204" pitchFamily="34" charset="0"/>
+                <a:cs typeface="Times New Roman" panose="02020603050405020304" pitchFamily="18" charset="0"/>
+              </a:rPr>
+              <a:t> сервис (которые вызывают вспомогательные сервисы), сделав его «</a:t>
+            </a:r>
+            <a:r>
+              <a:rPr lang="ru-RU" sz="2000" dirty="0" err="1" smtClean="0">
+                <a:latin typeface="Calibri" panose="020F0502020204030204" pitchFamily="34" charset="0"/>
+                <a:ea typeface="Calibri" panose="020F0502020204030204" pitchFamily="34" charset="0"/>
+                <a:cs typeface="Times New Roman" panose="02020603050405020304" pitchFamily="18" charset="0"/>
+              </a:rPr>
+              <a:t>ЮзКейсом</a:t>
+            </a:r>
+            <a:r>
+              <a:rPr lang="ru-RU" sz="2000" dirty="0" smtClean="0">
+                <a:latin typeface="Calibri" panose="020F0502020204030204" pitchFamily="34" charset="0"/>
+                <a:ea typeface="Calibri" panose="020F0502020204030204" pitchFamily="34" charset="0"/>
+                <a:cs typeface="Times New Roman" panose="02020603050405020304" pitchFamily="18" charset="0"/>
+              </a:rPr>
+              <a:t>»</a:t>
+            </a:r>
+          </a:p>
+          <a:p>
+            <a:pPr>
+              <a:lnSpc>
+                <a:spcPct val="107000"/>
+              </a:lnSpc>
+              <a:spcAft>
+                <a:spcPts val="800"/>
+              </a:spcAft>
+            </a:pPr>
+            <a:endParaRPr lang="ru-RU" sz="2000" b="1" dirty="0">
+              <a:latin typeface="Calibri" panose="020F0502020204030204" pitchFamily="34" charset="0"/>
+              <a:ea typeface="Calibri" panose="020F0502020204030204" pitchFamily="34" charset="0"/>
+              <a:cs typeface="Times New Roman" panose="02020603050405020304" pitchFamily="18" charset="0"/>
+            </a:endParaRPr>
+          </a:p>
+        </p:txBody>
+      </p:sp>
+      <p:sp>
+        <p:nvSpPr>
+          <p:cNvPr id="4" name="Прямоугольник 3"/>
+          <p:cNvSpPr/>
           <p:nvPr/>
-        </p:nvPicPr>
-        <p:blipFill>
-          <a:blip r:embed="rId2">
-            <a:extLst>
-              <a:ext uri="{28A0092B-C50C-407E-A947-70E740481C1C}">
-                <a14:useLocalDpi xmlns:a14="http://schemas.microsoft.com/office/drawing/2010/main" val="0"/>
-              </a:ext>
-            </a:extLst>
-          </a:blip>
-          <a:srcRect/>
-          <a:stretch>
-            <a:fillRect/>
-          </a:stretch>
-        </p:blipFill>
-        <p:spPr bwMode="auto">
+        </p:nvSpPr>
+        <p:spPr>
           <a:xfrm>
-            <a:off x="2891246" y="64428"/>
-            <a:ext cx="5698254" cy="5698254"/>
+            <a:off x="3447925" y="659460"/>
+            <a:ext cx="7482672" cy="470000"/>
           </a:xfrm>
           <a:prstGeom prst="rect">
             <a:avLst/>
           </a:prstGeom>
-          <a:noFill/>
-          <a:extLst>
-            <a:ext uri="{909E8E84-426E-40DD-AFC4-6F175D3DCCD1}">
-              <a14:hiddenFill xmlns:a14="http://schemas.microsoft.com/office/drawing/2010/main">
-                <a:solidFill>
-                  <a:srgbClr val="FFFFFF"/>
-                </a:solidFill>
-              </a14:hiddenFill>
-            </a:ext>
-          </a:extLst>
         </p:spPr>
-      </p:pic>
+        <p:txBody>
+          <a:bodyPr wrap="square">
+            <a:spAutoFit/>
+          </a:bodyPr>
+          <a:lstStyle/>
+          <a:p>
+            <a:pPr>
+              <a:lnSpc>
+                <a:spcPct val="107000"/>
+              </a:lnSpc>
+              <a:spcAft>
+                <a:spcPts val="800"/>
+              </a:spcAft>
+            </a:pPr>
+            <a:r>
+              <a:rPr lang="ru-RU" sz="2400" b="1" dirty="0" smtClean="0">
+                <a:latin typeface="Calibri" panose="020F0502020204030204" pitchFamily="34" charset="0"/>
+                <a:ea typeface="Calibri" panose="020F0502020204030204" pitchFamily="34" charset="0"/>
+                <a:cs typeface="Times New Roman" panose="02020603050405020304" pitchFamily="18" charset="0"/>
+              </a:rPr>
+              <a:t>Введем некоторые понятия</a:t>
+            </a:r>
+            <a:endParaRPr lang="ru-RU" sz="2400" b="1" dirty="0">
+              <a:latin typeface="Calibri" panose="020F0502020204030204" pitchFamily="34" charset="0"/>
+              <a:ea typeface="Calibri" panose="020F0502020204030204" pitchFamily="34" charset="0"/>
+              <a:cs typeface="Times New Roman" panose="02020603050405020304" pitchFamily="18" charset="0"/>
+            </a:endParaRPr>
+          </a:p>
+        </p:txBody>
+      </p:sp>
     </p:spTree>
     <p:extLst>
       <p:ext uri="{BB962C8B-B14F-4D97-AF65-F5344CB8AC3E}">
-        <p14:creationId xmlns:p14="http://schemas.microsoft.com/office/powerpoint/2010/main" val="2456701237"/>
+        <p14:creationId xmlns:p14="http://schemas.microsoft.com/office/powerpoint/2010/main" val="150873901"/>
       </p:ext>
     </p:extLst>
   </p:cSld>
@@ -4898,358 +4960,6 @@
           <a:chExt cx="0" cy="0"/>
         </a:xfrm>
       </p:grpSpPr>
-      <p:sp>
-        <p:nvSpPr>
-          <p:cNvPr id="6" name="Прямоугольник 5"/>
-          <p:cNvSpPr/>
-          <p:nvPr/>
-        </p:nvSpPr>
-        <p:spPr>
-          <a:xfrm>
-            <a:off x="765689" y="1503837"/>
-            <a:ext cx="9510426" cy="4557145"/>
-          </a:xfrm>
-          <a:prstGeom prst="rect">
-            <a:avLst/>
-          </a:prstGeom>
-        </p:spPr>
-        <p:txBody>
-          <a:bodyPr wrap="square">
-            <a:spAutoFit/>
-          </a:bodyPr>
-          <a:lstStyle/>
-          <a:p>
-            <a:pPr>
-              <a:lnSpc>
-                <a:spcPct val="107000"/>
-              </a:lnSpc>
-              <a:spcAft>
-                <a:spcPts val="800"/>
-              </a:spcAft>
-            </a:pPr>
-            <a:r>
-              <a:rPr lang="ru-RU" sz="2000" b="1" dirty="0" smtClean="0">
-                <a:latin typeface="Calibri" panose="020F0502020204030204" pitchFamily="34" charset="0"/>
-                <a:ea typeface="Calibri" panose="020F0502020204030204" pitchFamily="34" charset="0"/>
-                <a:cs typeface="Times New Roman" panose="02020603050405020304" pitchFamily="18" charset="0"/>
-              </a:rPr>
-              <a:t>Источник данных </a:t>
-            </a:r>
-            <a:r>
-              <a:rPr lang="ru-RU" sz="2000" dirty="0" smtClean="0">
-                <a:latin typeface="Calibri" panose="020F0502020204030204" pitchFamily="34" charset="0"/>
-                <a:ea typeface="Calibri" panose="020F0502020204030204" pitchFamily="34" charset="0"/>
-                <a:cs typeface="Times New Roman" panose="02020603050405020304" pitchFamily="18" charset="0"/>
-              </a:rPr>
-              <a:t>– внешняя система, с которой работает наш код (</a:t>
-            </a:r>
-            <a:r>
-              <a:rPr lang="ru-RU" sz="2000" dirty="0">
-                <a:latin typeface="Calibri" panose="020F0502020204030204" pitchFamily="34" charset="0"/>
-                <a:ea typeface="Calibri" panose="020F0502020204030204" pitchFamily="34" charset="0"/>
-                <a:cs typeface="Times New Roman" panose="02020603050405020304" pitchFamily="18" charset="0"/>
-              </a:rPr>
-              <a:t>например, база данных или веб-сервис)</a:t>
-            </a:r>
-            <a:endParaRPr lang="en-US" sz="2000" b="1" dirty="0" smtClean="0">
-              <a:latin typeface="Calibri" panose="020F0502020204030204" pitchFamily="34" charset="0"/>
-              <a:ea typeface="Calibri" panose="020F0502020204030204" pitchFamily="34" charset="0"/>
-              <a:cs typeface="Times New Roman" panose="02020603050405020304" pitchFamily="18" charset="0"/>
-            </a:endParaRPr>
-          </a:p>
-          <a:p>
-            <a:pPr>
-              <a:lnSpc>
-                <a:spcPct val="107000"/>
-              </a:lnSpc>
-              <a:spcAft>
-                <a:spcPts val="800"/>
-              </a:spcAft>
-            </a:pPr>
-            <a:r>
-              <a:rPr lang="ru-RU" sz="2000" b="1" dirty="0" err="1" smtClean="0">
-                <a:latin typeface="Calibri" panose="020F0502020204030204" pitchFamily="34" charset="0"/>
-                <a:ea typeface="Calibri" panose="020F0502020204030204" pitchFamily="34" charset="0"/>
-                <a:cs typeface="Times New Roman" panose="02020603050405020304" pitchFamily="18" charset="0"/>
-              </a:rPr>
-              <a:t>Репозиторий</a:t>
-            </a:r>
-            <a:r>
-              <a:rPr lang="ru-RU" sz="2000" dirty="0" smtClean="0">
-                <a:latin typeface="Calibri" panose="020F0502020204030204" pitchFamily="34" charset="0"/>
-                <a:ea typeface="Calibri" panose="020F0502020204030204" pitchFamily="34" charset="0"/>
-                <a:cs typeface="Times New Roman" panose="02020603050405020304" pitchFamily="18" charset="0"/>
-              </a:rPr>
-              <a:t> </a:t>
-            </a:r>
-            <a:r>
-              <a:rPr lang="ru-RU" sz="2000" b="1" dirty="0" smtClean="0">
-                <a:latin typeface="Calibri" panose="020F0502020204030204" pitchFamily="34" charset="0"/>
-                <a:ea typeface="Calibri" panose="020F0502020204030204" pitchFamily="34" charset="0"/>
-                <a:cs typeface="Times New Roman" panose="02020603050405020304" pitchFamily="18" charset="0"/>
-              </a:rPr>
-              <a:t>–</a:t>
-            </a:r>
-            <a:r>
-              <a:rPr lang="ru-RU" sz="2000" dirty="0" smtClean="0">
-                <a:latin typeface="Calibri" panose="020F0502020204030204" pitchFamily="34" charset="0"/>
-                <a:ea typeface="Calibri" panose="020F0502020204030204" pitchFamily="34" charset="0"/>
-                <a:cs typeface="Times New Roman" panose="02020603050405020304" pitchFamily="18" charset="0"/>
-              </a:rPr>
-              <a:t> класс, который строит запросы к источнику данных, и выдает в качестве результата </a:t>
-            </a:r>
-            <a:r>
-              <a:rPr lang="en-US" sz="2000" dirty="0" smtClean="0">
-                <a:latin typeface="Calibri" panose="020F0502020204030204" pitchFamily="34" charset="0"/>
-                <a:ea typeface="Calibri" panose="020F0502020204030204" pitchFamily="34" charset="0"/>
-                <a:cs typeface="Times New Roman" panose="02020603050405020304" pitchFamily="18" charset="0"/>
-              </a:rPr>
-              <a:t>C# </a:t>
-            </a:r>
-            <a:r>
-              <a:rPr lang="ru-RU" sz="2000" dirty="0" smtClean="0">
-                <a:latin typeface="Calibri" panose="020F0502020204030204" pitchFamily="34" charset="0"/>
-                <a:ea typeface="Calibri" panose="020F0502020204030204" pitchFamily="34" charset="0"/>
-                <a:cs typeface="Times New Roman" panose="02020603050405020304" pitchFamily="18" charset="0"/>
-              </a:rPr>
-              <a:t>модели</a:t>
-            </a:r>
-          </a:p>
-          <a:p>
-            <a:pPr>
-              <a:lnSpc>
-                <a:spcPct val="107000"/>
-              </a:lnSpc>
-              <a:spcAft>
-                <a:spcPts val="800"/>
-              </a:spcAft>
-            </a:pPr>
-            <a:r>
-              <a:rPr lang="ru-RU" sz="2000" b="1" dirty="0" smtClean="0">
-                <a:latin typeface="Calibri" panose="020F0502020204030204" pitchFamily="34" charset="0"/>
-                <a:ea typeface="Calibri" panose="020F0502020204030204" pitchFamily="34" charset="0"/>
-                <a:cs typeface="Times New Roman" panose="02020603050405020304" pitchFamily="18" charset="0"/>
-              </a:rPr>
-              <a:t>Контекст </a:t>
-            </a:r>
-            <a:r>
-              <a:rPr lang="ru-RU" sz="2000" dirty="0" smtClean="0">
-                <a:latin typeface="Calibri" panose="020F0502020204030204" pitchFamily="34" charset="0"/>
-                <a:ea typeface="Calibri" panose="020F0502020204030204" pitchFamily="34" charset="0"/>
-                <a:cs typeface="Times New Roman" panose="02020603050405020304" pitchFamily="18" charset="0"/>
-              </a:rPr>
-              <a:t>– класс, который создает низкоуровневый коннект до системы, и позволяет строить к системы запросы (помощник </a:t>
-            </a:r>
-            <a:r>
-              <a:rPr lang="ru-RU" sz="2000" dirty="0" err="1" smtClean="0">
-                <a:latin typeface="Calibri" panose="020F0502020204030204" pitchFamily="34" charset="0"/>
-                <a:ea typeface="Calibri" panose="020F0502020204030204" pitchFamily="34" charset="0"/>
-                <a:cs typeface="Times New Roman" panose="02020603050405020304" pitchFamily="18" charset="0"/>
-              </a:rPr>
-              <a:t>репозитория</a:t>
-            </a:r>
-            <a:r>
-              <a:rPr lang="ru-RU" sz="2000" dirty="0" smtClean="0">
-                <a:latin typeface="Calibri" panose="020F0502020204030204" pitchFamily="34" charset="0"/>
-                <a:ea typeface="Calibri" panose="020F0502020204030204" pitchFamily="34" charset="0"/>
-                <a:cs typeface="Times New Roman" panose="02020603050405020304" pitchFamily="18" charset="0"/>
-              </a:rPr>
-              <a:t>)</a:t>
-            </a:r>
-            <a:endParaRPr lang="en-US" sz="2000" b="1" dirty="0" smtClean="0">
-              <a:latin typeface="Calibri" panose="020F0502020204030204" pitchFamily="34" charset="0"/>
-              <a:ea typeface="Calibri" panose="020F0502020204030204" pitchFamily="34" charset="0"/>
-              <a:cs typeface="Times New Roman" panose="02020603050405020304" pitchFamily="18" charset="0"/>
-            </a:endParaRPr>
-          </a:p>
-          <a:p>
-            <a:pPr>
-              <a:lnSpc>
-                <a:spcPct val="107000"/>
-              </a:lnSpc>
-              <a:spcAft>
-                <a:spcPts val="800"/>
-              </a:spcAft>
-            </a:pPr>
-            <a:r>
-              <a:rPr lang="ru-RU" sz="2000" b="1" dirty="0" smtClean="0">
-                <a:latin typeface="Calibri" panose="020F0502020204030204" pitchFamily="34" charset="0"/>
-                <a:ea typeface="Calibri" panose="020F0502020204030204" pitchFamily="34" charset="0"/>
-                <a:cs typeface="Times New Roman" panose="02020603050405020304" pitchFamily="18" charset="0"/>
-              </a:rPr>
-              <a:t>Сервис – </a:t>
-            </a:r>
-            <a:r>
-              <a:rPr lang="ru-RU" sz="2000" dirty="0" smtClean="0">
-                <a:latin typeface="Calibri" panose="020F0502020204030204" pitchFamily="34" charset="0"/>
-                <a:ea typeface="Calibri" panose="020F0502020204030204" pitchFamily="34" charset="0"/>
-                <a:cs typeface="Times New Roman" panose="02020603050405020304" pitchFamily="18" charset="0"/>
-              </a:rPr>
-              <a:t>класс, реализующий бизнес-логику. Может использовать </a:t>
-            </a:r>
-            <a:r>
-              <a:rPr lang="ru-RU" sz="2000" dirty="0" err="1" smtClean="0">
-                <a:latin typeface="Calibri" panose="020F0502020204030204" pitchFamily="34" charset="0"/>
-                <a:ea typeface="Calibri" panose="020F0502020204030204" pitchFamily="34" charset="0"/>
-                <a:cs typeface="Times New Roman" panose="02020603050405020304" pitchFamily="18" charset="0"/>
-              </a:rPr>
-              <a:t>репозитории</a:t>
-            </a:r>
-            <a:r>
-              <a:rPr lang="ru-RU" sz="2000" dirty="0" smtClean="0">
-                <a:latin typeface="Calibri" panose="020F0502020204030204" pitchFamily="34" charset="0"/>
-                <a:ea typeface="Calibri" panose="020F0502020204030204" pitchFamily="34" charset="0"/>
-                <a:cs typeface="Times New Roman" panose="02020603050405020304" pitchFamily="18" charset="0"/>
-              </a:rPr>
-              <a:t> для запросов к базе, или другие вспомогательные сервисы</a:t>
-            </a:r>
-          </a:p>
-          <a:p>
-            <a:pPr>
-              <a:lnSpc>
-                <a:spcPct val="107000"/>
-              </a:lnSpc>
-              <a:spcAft>
-                <a:spcPts val="800"/>
-              </a:spcAft>
-            </a:pPr>
-            <a:r>
-              <a:rPr lang="en-US" sz="2000" b="1" dirty="0" smtClean="0">
-                <a:latin typeface="Calibri" panose="020F0502020204030204" pitchFamily="34" charset="0"/>
-                <a:ea typeface="Calibri" panose="020F0502020204030204" pitchFamily="34" charset="0"/>
-                <a:cs typeface="Times New Roman" panose="02020603050405020304" pitchFamily="18" charset="0"/>
-              </a:rPr>
-              <a:t>Use Case </a:t>
-            </a:r>
-            <a:r>
-              <a:rPr lang="ru-RU" sz="2000" dirty="0" smtClean="0">
-                <a:latin typeface="Calibri" panose="020F0502020204030204" pitchFamily="34" charset="0"/>
-                <a:ea typeface="Calibri" panose="020F0502020204030204" pitchFamily="34" charset="0"/>
-                <a:cs typeface="Times New Roman" panose="02020603050405020304" pitchFamily="18" charset="0"/>
-              </a:rPr>
-              <a:t>– в сложных алгоритмах когда одни сервисы вызывают другие сервисы можно выделить самый </a:t>
-            </a:r>
-            <a:r>
-              <a:rPr lang="ru-RU" sz="2000" dirty="0" err="1" smtClean="0">
-                <a:latin typeface="Calibri" panose="020F0502020204030204" pitchFamily="34" charset="0"/>
-                <a:ea typeface="Calibri" panose="020F0502020204030204" pitchFamily="34" charset="0"/>
-                <a:cs typeface="Times New Roman" panose="02020603050405020304" pitchFamily="18" charset="0"/>
-              </a:rPr>
-              <a:t>верхнеуровневый</a:t>
-            </a:r>
-            <a:r>
-              <a:rPr lang="ru-RU" sz="2000" dirty="0" smtClean="0">
-                <a:latin typeface="Calibri" panose="020F0502020204030204" pitchFamily="34" charset="0"/>
-                <a:ea typeface="Calibri" panose="020F0502020204030204" pitchFamily="34" charset="0"/>
-                <a:cs typeface="Times New Roman" panose="02020603050405020304" pitchFamily="18" charset="0"/>
-              </a:rPr>
-              <a:t> сервис (которые вызывают вспомогательные сервисы), сделав его «</a:t>
-            </a:r>
-            <a:r>
-              <a:rPr lang="ru-RU" sz="2000" dirty="0" err="1" smtClean="0">
-                <a:latin typeface="Calibri" panose="020F0502020204030204" pitchFamily="34" charset="0"/>
-                <a:ea typeface="Calibri" panose="020F0502020204030204" pitchFamily="34" charset="0"/>
-                <a:cs typeface="Times New Roman" panose="02020603050405020304" pitchFamily="18" charset="0"/>
-              </a:rPr>
-              <a:t>ЮзКейсом</a:t>
-            </a:r>
-            <a:r>
-              <a:rPr lang="ru-RU" sz="2000" dirty="0" smtClean="0">
-                <a:latin typeface="Calibri" panose="020F0502020204030204" pitchFamily="34" charset="0"/>
-                <a:ea typeface="Calibri" panose="020F0502020204030204" pitchFamily="34" charset="0"/>
-                <a:cs typeface="Times New Roman" panose="02020603050405020304" pitchFamily="18" charset="0"/>
-              </a:rPr>
-              <a:t>»</a:t>
-            </a:r>
-          </a:p>
-          <a:p>
-            <a:pPr>
-              <a:lnSpc>
-                <a:spcPct val="107000"/>
-              </a:lnSpc>
-              <a:spcAft>
-                <a:spcPts val="800"/>
-              </a:spcAft>
-            </a:pPr>
-            <a:endParaRPr lang="ru-RU" sz="2000" b="1" dirty="0">
-              <a:latin typeface="Calibri" panose="020F0502020204030204" pitchFamily="34" charset="0"/>
-              <a:ea typeface="Calibri" panose="020F0502020204030204" pitchFamily="34" charset="0"/>
-              <a:cs typeface="Times New Roman" panose="02020603050405020304" pitchFamily="18" charset="0"/>
-            </a:endParaRPr>
-          </a:p>
-        </p:txBody>
-      </p:sp>
-    </p:spTree>
-    <p:extLst>
-      <p:ext uri="{BB962C8B-B14F-4D97-AF65-F5344CB8AC3E}">
-        <p14:creationId xmlns:p14="http://schemas.microsoft.com/office/powerpoint/2010/main" val="150873901"/>
-      </p:ext>
-    </p:extLst>
-  </p:cSld>
-  <p:clrMapOvr>
-    <a:masterClrMapping/>
-  </p:clrMapOvr>
-  <p:timing>
-    <p:tnLst>
-      <p:par>
-        <p:cTn id="1" dur="indefinite" restart="never" nodeType="tmRoot"/>
-      </p:par>
-    </p:tnLst>
-  </p:timing>
-</p:sld>
-</file>
-
-<file path=ppt/slides/slide6.xml><?xml version="1.0" encoding="utf-8"?>
-<p:sld xmlns:a="http://schemas.openxmlformats.org/drawingml/2006/main" xmlns:r="http://schemas.openxmlformats.org/officeDocument/2006/relationships" xmlns:p="http://schemas.openxmlformats.org/presentationml/2006/main">
-  <p:cSld>
-    <p:bg>
-      <p:bgPr>
-        <a:gradFill>
-          <a:gsLst>
-            <a:gs pos="0">
-              <a:schemeClr val="accent1">
-                <a:lumMod val="5000"/>
-                <a:lumOff val="95000"/>
-              </a:schemeClr>
-            </a:gs>
-            <a:gs pos="74000">
-              <a:schemeClr val="accent1">
-                <a:lumMod val="45000"/>
-                <a:lumOff val="55000"/>
-              </a:schemeClr>
-            </a:gs>
-            <a:gs pos="83000">
-              <a:schemeClr val="accent1">
-                <a:lumMod val="45000"/>
-                <a:lumOff val="55000"/>
-              </a:schemeClr>
-            </a:gs>
-            <a:gs pos="100000">
-              <a:schemeClr val="accent1">
-                <a:lumMod val="30000"/>
-                <a:lumOff val="70000"/>
-              </a:schemeClr>
-            </a:gs>
-          </a:gsLst>
-          <a:lin ang="5400000" scaled="1"/>
-        </a:gradFill>
-        <a:effectLst/>
-      </p:bgPr>
-    </p:bg>
-    <p:spTree>
-      <p:nvGrpSpPr>
-        <p:cNvPr id="1" name=""/>
-        <p:cNvGrpSpPr/>
-        <p:nvPr/>
-      </p:nvGrpSpPr>
-      <p:grpSpPr>
-        <a:xfrm>
-          <a:off x="0" y="0"/>
-          <a:ext cx="0" cy="0"/>
-          <a:chOff x="0" y="0"/>
-          <a:chExt cx="0" cy="0"/>
-        </a:xfrm>
-      </p:grpSpPr>
       <p:graphicFrame>
         <p:nvGraphicFramePr>
           <p:cNvPr id="2" name="Таблица 1"/>
@@ -5259,14 +4969,14 @@
           <p:nvPr>
             <p:extLst>
               <p:ext uri="{D42A27DB-BD31-4B8C-83A1-F6EECF244321}">
-                <p14:modId xmlns:p14="http://schemas.microsoft.com/office/powerpoint/2010/main" val="1945979134"/>
+                <p14:modId xmlns:p14="http://schemas.microsoft.com/office/powerpoint/2010/main" val="3201552674"/>
               </p:ext>
             </p:extLst>
           </p:nvPr>
         </p:nvGraphicFramePr>
         <p:xfrm>
-          <a:off x="1640114" y="2118512"/>
-          <a:ext cx="7538720" cy="2283216"/>
+          <a:off x="2963817" y="1979175"/>
+          <a:ext cx="5683795" cy="2283216"/>
         </p:xfrm>
         <a:graphic>
           <a:graphicData uri="http://schemas.openxmlformats.org/drawingml/2006/table">
@@ -5275,14 +4985,14 @@
                 <a:tableStyleId>{5A111915-BE36-4E01-A7E5-04B1672EAD32}</a:tableStyleId>
               </a:tblPr>
               <a:tblGrid>
-                <a:gridCol w="3769360">
+                <a:gridCol w="1991360">
                   <a:extLst>
                     <a:ext uri="{9D8B030D-6E8A-4147-A177-3AD203B41FA5}">
                       <a16:colId xmlns:a16="http://schemas.microsoft.com/office/drawing/2014/main" val="1968324072"/>
                     </a:ext>
                   </a:extLst>
                 </a:gridCol>
-                <a:gridCol w="3769360">
+                <a:gridCol w="3692435">
                   <a:extLst>
                     <a:ext uri="{9D8B030D-6E8A-4147-A177-3AD203B41FA5}">
                       <a16:colId xmlns:a16="http://schemas.microsoft.com/office/drawing/2014/main" val="1264896629"/>
@@ -5497,6 +5207,51 @@
           </a:graphicData>
         </a:graphic>
       </p:graphicFrame>
+      <p:sp>
+        <p:nvSpPr>
+          <p:cNvPr id="3" name="Прямоугольник 2"/>
+          <p:cNvSpPr/>
+          <p:nvPr/>
+        </p:nvSpPr>
+        <p:spPr>
+          <a:xfrm>
+            <a:off x="3369549" y="694294"/>
+            <a:ext cx="7482672" cy="487506"/>
+          </a:xfrm>
+          <a:prstGeom prst="rect">
+            <a:avLst/>
+          </a:prstGeom>
+        </p:spPr>
+        <p:txBody>
+          <a:bodyPr wrap="square">
+            <a:spAutoFit/>
+          </a:bodyPr>
+          <a:lstStyle/>
+          <a:p>
+            <a:pPr>
+              <a:lnSpc>
+                <a:spcPct val="107000"/>
+              </a:lnSpc>
+              <a:spcAft>
+                <a:spcPts val="800"/>
+              </a:spcAft>
+            </a:pPr>
+            <a:r>
+              <a:rPr lang="ru-RU" sz="2400" b="1" dirty="0" smtClean="0">
+                <a:latin typeface="Calibri" panose="020F0502020204030204" pitchFamily="34" charset="0"/>
+                <a:ea typeface="Calibri" panose="020F0502020204030204" pitchFamily="34" charset="0"/>
+                <a:cs typeface="Times New Roman" panose="02020603050405020304" pitchFamily="18" charset="0"/>
+              </a:rPr>
+              <a:t>Правила наименования классов</a:t>
+            </a:r>
+            <a:endParaRPr lang="ru-RU" sz="2400" b="1" dirty="0">
+              <a:latin typeface="Calibri" panose="020F0502020204030204" pitchFamily="34" charset="0"/>
+              <a:ea typeface="Calibri" panose="020F0502020204030204" pitchFamily="34" charset="0"/>
+              <a:cs typeface="Times New Roman" panose="02020603050405020304" pitchFamily="18" charset="0"/>
+            </a:endParaRPr>
+          </a:p>
+        </p:txBody>
+      </p:sp>
     </p:spTree>
     <p:extLst>
       <p:ext uri="{BB962C8B-B14F-4D97-AF65-F5344CB8AC3E}">
@@ -5517,7 +5272,7 @@
 </p:sld>
 </file>
 
-<file path=ppt/slides/slide7.xml><?xml version="1.0" encoding="utf-8"?>
+<file path=ppt/slides/slide6.xml><?xml version="1.0" encoding="utf-8"?>
 <p:sld xmlns:a="http://schemas.openxmlformats.org/drawingml/2006/main" xmlns:r="http://schemas.openxmlformats.org/officeDocument/2006/relationships" xmlns:p="http://schemas.openxmlformats.org/presentationml/2006/main">
   <p:cSld>
     <p:bg>
@@ -5576,7 +5331,7 @@
         </p:nvSpPr>
         <p:spPr>
           <a:xfrm>
-            <a:off x="1096615" y="2583699"/>
+            <a:off x="1166283" y="1991516"/>
             <a:ext cx="9510426" cy="3034677"/>
           </a:xfrm>
           <a:prstGeom prst="rect">
@@ -5740,6 +5495,51 @@
               </a:spcAft>
             </a:pPr>
             <a:endParaRPr lang="ru-RU" sz="2000" b="1" dirty="0">
+              <a:latin typeface="Calibri" panose="020F0502020204030204" pitchFamily="34" charset="0"/>
+              <a:ea typeface="Calibri" panose="020F0502020204030204" pitchFamily="34" charset="0"/>
+              <a:cs typeface="Times New Roman" panose="02020603050405020304" pitchFamily="18" charset="0"/>
+            </a:endParaRPr>
+          </a:p>
+        </p:txBody>
+      </p:sp>
+      <p:sp>
+        <p:nvSpPr>
+          <p:cNvPr id="3" name="Прямоугольник 2"/>
+          <p:cNvSpPr/>
+          <p:nvPr/>
+        </p:nvSpPr>
+        <p:spPr>
+          <a:xfrm>
+            <a:off x="3447925" y="659460"/>
+            <a:ext cx="7482672" cy="470000"/>
+          </a:xfrm>
+          <a:prstGeom prst="rect">
+            <a:avLst/>
+          </a:prstGeom>
+        </p:spPr>
+        <p:txBody>
+          <a:bodyPr wrap="square">
+            <a:spAutoFit/>
+          </a:bodyPr>
+          <a:lstStyle/>
+          <a:p>
+            <a:pPr>
+              <a:lnSpc>
+                <a:spcPct val="107000"/>
+              </a:lnSpc>
+              <a:spcAft>
+                <a:spcPts val="800"/>
+              </a:spcAft>
+            </a:pPr>
+            <a:r>
+              <a:rPr lang="ru-RU" sz="2400" b="1" dirty="0" smtClean="0">
+                <a:latin typeface="Calibri" panose="020F0502020204030204" pitchFamily="34" charset="0"/>
+                <a:ea typeface="Calibri" panose="020F0502020204030204" pitchFamily="34" charset="0"/>
+                <a:cs typeface="Times New Roman" panose="02020603050405020304" pitchFamily="18" charset="0"/>
+              </a:rPr>
+              <a:t>Введем понятия архитектурных слоев</a:t>
+            </a:r>
+            <a:endParaRPr lang="ru-RU" sz="2400" b="1" dirty="0">
               <a:latin typeface="Calibri" panose="020F0502020204030204" pitchFamily="34" charset="0"/>
               <a:ea typeface="Calibri" panose="020F0502020204030204" pitchFamily="34" charset="0"/>
               <a:cs typeface="Times New Roman" panose="02020603050405020304" pitchFamily="18" charset="0"/>
@@ -5767,7 +5567,7 @@
 </p:sld>
 </file>
 
-<file path=ppt/slides/slide8.xml><?xml version="1.0" encoding="utf-8"?>
+<file path=ppt/slides/slide7.xml><?xml version="1.0" encoding="utf-8"?>
 <p:sld xmlns:a="http://schemas.openxmlformats.org/drawingml/2006/main" xmlns:r="http://schemas.openxmlformats.org/officeDocument/2006/relationships" xmlns:p="http://schemas.openxmlformats.org/presentationml/2006/main">
   <p:cSld>
     <p:bg>
@@ -6206,7 +6006,7 @@
 </p:sld>
 </file>
 
-<file path=ppt/slides/slide9.xml><?xml version="1.0" encoding="utf-8"?>
+<file path=ppt/slides/slide8.xml><?xml version="1.0" encoding="utf-8"?>
 <p:sld xmlns:a="http://schemas.openxmlformats.org/drawingml/2006/main" xmlns:r="http://schemas.openxmlformats.org/officeDocument/2006/relationships" xmlns:p="http://schemas.openxmlformats.org/presentationml/2006/main">
   <p:cSld>
     <p:bg>
@@ -6908,6 +6708,127 @@
     <p:extLst>
       <p:ext uri="{BB962C8B-B14F-4D97-AF65-F5344CB8AC3E}">
         <p14:creationId xmlns:p14="http://schemas.microsoft.com/office/powerpoint/2010/main" val="412453033"/>
+      </p:ext>
+    </p:extLst>
+  </p:cSld>
+  <p:clrMapOvr>
+    <a:masterClrMapping/>
+  </p:clrMapOvr>
+  <p:timing>
+    <p:tnLst>
+      <p:par>
+        <p:cTn id="1" dur="indefinite" restart="never" nodeType="tmRoot"/>
+      </p:par>
+    </p:tnLst>
+  </p:timing>
+</p:sld>
+</file>
+
+<file path=ppt/slides/slide9.xml><?xml version="1.0" encoding="utf-8"?>
+<p:sld xmlns:a="http://schemas.openxmlformats.org/drawingml/2006/main" xmlns:r="http://schemas.openxmlformats.org/officeDocument/2006/relationships" xmlns:p="http://schemas.openxmlformats.org/presentationml/2006/main">
+  <p:cSld>
+    <p:bg>
+      <p:bgPr>
+        <a:gradFill>
+          <a:gsLst>
+            <a:gs pos="0">
+              <a:schemeClr val="accent1">
+                <a:lumMod val="5000"/>
+                <a:lumOff val="95000"/>
+              </a:schemeClr>
+            </a:gs>
+            <a:gs pos="74000">
+              <a:schemeClr val="accent1">
+                <a:lumMod val="45000"/>
+                <a:lumOff val="55000"/>
+              </a:schemeClr>
+            </a:gs>
+            <a:gs pos="83000">
+              <a:schemeClr val="accent1">
+                <a:lumMod val="45000"/>
+                <a:lumOff val="55000"/>
+              </a:schemeClr>
+            </a:gs>
+            <a:gs pos="100000">
+              <a:schemeClr val="accent1">
+                <a:lumMod val="30000"/>
+                <a:lumOff val="70000"/>
+              </a:schemeClr>
+            </a:gs>
+          </a:gsLst>
+          <a:lin ang="5400000" scaled="1"/>
+        </a:gradFill>
+        <a:effectLst/>
+      </p:bgPr>
+    </p:bg>
+    <p:spTree>
+      <p:nvGrpSpPr>
+        <p:cNvPr id="1" name=""/>
+        <p:cNvGrpSpPr/>
+        <p:nvPr/>
+      </p:nvGrpSpPr>
+      <p:grpSpPr>
+        <a:xfrm>
+          <a:off x="0" y="0"/>
+          <a:ext cx="0" cy="0"/>
+          <a:chOff x="0" y="0"/>
+          <a:chExt cx="0" cy="0"/>
+        </a:xfrm>
+      </p:grpSpPr>
+      <p:sp>
+        <p:nvSpPr>
+          <p:cNvPr id="2" name="Заголовок 1"/>
+          <p:cNvSpPr>
+            <a:spLocks noGrp="1"/>
+          </p:cNvSpPr>
+          <p:nvPr>
+            <p:ph type="title"/>
+          </p:nvPr>
+        </p:nvSpPr>
+        <p:spPr/>
+        <p:txBody>
+          <a:bodyPr/>
+          <a:lstStyle/>
+          <a:p>
+            <a:r>
+              <a:rPr lang="ru-RU" dirty="0" smtClean="0"/>
+              <a:t>Пример</a:t>
+            </a:r>
+            <a:endParaRPr lang="ru-RU" dirty="0"/>
+          </a:p>
+        </p:txBody>
+      </p:sp>
+      <p:sp>
+        <p:nvSpPr>
+          <p:cNvPr id="3" name="Объект 2"/>
+          <p:cNvSpPr>
+            <a:spLocks noGrp="1"/>
+          </p:cNvSpPr>
+          <p:nvPr>
+            <p:ph idx="1"/>
+          </p:nvPr>
+        </p:nvSpPr>
+        <p:spPr/>
+        <p:txBody>
+          <a:bodyPr/>
+          <a:lstStyle/>
+          <a:p>
+            <a:r>
+              <a:rPr lang="ru-RU" dirty="0" smtClean="0"/>
+              <a:t>Рассмотрим для примера проект </a:t>
+            </a:r>
+            <a:r>
+              <a:rPr lang="en-US" dirty="0" err="1" smtClean="0"/>
+              <a:t>DVExtension</a:t>
+            </a:r>
+            <a:endParaRPr lang="ru-RU" dirty="0"/>
+          </a:p>
+        </p:txBody>
+      </p:sp>
+    </p:spTree>
+    <p:extLst>
+      <p:ext uri="{BB962C8B-B14F-4D97-AF65-F5344CB8AC3E}">
+        <p14:creationId xmlns:p14="http://schemas.microsoft.com/office/powerpoint/2010/main" val="1393440007"/>
       </p:ext>
     </p:extLst>
   </p:cSld>

--- a/10. Стандарты группы DocsVision/Стандарты на архитектуру кода группы DocsVision.pptx
+++ b/10. Стандарты группы DocsVision/Стандарты на архитектуру кода группы DocsVision.pptx
@@ -8,14 +8,16 @@
     <p:sldId id="256" r:id="rId2"/>
     <p:sldId id="257" r:id="rId3"/>
     <p:sldId id="258" r:id="rId4"/>
-    <p:sldId id="261" r:id="rId5"/>
-    <p:sldId id="262" r:id="rId6"/>
-    <p:sldId id="264" r:id="rId7"/>
-    <p:sldId id="263" r:id="rId8"/>
-    <p:sldId id="265" r:id="rId9"/>
-    <p:sldId id="269" r:id="rId10"/>
-    <p:sldId id="271" r:id="rId11"/>
-    <p:sldId id="273" r:id="rId12"/>
+    <p:sldId id="278" r:id="rId5"/>
+    <p:sldId id="261" r:id="rId6"/>
+    <p:sldId id="262" r:id="rId7"/>
+    <p:sldId id="264" r:id="rId8"/>
+    <p:sldId id="276" r:id="rId9"/>
+    <p:sldId id="274" r:id="rId10"/>
+    <p:sldId id="269" r:id="rId11"/>
+    <p:sldId id="275" r:id="rId12"/>
+    <p:sldId id="271" r:id="rId13"/>
+    <p:sldId id="273" r:id="rId14"/>
   </p:sldIdLst>
   <p:sldSz cx="12192000" cy="6858000"/>
   <p:notesSz cx="6858000" cy="9144000"/>
@@ -253,7 +255,7 @@
           <a:p>
             <a:fld id="{AC87C4EE-035D-4EB2-9FD7-4BDE5EF6E83F}" type="datetimeFigureOut">
               <a:rPr lang="ru-RU" smtClean="0"/>
-              <a:t>04-06-2023</a:t>
+              <a:t>14.06.2023</a:t>
             </a:fld>
             <a:endParaRPr lang="ru-RU"/>
           </a:p>
@@ -423,7 +425,7 @@
           <a:p>
             <a:fld id="{AC87C4EE-035D-4EB2-9FD7-4BDE5EF6E83F}" type="datetimeFigureOut">
               <a:rPr lang="ru-RU" smtClean="0"/>
-              <a:t>04-06-2023</a:t>
+              <a:t>14.06.2023</a:t>
             </a:fld>
             <a:endParaRPr lang="ru-RU"/>
           </a:p>
@@ -603,7 +605,7 @@
           <a:p>
             <a:fld id="{AC87C4EE-035D-4EB2-9FD7-4BDE5EF6E83F}" type="datetimeFigureOut">
               <a:rPr lang="ru-RU" smtClean="0"/>
-              <a:t>04-06-2023</a:t>
+              <a:t>14.06.2023</a:t>
             </a:fld>
             <a:endParaRPr lang="ru-RU"/>
           </a:p>
@@ -773,7 +775,7 @@
           <a:p>
             <a:fld id="{AC87C4EE-035D-4EB2-9FD7-4BDE5EF6E83F}" type="datetimeFigureOut">
               <a:rPr lang="ru-RU" smtClean="0"/>
-              <a:t>04-06-2023</a:t>
+              <a:t>14.06.2023</a:t>
             </a:fld>
             <a:endParaRPr lang="ru-RU"/>
           </a:p>
@@ -1019,7 +1021,7 @@
           <a:p>
             <a:fld id="{AC87C4EE-035D-4EB2-9FD7-4BDE5EF6E83F}" type="datetimeFigureOut">
               <a:rPr lang="ru-RU" smtClean="0"/>
-              <a:t>04-06-2023</a:t>
+              <a:t>14.06.2023</a:t>
             </a:fld>
             <a:endParaRPr lang="ru-RU"/>
           </a:p>
@@ -1251,7 +1253,7 @@
           <a:p>
             <a:fld id="{AC87C4EE-035D-4EB2-9FD7-4BDE5EF6E83F}" type="datetimeFigureOut">
               <a:rPr lang="ru-RU" smtClean="0"/>
-              <a:t>04-06-2023</a:t>
+              <a:t>14.06.2023</a:t>
             </a:fld>
             <a:endParaRPr lang="ru-RU"/>
           </a:p>
@@ -1618,7 +1620,7 @@
           <a:p>
             <a:fld id="{AC87C4EE-035D-4EB2-9FD7-4BDE5EF6E83F}" type="datetimeFigureOut">
               <a:rPr lang="ru-RU" smtClean="0"/>
-              <a:t>04-06-2023</a:t>
+              <a:t>14.06.2023</a:t>
             </a:fld>
             <a:endParaRPr lang="ru-RU"/>
           </a:p>
@@ -1736,7 +1738,7 @@
           <a:p>
             <a:fld id="{AC87C4EE-035D-4EB2-9FD7-4BDE5EF6E83F}" type="datetimeFigureOut">
               <a:rPr lang="ru-RU" smtClean="0"/>
-              <a:t>04-06-2023</a:t>
+              <a:t>14.06.2023</a:t>
             </a:fld>
             <a:endParaRPr lang="ru-RU"/>
           </a:p>
@@ -1831,7 +1833,7 @@
           <a:p>
             <a:fld id="{AC87C4EE-035D-4EB2-9FD7-4BDE5EF6E83F}" type="datetimeFigureOut">
               <a:rPr lang="ru-RU" smtClean="0"/>
-              <a:t>04-06-2023</a:t>
+              <a:t>14.06.2023</a:t>
             </a:fld>
             <a:endParaRPr lang="ru-RU"/>
           </a:p>
@@ -2108,7 +2110,7 @@
           <a:p>
             <a:fld id="{AC87C4EE-035D-4EB2-9FD7-4BDE5EF6E83F}" type="datetimeFigureOut">
               <a:rPr lang="ru-RU" smtClean="0"/>
-              <a:t>04-06-2023</a:t>
+              <a:t>14.06.2023</a:t>
             </a:fld>
             <a:endParaRPr lang="ru-RU"/>
           </a:p>
@@ -2361,7 +2363,7 @@
           <a:p>
             <a:fld id="{AC87C4EE-035D-4EB2-9FD7-4BDE5EF6E83F}" type="datetimeFigureOut">
               <a:rPr lang="ru-RU" smtClean="0"/>
-              <a:t>04-06-2023</a:t>
+              <a:t>14.06.2023</a:t>
             </a:fld>
             <a:endParaRPr lang="ru-RU"/>
           </a:p>
@@ -2574,7 +2576,7 @@
           <a:p>
             <a:fld id="{AC87C4EE-035D-4EB2-9FD7-4BDE5EF6E83F}" type="datetimeFigureOut">
               <a:rPr lang="ru-RU" smtClean="0"/>
-              <a:t>04-06-2023</a:t>
+              <a:t>14.06.2023</a:t>
             </a:fld>
             <a:endParaRPr lang="ru-RU"/>
           </a:p>
@@ -3137,6 +3139,377 @@
           <a:p>
             <a:r>
               <a:rPr lang="ru-RU" dirty="0" smtClean="0"/>
+              <a:t>Пример</a:t>
+            </a:r>
+            <a:endParaRPr lang="ru-RU" dirty="0"/>
+          </a:p>
+        </p:txBody>
+      </p:sp>
+      <p:sp>
+        <p:nvSpPr>
+          <p:cNvPr id="3" name="Объект 2"/>
+          <p:cNvSpPr>
+            <a:spLocks noGrp="1"/>
+          </p:cNvSpPr>
+          <p:nvPr>
+            <p:ph idx="1"/>
+          </p:nvPr>
+        </p:nvSpPr>
+        <p:spPr/>
+        <p:txBody>
+          <a:bodyPr/>
+          <a:lstStyle/>
+          <a:p>
+            <a:r>
+              <a:rPr lang="ru-RU" dirty="0" smtClean="0"/>
+              <a:t>Рассмотрим для примера проект </a:t>
+            </a:r>
+            <a:r>
+              <a:rPr lang="en-US" dirty="0" err="1" smtClean="0"/>
+              <a:t>DVExtension</a:t>
+            </a:r>
+            <a:endParaRPr lang="ru-RU" dirty="0"/>
+          </a:p>
+        </p:txBody>
+      </p:sp>
+    </p:spTree>
+    <p:extLst>
+      <p:ext uri="{BB962C8B-B14F-4D97-AF65-F5344CB8AC3E}">
+        <p14:creationId xmlns:p14="http://schemas.microsoft.com/office/powerpoint/2010/main" val="1393440007"/>
+      </p:ext>
+    </p:extLst>
+  </p:cSld>
+  <p:clrMapOvr>
+    <a:masterClrMapping/>
+  </p:clrMapOvr>
+  <p:timing>
+    <p:tnLst>
+      <p:par>
+        <p:cTn id="1" dur="indefinite" restart="never" nodeType="tmRoot"/>
+      </p:par>
+    </p:tnLst>
+  </p:timing>
+</p:sld>
+</file>
+
+<file path=ppt/slides/slide11.xml><?xml version="1.0" encoding="utf-8"?>
+<p:sld xmlns:a="http://schemas.openxmlformats.org/drawingml/2006/main" xmlns:r="http://schemas.openxmlformats.org/officeDocument/2006/relationships" xmlns:p="http://schemas.openxmlformats.org/presentationml/2006/main">
+  <p:cSld>
+    <p:bg>
+      <p:bgPr>
+        <a:gradFill>
+          <a:gsLst>
+            <a:gs pos="0">
+              <a:schemeClr val="accent1">
+                <a:lumMod val="5000"/>
+                <a:lumOff val="95000"/>
+              </a:schemeClr>
+            </a:gs>
+            <a:gs pos="74000">
+              <a:schemeClr val="accent1">
+                <a:lumMod val="45000"/>
+                <a:lumOff val="55000"/>
+              </a:schemeClr>
+            </a:gs>
+            <a:gs pos="83000">
+              <a:schemeClr val="accent1">
+                <a:lumMod val="45000"/>
+                <a:lumOff val="55000"/>
+              </a:schemeClr>
+            </a:gs>
+            <a:gs pos="100000">
+              <a:schemeClr val="accent1">
+                <a:lumMod val="30000"/>
+                <a:lumOff val="70000"/>
+              </a:schemeClr>
+            </a:gs>
+          </a:gsLst>
+          <a:lin ang="5400000" scaled="1"/>
+        </a:gradFill>
+        <a:effectLst/>
+      </p:bgPr>
+    </p:bg>
+    <p:spTree>
+      <p:nvGrpSpPr>
+        <p:cNvPr id="1" name=""/>
+        <p:cNvGrpSpPr/>
+        <p:nvPr/>
+      </p:nvGrpSpPr>
+      <p:grpSpPr>
+        <a:xfrm>
+          <a:off x="0" y="0"/>
+          <a:ext cx="0" cy="0"/>
+          <a:chOff x="0" y="0"/>
+          <a:chExt cx="0" cy="0"/>
+        </a:xfrm>
+      </p:grpSpPr>
+      <p:sp>
+        <p:nvSpPr>
+          <p:cNvPr id="2" name="Заголовок 1"/>
+          <p:cNvSpPr>
+            <a:spLocks noGrp="1"/>
+          </p:cNvSpPr>
+          <p:nvPr>
+            <p:ph type="title"/>
+          </p:nvPr>
+        </p:nvSpPr>
+        <p:spPr/>
+        <p:txBody>
+          <a:bodyPr/>
+          <a:lstStyle/>
+          <a:p>
+            <a:r>
+              <a:rPr lang="ru-RU" dirty="0" smtClean="0"/>
+              <a:t>ИТОГ</a:t>
+            </a:r>
+            <a:endParaRPr lang="ru-RU" dirty="0"/>
+          </a:p>
+        </p:txBody>
+      </p:sp>
+      <p:sp>
+        <p:nvSpPr>
+          <p:cNvPr id="3" name="Объект 2"/>
+          <p:cNvSpPr>
+            <a:spLocks noGrp="1"/>
+          </p:cNvSpPr>
+          <p:nvPr>
+            <p:ph idx="1"/>
+          </p:nvPr>
+        </p:nvSpPr>
+        <p:spPr/>
+        <p:txBody>
+          <a:bodyPr>
+            <a:normAutofit lnSpcReduction="10000"/>
+          </a:bodyPr>
+          <a:lstStyle/>
+          <a:p>
+            <a:r>
+              <a:rPr lang="ru-RU" sz="2600" dirty="0" smtClean="0"/>
+              <a:t>Разделяем </a:t>
+            </a:r>
+            <a:r>
+              <a:rPr lang="ru-RU" sz="2600" dirty="0"/>
+              <a:t>код на </a:t>
+            </a:r>
+            <a:r>
+              <a:rPr lang="ru-RU" sz="2600" dirty="0" smtClean="0"/>
+              <a:t>слой </a:t>
+            </a:r>
+            <a:r>
+              <a:rPr lang="ru-RU" sz="2600" dirty="0"/>
+              <a:t>пользовательского интерфейса, </a:t>
+            </a:r>
+            <a:r>
+              <a:rPr lang="ru-RU" sz="2600" dirty="0" err="1"/>
+              <a:t>бизне</a:t>
+            </a:r>
+            <a:r>
+              <a:rPr lang="en-US" sz="2600" dirty="0"/>
+              <a:t>c</a:t>
+            </a:r>
+            <a:r>
+              <a:rPr lang="ru-RU" sz="2600" dirty="0"/>
+              <a:t>-логики и доступа к данным</a:t>
+            </a:r>
+            <a:endParaRPr lang="en-US" sz="2600" dirty="0"/>
+          </a:p>
+          <a:p>
+            <a:r>
+              <a:rPr lang="ru-RU" sz="2600" dirty="0" smtClean="0"/>
+              <a:t>Бизнес-логику делим </a:t>
+            </a:r>
+            <a:r>
+              <a:rPr lang="ru-RU" sz="2600" dirty="0"/>
+              <a:t>на модули </a:t>
+            </a:r>
+            <a:r>
+              <a:rPr lang="ru-RU" sz="2600" dirty="0" smtClean="0"/>
+              <a:t>исходя из ограниченных контекстов </a:t>
+            </a:r>
+            <a:r>
+              <a:rPr lang="en-US" sz="2600" dirty="0" smtClean="0"/>
+              <a:t>DDD</a:t>
+            </a:r>
+          </a:p>
+          <a:p>
+            <a:r>
+              <a:rPr lang="ru-RU" sz="2600" dirty="0" smtClean="0"/>
+              <a:t>Доступ </a:t>
+            </a:r>
+            <a:r>
+              <a:rPr lang="ru-RU" sz="2600" dirty="0"/>
+              <a:t>к данным </a:t>
+            </a:r>
+            <a:r>
+              <a:rPr lang="ru-RU" sz="2600" dirty="0" smtClean="0"/>
+              <a:t>делим </a:t>
+            </a:r>
+            <a:r>
+              <a:rPr lang="ru-RU" sz="2600" dirty="0"/>
+              <a:t>на модули исходя из источников </a:t>
+            </a:r>
+            <a:r>
+              <a:rPr lang="ru-RU" sz="2600" dirty="0" smtClean="0"/>
+              <a:t>данных</a:t>
+            </a:r>
+            <a:endParaRPr lang="en-US" sz="2600" dirty="0"/>
+          </a:p>
+          <a:p>
+            <a:r>
+              <a:rPr lang="ru-RU" sz="2600" dirty="0"/>
+              <a:t>Классы внутри каждого модуля</a:t>
+            </a:r>
+            <a:r>
+              <a:rPr lang="en-US" sz="2600" dirty="0"/>
+              <a:t> </a:t>
+            </a:r>
+            <a:r>
+              <a:rPr lang="ru-RU" sz="2600" dirty="0" smtClean="0"/>
+              <a:t>делим </a:t>
+            </a:r>
+            <a:r>
+              <a:rPr lang="ru-RU" sz="2600" dirty="0"/>
+              <a:t>по категориям – </a:t>
+            </a:r>
+            <a:r>
+              <a:rPr lang="ru-RU" sz="2600" dirty="0" err="1"/>
+              <a:t>репозиторий</a:t>
+            </a:r>
+            <a:r>
+              <a:rPr lang="ru-RU" sz="2600" dirty="0"/>
+              <a:t>, сервис, модель, и. т. д. </a:t>
+            </a:r>
+            <a:endParaRPr lang="ru-RU" sz="2600" dirty="0" smtClean="0"/>
+          </a:p>
+          <a:p>
+            <a:r>
+              <a:rPr lang="ru-RU" sz="2600" dirty="0"/>
+              <a:t>Следует подумать о создании единого словаря </a:t>
+            </a:r>
+            <a:r>
+              <a:rPr lang="ru-RU" sz="2600" dirty="0" smtClean="0"/>
+              <a:t>терминов</a:t>
+            </a:r>
+            <a:endParaRPr lang="en-US" sz="2600" dirty="0"/>
+          </a:p>
+          <a:p>
+            <a:r>
+              <a:rPr lang="ru-RU" sz="2600" dirty="0" smtClean="0"/>
+              <a:t>Для </a:t>
+            </a:r>
+            <a:r>
+              <a:rPr lang="ru-RU" sz="2600" dirty="0"/>
+              <a:t>связи между классами </a:t>
+            </a:r>
+            <a:r>
+              <a:rPr lang="ru-RU" sz="2600" dirty="0" smtClean="0"/>
+              <a:t>используем технологию </a:t>
+            </a:r>
+            <a:r>
+              <a:rPr lang="ru-RU" sz="2600" dirty="0"/>
+              <a:t>внедрения зависимости</a:t>
+            </a:r>
+            <a:br>
+              <a:rPr lang="ru-RU" sz="2600" dirty="0"/>
+            </a:br>
+            <a:endParaRPr lang="ru-RU" sz="2600" dirty="0"/>
+          </a:p>
+          <a:p>
+            <a:endParaRPr lang="ru-RU" dirty="0" smtClean="0"/>
+          </a:p>
+          <a:p>
+            <a:endParaRPr lang="ru-RU" dirty="0"/>
+          </a:p>
+        </p:txBody>
+      </p:sp>
+    </p:spTree>
+    <p:extLst>
+      <p:ext uri="{BB962C8B-B14F-4D97-AF65-F5344CB8AC3E}">
+        <p14:creationId xmlns:p14="http://schemas.microsoft.com/office/powerpoint/2010/main" val="1593701880"/>
+      </p:ext>
+    </p:extLst>
+  </p:cSld>
+  <p:clrMapOvr>
+    <a:masterClrMapping/>
+  </p:clrMapOvr>
+  <p:timing>
+    <p:tnLst>
+      <p:par>
+        <p:cTn id="1" dur="indefinite" restart="never" nodeType="tmRoot"/>
+      </p:par>
+    </p:tnLst>
+  </p:timing>
+</p:sld>
+</file>
+
+<file path=ppt/slides/slide12.xml><?xml version="1.0" encoding="utf-8"?>
+<p:sld xmlns:a="http://schemas.openxmlformats.org/drawingml/2006/main" xmlns:r="http://schemas.openxmlformats.org/officeDocument/2006/relationships" xmlns:p="http://schemas.openxmlformats.org/presentationml/2006/main">
+  <p:cSld>
+    <p:bg>
+      <p:bgPr>
+        <a:gradFill>
+          <a:gsLst>
+            <a:gs pos="0">
+              <a:schemeClr val="accent1">
+                <a:lumMod val="5000"/>
+                <a:lumOff val="95000"/>
+              </a:schemeClr>
+            </a:gs>
+            <a:gs pos="74000">
+              <a:schemeClr val="accent1">
+                <a:lumMod val="45000"/>
+                <a:lumOff val="55000"/>
+              </a:schemeClr>
+            </a:gs>
+            <a:gs pos="83000">
+              <a:schemeClr val="accent1">
+                <a:lumMod val="45000"/>
+                <a:lumOff val="55000"/>
+              </a:schemeClr>
+            </a:gs>
+            <a:gs pos="100000">
+              <a:schemeClr val="accent1">
+                <a:lumMod val="30000"/>
+                <a:lumOff val="70000"/>
+              </a:schemeClr>
+            </a:gs>
+          </a:gsLst>
+          <a:lin ang="5400000" scaled="1"/>
+        </a:gradFill>
+        <a:effectLst/>
+      </p:bgPr>
+    </p:bg>
+    <p:spTree>
+      <p:nvGrpSpPr>
+        <p:cNvPr id="1" name=""/>
+        <p:cNvGrpSpPr/>
+        <p:nvPr/>
+      </p:nvGrpSpPr>
+      <p:grpSpPr>
+        <a:xfrm>
+          <a:off x="0" y="0"/>
+          <a:ext cx="0" cy="0"/>
+          <a:chOff x="0" y="0"/>
+          <a:chExt cx="0" cy="0"/>
+        </a:xfrm>
+      </p:grpSpPr>
+      <p:sp>
+        <p:nvSpPr>
+          <p:cNvPr id="2" name="Заголовок 1"/>
+          <p:cNvSpPr>
+            <a:spLocks noGrp="1"/>
+          </p:cNvSpPr>
+          <p:nvPr>
+            <p:ph type="title"/>
+          </p:nvPr>
+        </p:nvSpPr>
+        <p:spPr/>
+        <p:txBody>
+          <a:bodyPr/>
+          <a:lstStyle/>
+          <a:p>
+            <a:r>
+              <a:rPr lang="ru-RU" dirty="0" smtClean="0"/>
               <a:t>Вопросы?</a:t>
             </a:r>
             <a:endParaRPr lang="ru-RU" dirty="0"/>
@@ -3163,7 +3536,7 @@
 </p:sld>
 </file>
 
-<file path=ppt/slides/slide11.xml><?xml version="1.0" encoding="utf-8"?>
+<file path=ppt/slides/slide13.xml><?xml version="1.0" encoding="utf-8"?>
 <p:sld xmlns:a="http://schemas.openxmlformats.org/drawingml/2006/main" xmlns:r="http://schemas.openxmlformats.org/officeDocument/2006/relationships" xmlns:p="http://schemas.openxmlformats.org/presentationml/2006/main">
   <p:cSld>
     <p:bg>
@@ -4571,8 +4944,8 @@
         </p:nvSpPr>
         <p:spPr>
           <a:xfrm>
-            <a:off x="800523" y="1747677"/>
-            <a:ext cx="9510426" cy="4557145"/>
+            <a:off x="1237178" y="5824949"/>
+            <a:ext cx="8941124" cy="421654"/>
           </a:xfrm>
           <a:prstGeom prst="rect">
             <a:avLst/>
@@ -4593,306 +4966,68 @@
               </a:spcAft>
             </a:pPr>
             <a:r>
-              <a:rPr lang="ru-RU" sz="2000" b="1" dirty="0" smtClean="0">
-                <a:latin typeface="Calibri" panose="020F0502020204030204" pitchFamily="34" charset="0"/>
-                <a:ea typeface="Calibri" panose="020F0502020204030204" pitchFamily="34" charset="0"/>
-                <a:cs typeface="Times New Roman" panose="02020603050405020304" pitchFamily="18" charset="0"/>
-              </a:rPr>
-              <a:t>Источник данных </a:t>
-            </a:r>
-            <a:r>
               <a:rPr lang="ru-RU" sz="2000" dirty="0" smtClean="0">
                 <a:latin typeface="Calibri" panose="020F0502020204030204" pitchFamily="34" charset="0"/>
                 <a:ea typeface="Calibri" panose="020F0502020204030204" pitchFamily="34" charset="0"/>
                 <a:cs typeface="Times New Roman" panose="02020603050405020304" pitchFamily="18" charset="0"/>
               </a:rPr>
-              <a:t>– внешняя система, с которой работает наш код (</a:t>
-            </a:r>
-            <a:r>
-              <a:rPr lang="ru-RU" sz="2000" dirty="0">
-                <a:latin typeface="Calibri" panose="020F0502020204030204" pitchFamily="34" charset="0"/>
-                <a:ea typeface="Calibri" panose="020F0502020204030204" pitchFamily="34" charset="0"/>
-                <a:cs typeface="Times New Roman" panose="02020603050405020304" pitchFamily="18" charset="0"/>
-              </a:rPr>
-              <a:t>например, база данных или веб-сервис)</a:t>
-            </a:r>
-            <a:endParaRPr lang="en-US" sz="2000" b="1" dirty="0" smtClean="0">
+              <a:t>Нужно договориться о том, как будем раскладывать код по полочкам</a:t>
+            </a:r>
+            <a:endParaRPr lang="ru-RU" sz="2000" dirty="0">
               <a:latin typeface="Calibri" panose="020F0502020204030204" pitchFamily="34" charset="0"/>
               <a:ea typeface="Calibri" panose="020F0502020204030204" pitchFamily="34" charset="0"/>
               <a:cs typeface="Times New Roman" panose="02020603050405020304" pitchFamily="18" charset="0"/>
             </a:endParaRPr>
           </a:p>
-          <a:p>
-            <a:pPr>
-              <a:lnSpc>
-                <a:spcPct val="107000"/>
-              </a:lnSpc>
-              <a:spcAft>
-                <a:spcPts val="800"/>
-              </a:spcAft>
-            </a:pPr>
-            <a:r>
-              <a:rPr lang="ru-RU" sz="2000" b="1" dirty="0" err="1" smtClean="0">
-                <a:latin typeface="Calibri" panose="020F0502020204030204" pitchFamily="34" charset="0"/>
-                <a:ea typeface="Calibri" panose="020F0502020204030204" pitchFamily="34" charset="0"/>
-                <a:cs typeface="Times New Roman" panose="02020603050405020304" pitchFamily="18" charset="0"/>
-              </a:rPr>
-              <a:t>Репозиторий</a:t>
-            </a:r>
-            <a:r>
-              <a:rPr lang="ru-RU" sz="2000" dirty="0" smtClean="0">
-                <a:latin typeface="Calibri" panose="020F0502020204030204" pitchFamily="34" charset="0"/>
-                <a:ea typeface="Calibri" panose="020F0502020204030204" pitchFamily="34" charset="0"/>
-                <a:cs typeface="Times New Roman" panose="02020603050405020304" pitchFamily="18" charset="0"/>
-              </a:rPr>
-              <a:t> </a:t>
-            </a:r>
-            <a:r>
-              <a:rPr lang="ru-RU" sz="2000" b="1" dirty="0" smtClean="0">
-                <a:latin typeface="Calibri" panose="020F0502020204030204" pitchFamily="34" charset="0"/>
-                <a:ea typeface="Calibri" panose="020F0502020204030204" pitchFamily="34" charset="0"/>
-                <a:cs typeface="Times New Roman" panose="02020603050405020304" pitchFamily="18" charset="0"/>
-              </a:rPr>
-              <a:t>–</a:t>
-            </a:r>
-            <a:r>
-              <a:rPr lang="ru-RU" sz="2000" dirty="0" smtClean="0">
-                <a:latin typeface="Calibri" panose="020F0502020204030204" pitchFamily="34" charset="0"/>
-                <a:ea typeface="Calibri" panose="020F0502020204030204" pitchFamily="34" charset="0"/>
-                <a:cs typeface="Times New Roman" panose="02020603050405020304" pitchFamily="18" charset="0"/>
-              </a:rPr>
-              <a:t> класс, который строит запросы к источнику данных, и выдает в качестве результата </a:t>
-            </a:r>
-            <a:r>
-              <a:rPr lang="en-US" sz="2000" dirty="0" smtClean="0">
-                <a:latin typeface="Calibri" panose="020F0502020204030204" pitchFamily="34" charset="0"/>
-                <a:ea typeface="Calibri" panose="020F0502020204030204" pitchFamily="34" charset="0"/>
-                <a:cs typeface="Times New Roman" panose="02020603050405020304" pitchFamily="18" charset="0"/>
-              </a:rPr>
-              <a:t>C# </a:t>
-            </a:r>
-            <a:r>
-              <a:rPr lang="ru-RU" sz="2000" dirty="0" smtClean="0">
-                <a:latin typeface="Calibri" panose="020F0502020204030204" pitchFamily="34" charset="0"/>
-                <a:ea typeface="Calibri" panose="020F0502020204030204" pitchFamily="34" charset="0"/>
-                <a:cs typeface="Times New Roman" panose="02020603050405020304" pitchFamily="18" charset="0"/>
-              </a:rPr>
-              <a:t>модели</a:t>
-            </a:r>
-          </a:p>
-          <a:p>
-            <a:pPr>
-              <a:lnSpc>
-                <a:spcPct val="107000"/>
-              </a:lnSpc>
-              <a:spcAft>
-                <a:spcPts val="800"/>
-              </a:spcAft>
-            </a:pPr>
-            <a:r>
-              <a:rPr lang="ru-RU" sz="2000" b="1" dirty="0" smtClean="0">
-                <a:latin typeface="Calibri" panose="020F0502020204030204" pitchFamily="34" charset="0"/>
-                <a:ea typeface="Calibri" panose="020F0502020204030204" pitchFamily="34" charset="0"/>
-                <a:cs typeface="Times New Roman" panose="02020603050405020304" pitchFamily="18" charset="0"/>
-              </a:rPr>
-              <a:t>Контекст </a:t>
-            </a:r>
-            <a:r>
-              <a:rPr lang="ru-RU" sz="2000" dirty="0" smtClean="0">
-                <a:latin typeface="Calibri" panose="020F0502020204030204" pitchFamily="34" charset="0"/>
-                <a:ea typeface="Calibri" panose="020F0502020204030204" pitchFamily="34" charset="0"/>
-                <a:cs typeface="Times New Roman" panose="02020603050405020304" pitchFamily="18" charset="0"/>
-              </a:rPr>
-              <a:t>– класс, который создает низкоуровневый коннект до системы, и позволяет строить к системы запросы (помощник </a:t>
-            </a:r>
-            <a:r>
-              <a:rPr lang="ru-RU" sz="2000" dirty="0" err="1" smtClean="0">
-                <a:latin typeface="Calibri" panose="020F0502020204030204" pitchFamily="34" charset="0"/>
-                <a:ea typeface="Calibri" panose="020F0502020204030204" pitchFamily="34" charset="0"/>
-                <a:cs typeface="Times New Roman" panose="02020603050405020304" pitchFamily="18" charset="0"/>
-              </a:rPr>
-              <a:t>репозитория</a:t>
-            </a:r>
-            <a:r>
-              <a:rPr lang="ru-RU" sz="2000" dirty="0" smtClean="0">
-                <a:latin typeface="Calibri" panose="020F0502020204030204" pitchFamily="34" charset="0"/>
-                <a:ea typeface="Calibri" panose="020F0502020204030204" pitchFamily="34" charset="0"/>
-                <a:cs typeface="Times New Roman" panose="02020603050405020304" pitchFamily="18" charset="0"/>
-              </a:rPr>
-              <a:t>)</a:t>
-            </a:r>
-            <a:endParaRPr lang="en-US" sz="2000" b="1" dirty="0" smtClean="0">
-              <a:latin typeface="Calibri" panose="020F0502020204030204" pitchFamily="34" charset="0"/>
-              <a:ea typeface="Calibri" panose="020F0502020204030204" pitchFamily="34" charset="0"/>
-              <a:cs typeface="Times New Roman" panose="02020603050405020304" pitchFamily="18" charset="0"/>
-            </a:endParaRPr>
-          </a:p>
-          <a:p>
-            <a:pPr>
-              <a:lnSpc>
-                <a:spcPct val="107000"/>
-              </a:lnSpc>
-              <a:spcAft>
-                <a:spcPts val="800"/>
-              </a:spcAft>
-            </a:pPr>
-            <a:r>
-              <a:rPr lang="ru-RU" sz="2000" b="1" dirty="0" smtClean="0">
-                <a:latin typeface="Calibri" panose="020F0502020204030204" pitchFamily="34" charset="0"/>
-                <a:ea typeface="Calibri" panose="020F0502020204030204" pitchFamily="34" charset="0"/>
-                <a:cs typeface="Times New Roman" panose="02020603050405020304" pitchFamily="18" charset="0"/>
-              </a:rPr>
-              <a:t>Сервис – </a:t>
-            </a:r>
-            <a:r>
-              <a:rPr lang="ru-RU" sz="2000" dirty="0" smtClean="0">
-                <a:latin typeface="Calibri" panose="020F0502020204030204" pitchFamily="34" charset="0"/>
-                <a:ea typeface="Calibri" panose="020F0502020204030204" pitchFamily="34" charset="0"/>
-                <a:cs typeface="Times New Roman" panose="02020603050405020304" pitchFamily="18" charset="0"/>
-              </a:rPr>
-              <a:t>класс, реализующий бизнес-логику. Может использовать </a:t>
-            </a:r>
-            <a:r>
-              <a:rPr lang="ru-RU" sz="2000" dirty="0" err="1" smtClean="0">
-                <a:latin typeface="Calibri" panose="020F0502020204030204" pitchFamily="34" charset="0"/>
-                <a:ea typeface="Calibri" panose="020F0502020204030204" pitchFamily="34" charset="0"/>
-                <a:cs typeface="Times New Roman" panose="02020603050405020304" pitchFamily="18" charset="0"/>
-              </a:rPr>
-              <a:t>репозитории</a:t>
-            </a:r>
-            <a:r>
-              <a:rPr lang="ru-RU" sz="2000" dirty="0" smtClean="0">
-                <a:latin typeface="Calibri" panose="020F0502020204030204" pitchFamily="34" charset="0"/>
-                <a:ea typeface="Calibri" panose="020F0502020204030204" pitchFamily="34" charset="0"/>
-                <a:cs typeface="Times New Roman" panose="02020603050405020304" pitchFamily="18" charset="0"/>
-              </a:rPr>
-              <a:t> для запросов к базе, или другие вспомогательные сервисы</a:t>
-            </a:r>
-          </a:p>
-          <a:p>
-            <a:pPr>
-              <a:lnSpc>
-                <a:spcPct val="107000"/>
-              </a:lnSpc>
-              <a:spcAft>
-                <a:spcPts val="800"/>
-              </a:spcAft>
-            </a:pPr>
-            <a:r>
-              <a:rPr lang="en-US" sz="2000" b="1" dirty="0" smtClean="0">
-                <a:latin typeface="Calibri" panose="020F0502020204030204" pitchFamily="34" charset="0"/>
-                <a:ea typeface="Calibri" panose="020F0502020204030204" pitchFamily="34" charset="0"/>
-                <a:cs typeface="Times New Roman" panose="02020603050405020304" pitchFamily="18" charset="0"/>
-              </a:rPr>
-              <a:t>Use Case </a:t>
-            </a:r>
-            <a:r>
-              <a:rPr lang="ru-RU" sz="2000" dirty="0" smtClean="0">
-                <a:latin typeface="Calibri" panose="020F0502020204030204" pitchFamily="34" charset="0"/>
-                <a:ea typeface="Calibri" panose="020F0502020204030204" pitchFamily="34" charset="0"/>
-                <a:cs typeface="Times New Roman" panose="02020603050405020304" pitchFamily="18" charset="0"/>
-              </a:rPr>
-              <a:t>– в сложных алгоритмах когда одни сервисы вызывают другие сервисы можно выделить самый </a:t>
-            </a:r>
-            <a:r>
-              <a:rPr lang="ru-RU" sz="2000" dirty="0" err="1" smtClean="0">
-                <a:latin typeface="Calibri" panose="020F0502020204030204" pitchFamily="34" charset="0"/>
-                <a:ea typeface="Calibri" panose="020F0502020204030204" pitchFamily="34" charset="0"/>
-                <a:cs typeface="Times New Roman" panose="02020603050405020304" pitchFamily="18" charset="0"/>
-              </a:rPr>
-              <a:t>верхнеуровневый</a:t>
-            </a:r>
-            <a:r>
-              <a:rPr lang="ru-RU" sz="2000" dirty="0" smtClean="0">
-                <a:latin typeface="Calibri" panose="020F0502020204030204" pitchFamily="34" charset="0"/>
-                <a:ea typeface="Calibri" panose="020F0502020204030204" pitchFamily="34" charset="0"/>
-                <a:cs typeface="Times New Roman" panose="02020603050405020304" pitchFamily="18" charset="0"/>
-              </a:rPr>
-              <a:t> сервис (которые вызывают вспомогательные сервисы), сделав его «</a:t>
-            </a:r>
-            <a:r>
-              <a:rPr lang="ru-RU" sz="2000" dirty="0" err="1" smtClean="0">
-                <a:latin typeface="Calibri" panose="020F0502020204030204" pitchFamily="34" charset="0"/>
-                <a:ea typeface="Calibri" panose="020F0502020204030204" pitchFamily="34" charset="0"/>
-                <a:cs typeface="Times New Roman" panose="02020603050405020304" pitchFamily="18" charset="0"/>
-              </a:rPr>
-              <a:t>ЮзКейсом</a:t>
-            </a:r>
-            <a:r>
-              <a:rPr lang="ru-RU" sz="2000" dirty="0" smtClean="0">
-                <a:latin typeface="Calibri" panose="020F0502020204030204" pitchFamily="34" charset="0"/>
-                <a:ea typeface="Calibri" panose="020F0502020204030204" pitchFamily="34" charset="0"/>
-                <a:cs typeface="Times New Roman" panose="02020603050405020304" pitchFamily="18" charset="0"/>
-              </a:rPr>
-              <a:t>»</a:t>
-            </a:r>
-          </a:p>
-          <a:p>
-            <a:pPr>
-              <a:lnSpc>
-                <a:spcPct val="107000"/>
-              </a:lnSpc>
-              <a:spcAft>
-                <a:spcPts val="800"/>
-              </a:spcAft>
-            </a:pPr>
-            <a:endParaRPr lang="ru-RU" sz="2000" b="1" dirty="0">
-              <a:latin typeface="Calibri" panose="020F0502020204030204" pitchFamily="34" charset="0"/>
-              <a:ea typeface="Calibri" panose="020F0502020204030204" pitchFamily="34" charset="0"/>
-              <a:cs typeface="Times New Roman" panose="02020603050405020304" pitchFamily="18" charset="0"/>
-            </a:endParaRPr>
-          </a:p>
-        </p:txBody>
-      </p:sp>
-      <p:sp>
-        <p:nvSpPr>
-          <p:cNvPr id="4" name="Прямоугольник 3"/>
-          <p:cNvSpPr/>
-          <p:nvPr/>
-        </p:nvSpPr>
-        <p:spPr>
+        </p:txBody>
+      </p:sp>
+      <p:pic>
+        <p:nvPicPr>
+          <p:cNvPr id="4" name="Picture 2" descr="Разложить по полочкам. И передать потомкам"/>
+          <p:cNvPicPr>
+            <a:picLocks noGrp="1" noChangeAspect="1" noChangeArrowheads="1"/>
+          </p:cNvPicPr>
+          <p:nvPr>
+            <p:ph idx="1"/>
+          </p:nvPr>
+        </p:nvPicPr>
+        <p:blipFill>
+          <a:blip r:embed="rId2">
+            <a:extLst>
+              <a:ext uri="{28A0092B-C50C-407E-A947-70E740481C1C}">
+                <a14:useLocalDpi xmlns:a14="http://schemas.microsoft.com/office/drawing/2010/main" val="0"/>
+              </a:ext>
+            </a:extLst>
+          </a:blip>
+          <a:srcRect/>
+          <a:stretch>
+            <a:fillRect/>
+          </a:stretch>
+        </p:blipFill>
+        <p:spPr bwMode="auto">
           <a:xfrm>
-            <a:off x="3447925" y="659460"/>
-            <a:ext cx="7482672" cy="470000"/>
+            <a:off x="2455148" y="737489"/>
+            <a:ext cx="7723154" cy="4351338"/>
           </a:xfrm>
           <a:prstGeom prst="rect">
             <a:avLst/>
           </a:prstGeom>
+          <a:noFill/>
+          <a:extLst>
+            <a:ext uri="{909E8E84-426E-40DD-AFC4-6F175D3DCCD1}">
+              <a14:hiddenFill xmlns:a14="http://schemas.microsoft.com/office/drawing/2010/main">
+                <a:solidFill>
+                  <a:srgbClr val="FFFFFF"/>
+                </a:solidFill>
+              </a14:hiddenFill>
+            </a:ext>
+          </a:extLst>
         </p:spPr>
-        <p:txBody>
-          <a:bodyPr wrap="square">
-            <a:spAutoFit/>
-          </a:bodyPr>
-          <a:lstStyle/>
-          <a:p>
-            <a:pPr>
-              <a:lnSpc>
-                <a:spcPct val="107000"/>
-              </a:lnSpc>
-              <a:spcAft>
-                <a:spcPts val="800"/>
-              </a:spcAft>
-            </a:pPr>
-            <a:r>
-              <a:rPr lang="ru-RU" sz="2400" b="1" dirty="0" smtClean="0">
-                <a:latin typeface="Calibri" panose="020F0502020204030204" pitchFamily="34" charset="0"/>
-                <a:ea typeface="Calibri" panose="020F0502020204030204" pitchFamily="34" charset="0"/>
-                <a:cs typeface="Times New Roman" panose="02020603050405020304" pitchFamily="18" charset="0"/>
-              </a:rPr>
-              <a:t>Введем некоторые понятия</a:t>
-            </a:r>
-            <a:endParaRPr lang="ru-RU" sz="2400" b="1" dirty="0">
-              <a:latin typeface="Calibri" panose="020F0502020204030204" pitchFamily="34" charset="0"/>
-              <a:ea typeface="Calibri" panose="020F0502020204030204" pitchFamily="34" charset="0"/>
-              <a:cs typeface="Times New Roman" panose="02020603050405020304" pitchFamily="18" charset="0"/>
-            </a:endParaRPr>
-          </a:p>
-        </p:txBody>
-      </p:sp>
+      </p:pic>
     </p:spTree>
     <p:extLst>
       <p:ext uri="{BB962C8B-B14F-4D97-AF65-F5344CB8AC3E}">
-        <p14:creationId xmlns:p14="http://schemas.microsoft.com/office/powerpoint/2010/main" val="150873901"/>
+        <p14:creationId xmlns:p14="http://schemas.microsoft.com/office/powerpoint/2010/main" val="1503948577"/>
       </p:ext>
     </p:extLst>
   </p:cSld>
@@ -4960,6 +5095,339 @@
           <a:chExt cx="0" cy="0"/>
         </a:xfrm>
       </p:grpSpPr>
+      <p:sp>
+        <p:nvSpPr>
+          <p:cNvPr id="6" name="Прямоугольник 5"/>
+          <p:cNvSpPr/>
+          <p:nvPr/>
+        </p:nvSpPr>
+        <p:spPr>
+          <a:xfrm>
+            <a:off x="800523" y="1747677"/>
+            <a:ext cx="9510426" cy="3239861"/>
+          </a:xfrm>
+          <a:prstGeom prst="rect">
+            <a:avLst/>
+          </a:prstGeom>
+        </p:spPr>
+        <p:txBody>
+          <a:bodyPr wrap="square">
+            <a:spAutoFit/>
+          </a:bodyPr>
+          <a:lstStyle/>
+          <a:p>
+            <a:pPr>
+              <a:lnSpc>
+                <a:spcPct val="107000"/>
+              </a:lnSpc>
+              <a:spcAft>
+                <a:spcPts val="800"/>
+              </a:spcAft>
+            </a:pPr>
+            <a:r>
+              <a:rPr lang="ru-RU" sz="2000" b="1" dirty="0" smtClean="0">
+                <a:latin typeface="Calibri" panose="020F0502020204030204" pitchFamily="34" charset="0"/>
+                <a:ea typeface="Calibri" panose="020F0502020204030204" pitchFamily="34" charset="0"/>
+                <a:cs typeface="Times New Roman" panose="02020603050405020304" pitchFamily="18" charset="0"/>
+              </a:rPr>
+              <a:t>Источник данных </a:t>
+            </a:r>
+            <a:r>
+              <a:rPr lang="ru-RU" sz="2000" dirty="0" smtClean="0">
+                <a:latin typeface="Calibri" panose="020F0502020204030204" pitchFamily="34" charset="0"/>
+                <a:ea typeface="Calibri" panose="020F0502020204030204" pitchFamily="34" charset="0"/>
+                <a:cs typeface="Times New Roman" panose="02020603050405020304" pitchFamily="18" charset="0"/>
+              </a:rPr>
+              <a:t>– внешняя система, с которой работает наш код (</a:t>
+            </a:r>
+            <a:r>
+              <a:rPr lang="ru-RU" sz="2000" dirty="0">
+                <a:latin typeface="Calibri" panose="020F0502020204030204" pitchFamily="34" charset="0"/>
+                <a:ea typeface="Calibri" panose="020F0502020204030204" pitchFamily="34" charset="0"/>
+                <a:cs typeface="Times New Roman" panose="02020603050405020304" pitchFamily="18" charset="0"/>
+              </a:rPr>
+              <a:t>например, база данных или веб-сервис)</a:t>
+            </a:r>
+            <a:endParaRPr lang="en-US" sz="2000" b="1" dirty="0" smtClean="0">
+              <a:latin typeface="Calibri" panose="020F0502020204030204" pitchFamily="34" charset="0"/>
+              <a:ea typeface="Calibri" panose="020F0502020204030204" pitchFamily="34" charset="0"/>
+              <a:cs typeface="Times New Roman" panose="02020603050405020304" pitchFamily="18" charset="0"/>
+            </a:endParaRPr>
+          </a:p>
+          <a:p>
+            <a:pPr>
+              <a:lnSpc>
+                <a:spcPct val="107000"/>
+              </a:lnSpc>
+              <a:spcAft>
+                <a:spcPts val="800"/>
+              </a:spcAft>
+            </a:pPr>
+            <a:r>
+              <a:rPr lang="ru-RU" sz="2000" b="1" dirty="0" err="1" smtClean="0">
+                <a:latin typeface="Calibri" panose="020F0502020204030204" pitchFamily="34" charset="0"/>
+                <a:ea typeface="Calibri" panose="020F0502020204030204" pitchFamily="34" charset="0"/>
+                <a:cs typeface="Times New Roman" panose="02020603050405020304" pitchFamily="18" charset="0"/>
+              </a:rPr>
+              <a:t>Репозиторий</a:t>
+            </a:r>
+            <a:r>
+              <a:rPr lang="ru-RU" sz="2000" dirty="0" smtClean="0">
+                <a:latin typeface="Calibri" panose="020F0502020204030204" pitchFamily="34" charset="0"/>
+                <a:ea typeface="Calibri" panose="020F0502020204030204" pitchFamily="34" charset="0"/>
+                <a:cs typeface="Times New Roman" panose="02020603050405020304" pitchFamily="18" charset="0"/>
+              </a:rPr>
+              <a:t> </a:t>
+            </a:r>
+            <a:r>
+              <a:rPr lang="ru-RU" sz="2000" b="1" dirty="0" smtClean="0">
+                <a:latin typeface="Calibri" panose="020F0502020204030204" pitchFamily="34" charset="0"/>
+                <a:ea typeface="Calibri" panose="020F0502020204030204" pitchFamily="34" charset="0"/>
+                <a:cs typeface="Times New Roman" panose="02020603050405020304" pitchFamily="18" charset="0"/>
+              </a:rPr>
+              <a:t>–</a:t>
+            </a:r>
+            <a:r>
+              <a:rPr lang="ru-RU" sz="2000" dirty="0" smtClean="0">
+                <a:latin typeface="Calibri" panose="020F0502020204030204" pitchFamily="34" charset="0"/>
+                <a:ea typeface="Calibri" panose="020F0502020204030204" pitchFamily="34" charset="0"/>
+                <a:cs typeface="Times New Roman" panose="02020603050405020304" pitchFamily="18" charset="0"/>
+              </a:rPr>
+              <a:t> класс, который строит запросы к источнику данных</a:t>
+            </a:r>
+          </a:p>
+          <a:p>
+            <a:pPr>
+              <a:lnSpc>
+                <a:spcPct val="107000"/>
+              </a:lnSpc>
+              <a:spcAft>
+                <a:spcPts val="800"/>
+              </a:spcAft>
+            </a:pPr>
+            <a:r>
+              <a:rPr lang="ru-RU" sz="2000" b="1" dirty="0" smtClean="0">
+                <a:latin typeface="Calibri" panose="020F0502020204030204" pitchFamily="34" charset="0"/>
+                <a:ea typeface="Calibri" panose="020F0502020204030204" pitchFamily="34" charset="0"/>
+                <a:cs typeface="Times New Roman" panose="02020603050405020304" pitchFamily="18" charset="0"/>
+              </a:rPr>
+              <a:t>Контекст </a:t>
+            </a:r>
+            <a:r>
+              <a:rPr lang="ru-RU" sz="2000" dirty="0" smtClean="0">
+                <a:latin typeface="Calibri" panose="020F0502020204030204" pitchFamily="34" charset="0"/>
+                <a:ea typeface="Calibri" panose="020F0502020204030204" pitchFamily="34" charset="0"/>
+                <a:cs typeface="Times New Roman" panose="02020603050405020304" pitchFamily="18" charset="0"/>
+              </a:rPr>
+              <a:t>– класс, который создает низкоуровневый коннект до системы</a:t>
+            </a:r>
+            <a:endParaRPr lang="en-US" sz="2000" b="1" dirty="0" smtClean="0">
+              <a:latin typeface="Calibri" panose="020F0502020204030204" pitchFamily="34" charset="0"/>
+              <a:ea typeface="Calibri" panose="020F0502020204030204" pitchFamily="34" charset="0"/>
+              <a:cs typeface="Times New Roman" panose="02020603050405020304" pitchFamily="18" charset="0"/>
+            </a:endParaRPr>
+          </a:p>
+          <a:p>
+            <a:pPr>
+              <a:lnSpc>
+                <a:spcPct val="107000"/>
+              </a:lnSpc>
+              <a:spcAft>
+                <a:spcPts val="800"/>
+              </a:spcAft>
+            </a:pPr>
+            <a:r>
+              <a:rPr lang="ru-RU" sz="2000" b="1" dirty="0" smtClean="0">
+                <a:latin typeface="Calibri" panose="020F0502020204030204" pitchFamily="34" charset="0"/>
+                <a:ea typeface="Calibri" panose="020F0502020204030204" pitchFamily="34" charset="0"/>
+                <a:cs typeface="Times New Roman" panose="02020603050405020304" pitchFamily="18" charset="0"/>
+              </a:rPr>
+              <a:t>Сервис – </a:t>
+            </a:r>
+            <a:r>
+              <a:rPr lang="ru-RU" sz="2000" dirty="0" smtClean="0">
+                <a:latin typeface="Calibri" panose="020F0502020204030204" pitchFamily="34" charset="0"/>
+                <a:ea typeface="Calibri" panose="020F0502020204030204" pitchFamily="34" charset="0"/>
+                <a:cs typeface="Times New Roman" panose="02020603050405020304" pitchFamily="18" charset="0"/>
+              </a:rPr>
+              <a:t>класс, реализующий бизнес-логику</a:t>
+            </a:r>
+          </a:p>
+          <a:p>
+            <a:pPr>
+              <a:lnSpc>
+                <a:spcPct val="107000"/>
+              </a:lnSpc>
+              <a:spcAft>
+                <a:spcPts val="800"/>
+              </a:spcAft>
+            </a:pPr>
+            <a:r>
+              <a:rPr lang="en-US" sz="2000" b="1" dirty="0" smtClean="0">
+                <a:latin typeface="Calibri" panose="020F0502020204030204" pitchFamily="34" charset="0"/>
+                <a:ea typeface="Calibri" panose="020F0502020204030204" pitchFamily="34" charset="0"/>
+                <a:cs typeface="Times New Roman" panose="02020603050405020304" pitchFamily="18" charset="0"/>
+              </a:rPr>
+              <a:t>Use Case </a:t>
+            </a:r>
+            <a:r>
+              <a:rPr lang="ru-RU" sz="2000" dirty="0" smtClean="0">
+                <a:latin typeface="Calibri" panose="020F0502020204030204" pitchFamily="34" charset="0"/>
+                <a:ea typeface="Calibri" panose="020F0502020204030204" pitchFamily="34" charset="0"/>
+                <a:cs typeface="Times New Roman" panose="02020603050405020304" pitchFamily="18" charset="0"/>
+              </a:rPr>
+              <a:t>– </a:t>
+            </a:r>
+            <a:r>
+              <a:rPr lang="ru-RU" sz="2000" dirty="0" err="1" smtClean="0">
+                <a:latin typeface="Calibri" panose="020F0502020204030204" pitchFamily="34" charset="0"/>
+                <a:ea typeface="Calibri" panose="020F0502020204030204" pitchFamily="34" charset="0"/>
+                <a:cs typeface="Times New Roman" panose="02020603050405020304" pitchFamily="18" charset="0"/>
+              </a:rPr>
+              <a:t>верхнеуровый</a:t>
+            </a:r>
+            <a:r>
+              <a:rPr lang="ru-RU" sz="2000" dirty="0" smtClean="0">
+                <a:latin typeface="Calibri" panose="020F0502020204030204" pitchFamily="34" charset="0"/>
+                <a:ea typeface="Calibri" panose="020F0502020204030204" pitchFamily="34" charset="0"/>
+                <a:cs typeface="Times New Roman" panose="02020603050405020304" pitchFamily="18" charset="0"/>
+              </a:rPr>
+              <a:t> сервис (в больших системах это сервис, который манипулирует другими сервисами)</a:t>
+            </a:r>
+          </a:p>
+          <a:p>
+            <a:pPr>
+              <a:lnSpc>
+                <a:spcPct val="107000"/>
+              </a:lnSpc>
+              <a:spcAft>
+                <a:spcPts val="800"/>
+              </a:spcAft>
+            </a:pPr>
+            <a:endParaRPr lang="ru-RU" sz="2000" b="1" dirty="0">
+              <a:latin typeface="Calibri" panose="020F0502020204030204" pitchFamily="34" charset="0"/>
+              <a:ea typeface="Calibri" panose="020F0502020204030204" pitchFamily="34" charset="0"/>
+              <a:cs typeface="Times New Roman" panose="02020603050405020304" pitchFamily="18" charset="0"/>
+            </a:endParaRPr>
+          </a:p>
+        </p:txBody>
+      </p:sp>
+      <p:sp>
+        <p:nvSpPr>
+          <p:cNvPr id="4" name="Прямоугольник 3"/>
+          <p:cNvSpPr/>
+          <p:nvPr/>
+        </p:nvSpPr>
+        <p:spPr>
+          <a:xfrm>
+            <a:off x="3447925" y="659460"/>
+            <a:ext cx="7482672" cy="470000"/>
+          </a:xfrm>
+          <a:prstGeom prst="rect">
+            <a:avLst/>
+          </a:prstGeom>
+        </p:spPr>
+        <p:txBody>
+          <a:bodyPr wrap="square">
+            <a:spAutoFit/>
+          </a:bodyPr>
+          <a:lstStyle/>
+          <a:p>
+            <a:pPr>
+              <a:lnSpc>
+                <a:spcPct val="107000"/>
+              </a:lnSpc>
+              <a:spcAft>
+                <a:spcPts val="800"/>
+              </a:spcAft>
+            </a:pPr>
+            <a:r>
+              <a:rPr lang="ru-RU" sz="2400" b="1" dirty="0" smtClean="0">
+                <a:latin typeface="Calibri" panose="020F0502020204030204" pitchFamily="34" charset="0"/>
+                <a:ea typeface="Calibri" panose="020F0502020204030204" pitchFamily="34" charset="0"/>
+                <a:cs typeface="Times New Roman" panose="02020603050405020304" pitchFamily="18" charset="0"/>
+              </a:rPr>
+              <a:t>Введем некоторые понятия</a:t>
+            </a:r>
+            <a:endParaRPr lang="ru-RU" sz="2400" b="1" dirty="0">
+              <a:latin typeface="Calibri" panose="020F0502020204030204" pitchFamily="34" charset="0"/>
+              <a:ea typeface="Calibri" panose="020F0502020204030204" pitchFamily="34" charset="0"/>
+              <a:cs typeface="Times New Roman" panose="02020603050405020304" pitchFamily="18" charset="0"/>
+            </a:endParaRPr>
+          </a:p>
+        </p:txBody>
+      </p:sp>
+    </p:spTree>
+    <p:extLst>
+      <p:ext uri="{BB962C8B-B14F-4D97-AF65-F5344CB8AC3E}">
+        <p14:creationId xmlns:p14="http://schemas.microsoft.com/office/powerpoint/2010/main" val="150873901"/>
+      </p:ext>
+    </p:extLst>
+  </p:cSld>
+  <p:clrMapOvr>
+    <a:masterClrMapping/>
+  </p:clrMapOvr>
+  <p:timing>
+    <p:tnLst>
+      <p:par>
+        <p:cTn id="1" dur="indefinite" restart="never" nodeType="tmRoot"/>
+      </p:par>
+    </p:tnLst>
+  </p:timing>
+</p:sld>
+</file>
+
+<file path=ppt/slides/slide6.xml><?xml version="1.0" encoding="utf-8"?>
+<p:sld xmlns:a="http://schemas.openxmlformats.org/drawingml/2006/main" xmlns:r="http://schemas.openxmlformats.org/officeDocument/2006/relationships" xmlns:p="http://schemas.openxmlformats.org/presentationml/2006/main">
+  <p:cSld>
+    <p:bg>
+      <p:bgPr>
+        <a:gradFill>
+          <a:gsLst>
+            <a:gs pos="0">
+              <a:schemeClr val="accent1">
+                <a:lumMod val="5000"/>
+                <a:lumOff val="95000"/>
+              </a:schemeClr>
+            </a:gs>
+            <a:gs pos="74000">
+              <a:schemeClr val="accent1">
+                <a:lumMod val="45000"/>
+                <a:lumOff val="55000"/>
+              </a:schemeClr>
+            </a:gs>
+            <a:gs pos="83000">
+              <a:schemeClr val="accent1">
+                <a:lumMod val="45000"/>
+                <a:lumOff val="55000"/>
+              </a:schemeClr>
+            </a:gs>
+            <a:gs pos="100000">
+              <a:schemeClr val="accent1">
+                <a:lumMod val="30000"/>
+                <a:lumOff val="70000"/>
+              </a:schemeClr>
+            </a:gs>
+          </a:gsLst>
+          <a:lin ang="5400000" scaled="1"/>
+        </a:gradFill>
+        <a:effectLst/>
+      </p:bgPr>
+    </p:bg>
+    <p:spTree>
+      <p:nvGrpSpPr>
+        <p:cNvPr id="1" name=""/>
+        <p:cNvGrpSpPr/>
+        <p:nvPr/>
+      </p:nvGrpSpPr>
+      <p:grpSpPr>
+        <a:xfrm>
+          <a:off x="0" y="0"/>
+          <a:ext cx="0" cy="0"/>
+          <a:chOff x="0" y="0"/>
+          <a:chExt cx="0" cy="0"/>
+        </a:xfrm>
+      </p:grpSpPr>
       <p:graphicFrame>
         <p:nvGraphicFramePr>
           <p:cNvPr id="2" name="Таблица 1"/>
@@ -4969,14 +5437,14 @@
           <p:nvPr>
             <p:extLst>
               <p:ext uri="{D42A27DB-BD31-4B8C-83A1-F6EECF244321}">
-                <p14:modId xmlns:p14="http://schemas.microsoft.com/office/powerpoint/2010/main" val="3201552674"/>
+                <p14:modId xmlns:p14="http://schemas.microsoft.com/office/powerpoint/2010/main" val="2646464894"/>
               </p:ext>
             </p:extLst>
           </p:nvPr>
         </p:nvGraphicFramePr>
         <p:xfrm>
           <a:off x="2963817" y="1979175"/>
-          <a:ext cx="5683795" cy="2283216"/>
+          <a:ext cx="5883003" cy="2923296"/>
         </p:xfrm>
         <a:graphic>
           <a:graphicData uri="http://schemas.openxmlformats.org/drawingml/2006/table">
@@ -4985,14 +5453,14 @@
                 <a:tableStyleId>{5A111915-BE36-4E01-A7E5-04B1672EAD32}</a:tableStyleId>
               </a:tblPr>
               <a:tblGrid>
-                <a:gridCol w="1991360">
+                <a:gridCol w="2061154">
                   <a:extLst>
                     <a:ext uri="{9D8B030D-6E8A-4147-A177-3AD203B41FA5}">
                       <a16:colId xmlns:a16="http://schemas.microsoft.com/office/drawing/2014/main" val="1968324072"/>
                     </a:ext>
                   </a:extLst>
                 </a:gridCol>
-                <a:gridCol w="3692435">
+                <a:gridCol w="3821849">
                   <a:extLst>
                     <a:ext uri="{9D8B030D-6E8A-4147-A177-3AD203B41FA5}">
                       <a16:colId xmlns:a16="http://schemas.microsoft.com/office/drawing/2014/main" val="1264896629"/>
@@ -5203,6 +5671,93 @@
                   </a:ext>
                 </a:extLst>
               </a:tr>
+              <a:tr h="479364">
+                <a:tc>
+                  <a:txBody>
+                    <a:bodyPr/>
+                    <a:lstStyle/>
+                    <a:p>
+                      <a:r>
+                        <a:rPr lang="ru-RU" dirty="0" smtClean="0"/>
+                        <a:t>Модель</a:t>
+                      </a:r>
+                      <a:endParaRPr lang="ru-RU" dirty="0"/>
+                    </a:p>
+                  </a:txBody>
+                  <a:tcPr/>
+                </a:tc>
+                <a:tc>
+                  <a:txBody>
+                    <a:bodyPr/>
+                    <a:lstStyle/>
+                    <a:p>
+                      <a:r>
+                        <a:rPr lang="ru-RU" dirty="0" smtClean="0"/>
+                        <a:t>*</a:t>
+                      </a:r>
+                      <a:r>
+                        <a:rPr lang="en-US" dirty="0" smtClean="0"/>
+                        <a:t>Model</a:t>
+                      </a:r>
+                      <a:r>
+                        <a:rPr lang="ru-RU" dirty="0" smtClean="0"/>
+                        <a:t>,</a:t>
+                      </a:r>
+                      <a:r>
+                        <a:rPr lang="ru-RU" baseline="0" dirty="0" smtClean="0"/>
+                        <a:t> *</a:t>
+                      </a:r>
+                      <a:r>
+                        <a:rPr lang="en-US" baseline="0" dirty="0" err="1" smtClean="0"/>
+                        <a:t>ViewModel</a:t>
+                      </a:r>
+                      <a:r>
+                        <a:rPr lang="en-US" baseline="0" dirty="0" smtClean="0"/>
+                        <a:t>, *</a:t>
+                      </a:r>
+                      <a:r>
+                        <a:rPr lang="en-US" baseline="0" dirty="0" err="1" smtClean="0"/>
+                        <a:t>ApiModel</a:t>
+                      </a:r>
+                      <a:r>
+                        <a:rPr lang="en-US" baseline="0" dirty="0" smtClean="0"/>
+                        <a:t>, </a:t>
+                      </a:r>
+                      <a:r>
+                        <a:rPr lang="en-US" dirty="0" smtClean="0"/>
+                        <a:t>*</a:t>
+                      </a:r>
+                      <a:r>
+                        <a:rPr lang="en-US" dirty="0" err="1" smtClean="0"/>
+                        <a:t>SqlModel</a:t>
+                      </a:r>
+                      <a:r>
+                        <a:rPr lang="en-US" dirty="0" smtClean="0"/>
+                        <a:t>, *</a:t>
+                      </a:r>
+                      <a:r>
+                        <a:rPr lang="en-US" dirty="0" err="1" smtClean="0"/>
+                        <a:t>SqlTableModel</a:t>
+                      </a:r>
+                      <a:r>
+                        <a:rPr lang="en-US" dirty="0" smtClean="0"/>
+                        <a:t>, *</a:t>
+                      </a:r>
+                      <a:r>
+                        <a:rPr lang="en-US" dirty="0" err="1" smtClean="0"/>
+                        <a:t>Dto</a:t>
+                      </a:r>
+                      <a:endParaRPr lang="ru-RU" dirty="0"/>
+                    </a:p>
+                  </a:txBody>
+                  <a:tcPr/>
+                </a:tc>
+                <a:extLst>
+                  <a:ext uri="{0D108BD9-81ED-4DB2-BD59-A6C34878D82A}">
+                    <a16:rowId xmlns:a16="http://schemas.microsoft.com/office/drawing/2014/main" val="2194938764"/>
+                  </a:ext>
+                </a:extLst>
+              </a:tr>
             </a:tbl>
           </a:graphicData>
         </a:graphic>
@@ -5256,301 +5811,6 @@
     <p:extLst>
       <p:ext uri="{BB962C8B-B14F-4D97-AF65-F5344CB8AC3E}">
         <p14:creationId xmlns:p14="http://schemas.microsoft.com/office/powerpoint/2010/main" val="329203456"/>
-      </p:ext>
-    </p:extLst>
-  </p:cSld>
-  <p:clrMapOvr>
-    <a:masterClrMapping/>
-  </p:clrMapOvr>
-  <p:timing>
-    <p:tnLst>
-      <p:par>
-        <p:cTn id="1" dur="indefinite" restart="never" nodeType="tmRoot"/>
-      </p:par>
-    </p:tnLst>
-  </p:timing>
-</p:sld>
-</file>
-
-<file path=ppt/slides/slide6.xml><?xml version="1.0" encoding="utf-8"?>
-<p:sld xmlns:a="http://schemas.openxmlformats.org/drawingml/2006/main" xmlns:r="http://schemas.openxmlformats.org/officeDocument/2006/relationships" xmlns:p="http://schemas.openxmlformats.org/presentationml/2006/main">
-  <p:cSld>
-    <p:bg>
-      <p:bgPr>
-        <a:gradFill>
-          <a:gsLst>
-            <a:gs pos="0">
-              <a:schemeClr val="accent1">
-                <a:lumMod val="5000"/>
-                <a:lumOff val="95000"/>
-              </a:schemeClr>
-            </a:gs>
-            <a:gs pos="74000">
-              <a:schemeClr val="accent1">
-                <a:lumMod val="45000"/>
-                <a:lumOff val="55000"/>
-              </a:schemeClr>
-            </a:gs>
-            <a:gs pos="83000">
-              <a:schemeClr val="accent1">
-                <a:lumMod val="45000"/>
-                <a:lumOff val="55000"/>
-              </a:schemeClr>
-            </a:gs>
-            <a:gs pos="100000">
-              <a:schemeClr val="accent1">
-                <a:lumMod val="30000"/>
-                <a:lumOff val="70000"/>
-              </a:schemeClr>
-            </a:gs>
-          </a:gsLst>
-          <a:lin ang="5400000" scaled="1"/>
-        </a:gradFill>
-        <a:effectLst/>
-      </p:bgPr>
-    </p:bg>
-    <p:spTree>
-      <p:nvGrpSpPr>
-        <p:cNvPr id="1" name=""/>
-        <p:cNvGrpSpPr/>
-        <p:nvPr/>
-      </p:nvGrpSpPr>
-      <p:grpSpPr>
-        <a:xfrm>
-          <a:off x="0" y="0"/>
-          <a:ext cx="0" cy="0"/>
-          <a:chOff x="0" y="0"/>
-          <a:chExt cx="0" cy="0"/>
-        </a:xfrm>
-      </p:grpSpPr>
-      <p:sp>
-        <p:nvSpPr>
-          <p:cNvPr id="6" name="Прямоугольник 5"/>
-          <p:cNvSpPr/>
-          <p:nvPr/>
-        </p:nvSpPr>
-        <p:spPr>
-          <a:xfrm>
-            <a:off x="1166283" y="1991516"/>
-            <a:ext cx="9510426" cy="3034677"/>
-          </a:xfrm>
-          <a:prstGeom prst="rect">
-            <a:avLst/>
-          </a:prstGeom>
-        </p:spPr>
-        <p:txBody>
-          <a:bodyPr wrap="square">
-            <a:spAutoFit/>
-          </a:bodyPr>
-          <a:lstStyle/>
-          <a:p>
-            <a:pPr>
-              <a:lnSpc>
-                <a:spcPct val="107000"/>
-              </a:lnSpc>
-              <a:spcAft>
-                <a:spcPts val="800"/>
-              </a:spcAft>
-            </a:pPr>
-            <a:r>
-              <a:rPr lang="ru-RU" sz="2000" b="1" dirty="0" smtClean="0">
-                <a:latin typeface="Calibri" panose="020F0502020204030204" pitchFamily="34" charset="0"/>
-                <a:ea typeface="Calibri" panose="020F0502020204030204" pitchFamily="34" charset="0"/>
-                <a:cs typeface="Times New Roman" panose="02020603050405020304" pitchFamily="18" charset="0"/>
-              </a:rPr>
-              <a:t>Слой доступа к данным, или инфраструктура </a:t>
-            </a:r>
-            <a:r>
-              <a:rPr lang="ru-RU" sz="2000" dirty="0" smtClean="0">
-                <a:latin typeface="Calibri" panose="020F0502020204030204" pitchFamily="34" charset="0"/>
-                <a:ea typeface="Calibri" panose="020F0502020204030204" pitchFamily="34" charset="0"/>
-                <a:cs typeface="Times New Roman" panose="02020603050405020304" pitchFamily="18" charset="0"/>
-              </a:rPr>
-              <a:t>– совокупность классов, предоставляющих доступ до всех источников данных (предоставляет </a:t>
-            </a:r>
-            <a:r>
-              <a:rPr lang="ru-RU" sz="2000" dirty="0" err="1" smtClean="0">
-                <a:latin typeface="Calibri" panose="020F0502020204030204" pitchFamily="34" charset="0"/>
-                <a:ea typeface="Calibri" panose="020F0502020204030204" pitchFamily="34" charset="0"/>
-                <a:cs typeface="Times New Roman" panose="02020603050405020304" pitchFamily="18" charset="0"/>
-              </a:rPr>
-              <a:t>репозитории</a:t>
-            </a:r>
-            <a:r>
-              <a:rPr lang="ru-RU" sz="2000" dirty="0" smtClean="0">
-                <a:latin typeface="Calibri" panose="020F0502020204030204" pitchFamily="34" charset="0"/>
-                <a:ea typeface="Calibri" panose="020F0502020204030204" pitchFamily="34" charset="0"/>
-                <a:cs typeface="Times New Roman" panose="02020603050405020304" pitchFamily="18" charset="0"/>
-              </a:rPr>
-              <a:t>). </a:t>
-            </a:r>
-          </a:p>
-          <a:p>
-            <a:pPr>
-              <a:lnSpc>
-                <a:spcPct val="107000"/>
-              </a:lnSpc>
-              <a:spcAft>
-                <a:spcPts val="800"/>
-              </a:spcAft>
-            </a:pPr>
-            <a:r>
-              <a:rPr lang="ru-RU" sz="2000" b="1" dirty="0" smtClean="0">
-                <a:latin typeface="Calibri" panose="020F0502020204030204" pitchFamily="34" charset="0"/>
-                <a:ea typeface="Calibri" panose="020F0502020204030204" pitchFamily="34" charset="0"/>
-                <a:cs typeface="Times New Roman" panose="02020603050405020304" pitchFamily="18" charset="0"/>
-              </a:rPr>
-              <a:t>Слой бизнес-логики, или слой приложения </a:t>
-            </a:r>
-            <a:r>
-              <a:rPr lang="ru-RU" sz="2000" dirty="0" smtClean="0">
-                <a:latin typeface="Calibri" panose="020F0502020204030204" pitchFamily="34" charset="0"/>
-                <a:ea typeface="Calibri" panose="020F0502020204030204" pitchFamily="34" charset="0"/>
-                <a:cs typeface="Times New Roman" panose="02020603050405020304" pitchFamily="18" charset="0"/>
-              </a:rPr>
-              <a:t>–</a:t>
-            </a:r>
-            <a:r>
-              <a:rPr lang="ru-RU" sz="2000" b="1" dirty="0" smtClean="0">
-                <a:latin typeface="Calibri" panose="020F0502020204030204" pitchFamily="34" charset="0"/>
-                <a:ea typeface="Calibri" panose="020F0502020204030204" pitchFamily="34" charset="0"/>
-                <a:cs typeface="Times New Roman" panose="02020603050405020304" pitchFamily="18" charset="0"/>
-              </a:rPr>
-              <a:t> </a:t>
-            </a:r>
-            <a:r>
-              <a:rPr lang="ru-RU" sz="2000" dirty="0" smtClean="0">
-                <a:latin typeface="Calibri" panose="020F0502020204030204" pitchFamily="34" charset="0"/>
-                <a:ea typeface="Calibri" panose="020F0502020204030204" pitchFamily="34" charset="0"/>
-                <a:cs typeface="Times New Roman" panose="02020603050405020304" pitchFamily="18" charset="0"/>
-              </a:rPr>
-              <a:t>совокупность классов, реализующих бизнес-логику системы (предоставляет сервисы и </a:t>
-            </a:r>
-            <a:r>
-              <a:rPr lang="ru-RU" sz="2000" dirty="0" err="1" smtClean="0">
-                <a:latin typeface="Calibri" panose="020F0502020204030204" pitchFamily="34" charset="0"/>
-                <a:ea typeface="Calibri" panose="020F0502020204030204" pitchFamily="34" charset="0"/>
-                <a:cs typeface="Times New Roman" panose="02020603050405020304" pitchFamily="18" charset="0"/>
-              </a:rPr>
-              <a:t>юзкейсы</a:t>
-            </a:r>
-            <a:r>
-              <a:rPr lang="ru-RU" sz="2000" dirty="0" smtClean="0">
-                <a:latin typeface="Calibri" panose="020F0502020204030204" pitchFamily="34" charset="0"/>
-                <a:ea typeface="Calibri" panose="020F0502020204030204" pitchFamily="34" charset="0"/>
-                <a:cs typeface="Times New Roman" panose="02020603050405020304" pitchFamily="18" charset="0"/>
-              </a:rPr>
-              <a:t>).</a:t>
-            </a:r>
-          </a:p>
-          <a:p>
-            <a:pPr>
-              <a:lnSpc>
-                <a:spcPct val="107000"/>
-              </a:lnSpc>
-              <a:spcAft>
-                <a:spcPts val="800"/>
-              </a:spcAft>
-            </a:pPr>
-            <a:r>
-              <a:rPr lang="ru-RU" sz="2000" b="1" dirty="0" smtClean="0">
-                <a:latin typeface="Calibri" panose="020F0502020204030204" pitchFamily="34" charset="0"/>
-                <a:ea typeface="Calibri" panose="020F0502020204030204" pitchFamily="34" charset="0"/>
-                <a:cs typeface="Times New Roman" panose="02020603050405020304" pitchFamily="18" charset="0"/>
-              </a:rPr>
-              <a:t>Слой пользовательского интерфейса, или слой презентации</a:t>
-            </a:r>
-            <a:r>
-              <a:rPr lang="ru-RU" sz="2000" dirty="0" smtClean="0">
-                <a:latin typeface="Calibri" panose="020F0502020204030204" pitchFamily="34" charset="0"/>
-                <a:ea typeface="Calibri" panose="020F0502020204030204" pitchFamily="34" charset="0"/>
-                <a:cs typeface="Times New Roman" panose="02020603050405020304" pitchFamily="18" charset="0"/>
-              </a:rPr>
-              <a:t> – совокупность классов, обрабатывающие запросы к проекты извне (предоставляет контроллеры и </a:t>
-            </a:r>
-            <a:r>
-              <a:rPr lang="ru-RU" sz="2000" dirty="0" err="1" smtClean="0">
-                <a:latin typeface="Calibri" panose="020F0502020204030204" pitchFamily="34" charset="0"/>
-                <a:ea typeface="Calibri" panose="020F0502020204030204" pitchFamily="34" charset="0"/>
-                <a:cs typeface="Times New Roman" panose="02020603050405020304" pitchFamily="18" charset="0"/>
-              </a:rPr>
-              <a:t>экстеншен</a:t>
-            </a:r>
-            <a:r>
-              <a:rPr lang="ru-RU" sz="2000" dirty="0" smtClean="0">
-                <a:latin typeface="Calibri" panose="020F0502020204030204" pitchFamily="34" charset="0"/>
-                <a:ea typeface="Calibri" panose="020F0502020204030204" pitchFamily="34" charset="0"/>
-                <a:cs typeface="Times New Roman" panose="02020603050405020304" pitchFamily="18" charset="0"/>
-              </a:rPr>
-              <a:t>-классы)</a:t>
-            </a:r>
-          </a:p>
-          <a:p>
-            <a:pPr>
-              <a:lnSpc>
-                <a:spcPct val="107000"/>
-              </a:lnSpc>
-              <a:spcAft>
-                <a:spcPts val="800"/>
-              </a:spcAft>
-            </a:pPr>
-            <a:endParaRPr lang="ru-RU" sz="2000" b="1" dirty="0">
-              <a:latin typeface="Calibri" panose="020F0502020204030204" pitchFamily="34" charset="0"/>
-              <a:ea typeface="Calibri" panose="020F0502020204030204" pitchFamily="34" charset="0"/>
-              <a:cs typeface="Times New Roman" panose="02020603050405020304" pitchFamily="18" charset="0"/>
-            </a:endParaRPr>
-          </a:p>
-        </p:txBody>
-      </p:sp>
-      <p:sp>
-        <p:nvSpPr>
-          <p:cNvPr id="3" name="Прямоугольник 2"/>
-          <p:cNvSpPr/>
-          <p:nvPr/>
-        </p:nvSpPr>
-        <p:spPr>
-          <a:xfrm>
-            <a:off x="3447925" y="659460"/>
-            <a:ext cx="7482672" cy="470000"/>
-          </a:xfrm>
-          <a:prstGeom prst="rect">
-            <a:avLst/>
-          </a:prstGeom>
-        </p:spPr>
-        <p:txBody>
-          <a:bodyPr wrap="square">
-            <a:spAutoFit/>
-          </a:bodyPr>
-          <a:lstStyle/>
-          <a:p>
-            <a:pPr>
-              <a:lnSpc>
-                <a:spcPct val="107000"/>
-              </a:lnSpc>
-              <a:spcAft>
-                <a:spcPts val="800"/>
-              </a:spcAft>
-            </a:pPr>
-            <a:r>
-              <a:rPr lang="ru-RU" sz="2400" b="1" dirty="0" smtClean="0">
-                <a:latin typeface="Calibri" panose="020F0502020204030204" pitchFamily="34" charset="0"/>
-                <a:ea typeface="Calibri" panose="020F0502020204030204" pitchFamily="34" charset="0"/>
-                <a:cs typeface="Times New Roman" panose="02020603050405020304" pitchFamily="18" charset="0"/>
-              </a:rPr>
-              <a:t>Введем понятия архитектурных слоев</a:t>
-            </a:r>
-            <a:endParaRPr lang="ru-RU" sz="2400" b="1" dirty="0">
-              <a:latin typeface="Calibri" panose="020F0502020204030204" pitchFamily="34" charset="0"/>
-              <a:ea typeface="Calibri" panose="020F0502020204030204" pitchFamily="34" charset="0"/>
-              <a:cs typeface="Times New Roman" panose="02020603050405020304" pitchFamily="18" charset="0"/>
-            </a:endParaRPr>
-          </a:p>
-        </p:txBody>
-      </p:sp>
-    </p:spTree>
-    <p:extLst>
-      <p:ext uri="{BB962C8B-B14F-4D97-AF65-F5344CB8AC3E}">
-        <p14:creationId xmlns:p14="http://schemas.microsoft.com/office/powerpoint/2010/main" val="1932949860"/>
       </p:ext>
     </p:extLst>
   </p:cSld>
@@ -5620,14 +5880,14 @@
       </p:grpSpPr>
       <p:sp>
         <p:nvSpPr>
-          <p:cNvPr id="3" name="Прямоугольник 2"/>
+          <p:cNvPr id="6" name="Прямоугольник 5"/>
           <p:cNvSpPr/>
           <p:nvPr/>
         </p:nvSpPr>
         <p:spPr>
           <a:xfrm>
-            <a:off x="3154752" y="339587"/>
-            <a:ext cx="2883170" cy="400110"/>
+            <a:off x="1166283" y="1991516"/>
+            <a:ext cx="9510426" cy="2705356"/>
           </a:xfrm>
           <a:prstGeom prst="rect">
             <a:avLst/>
@@ -5639,357 +5899,202 @@
           </a:bodyPr>
           <a:lstStyle/>
           <a:p>
-            <a:r>
-              <a:rPr lang="ru-RU" sz="2000" i="1" dirty="0" smtClean="0">
+            <a:pPr>
+              <a:lnSpc>
+                <a:spcPct val="107000"/>
+              </a:lnSpc>
+              <a:spcAft>
+                <a:spcPts val="800"/>
+              </a:spcAft>
+            </a:pPr>
+            <a:r>
+              <a:rPr lang="ru-RU" sz="2000" b="1" dirty="0" smtClean="0">
                 <a:latin typeface="Calibri" panose="020F0502020204030204" pitchFamily="34" charset="0"/>
+                <a:ea typeface="Calibri" panose="020F0502020204030204" pitchFamily="34" charset="0"/>
                 <a:cs typeface="Times New Roman" panose="02020603050405020304" pitchFamily="18" charset="0"/>
               </a:rPr>
-              <a:t>Запросы к системе</a:t>
-            </a:r>
-            <a:endParaRPr lang="ru-RU" sz="2000" i="1" dirty="0"/>
-          </a:p>
-        </p:txBody>
-      </p:sp>
-      <p:sp>
-        <p:nvSpPr>
-          <p:cNvPr id="4" name="Прямоугольник 3"/>
+              <a:t>Слой доступа к данным, или инфраструктура </a:t>
+            </a:r>
+            <a:r>
+              <a:rPr lang="ru-RU" sz="2000" dirty="0" smtClean="0">
+                <a:latin typeface="Calibri" panose="020F0502020204030204" pitchFamily="34" charset="0"/>
+                <a:ea typeface="Calibri" panose="020F0502020204030204" pitchFamily="34" charset="0"/>
+                <a:cs typeface="Times New Roman" panose="02020603050405020304" pitchFamily="18" charset="0"/>
+              </a:rPr>
+              <a:t>– совокупность классов, предоставляющих доступ до источников данных </a:t>
+            </a:r>
+          </a:p>
+          <a:p>
+            <a:pPr>
+              <a:lnSpc>
+                <a:spcPct val="107000"/>
+              </a:lnSpc>
+              <a:spcAft>
+                <a:spcPts val="800"/>
+              </a:spcAft>
+            </a:pPr>
+            <a:r>
+              <a:rPr lang="ru-RU" sz="2000" b="1" dirty="0" smtClean="0">
+                <a:latin typeface="Calibri" panose="020F0502020204030204" pitchFamily="34" charset="0"/>
+                <a:ea typeface="Calibri" panose="020F0502020204030204" pitchFamily="34" charset="0"/>
+                <a:cs typeface="Times New Roman" panose="02020603050405020304" pitchFamily="18" charset="0"/>
+              </a:rPr>
+              <a:t>Слой бизнес-логики, или слой приложения </a:t>
+            </a:r>
+            <a:r>
+              <a:rPr lang="ru-RU" sz="2000" dirty="0" smtClean="0">
+                <a:latin typeface="Calibri" panose="020F0502020204030204" pitchFamily="34" charset="0"/>
+                <a:ea typeface="Calibri" panose="020F0502020204030204" pitchFamily="34" charset="0"/>
+                <a:cs typeface="Times New Roman" panose="02020603050405020304" pitchFamily="18" charset="0"/>
+              </a:rPr>
+              <a:t>–</a:t>
+            </a:r>
+            <a:r>
+              <a:rPr lang="ru-RU" sz="2000" b="1" dirty="0" smtClean="0">
+                <a:latin typeface="Calibri" panose="020F0502020204030204" pitchFamily="34" charset="0"/>
+                <a:ea typeface="Calibri" panose="020F0502020204030204" pitchFamily="34" charset="0"/>
+                <a:cs typeface="Times New Roman" panose="02020603050405020304" pitchFamily="18" charset="0"/>
+              </a:rPr>
+              <a:t> </a:t>
+            </a:r>
+            <a:r>
+              <a:rPr lang="ru-RU" sz="2000" dirty="0" smtClean="0">
+                <a:latin typeface="Calibri" panose="020F0502020204030204" pitchFamily="34" charset="0"/>
+                <a:ea typeface="Calibri" panose="020F0502020204030204" pitchFamily="34" charset="0"/>
+                <a:cs typeface="Times New Roman" panose="02020603050405020304" pitchFamily="18" charset="0"/>
+              </a:rPr>
+              <a:t>совокупность классов, реализующих бизнес-логику системы</a:t>
+            </a:r>
+            <a:endParaRPr lang="en-US" sz="2000" dirty="0" smtClean="0">
+              <a:latin typeface="Calibri" panose="020F0502020204030204" pitchFamily="34" charset="0"/>
+              <a:ea typeface="Calibri" panose="020F0502020204030204" pitchFamily="34" charset="0"/>
+              <a:cs typeface="Times New Roman" panose="02020603050405020304" pitchFamily="18" charset="0"/>
+            </a:endParaRPr>
+          </a:p>
+          <a:p>
+            <a:pPr>
+              <a:lnSpc>
+                <a:spcPct val="107000"/>
+              </a:lnSpc>
+              <a:spcAft>
+                <a:spcPts val="800"/>
+              </a:spcAft>
+            </a:pPr>
+            <a:r>
+              <a:rPr lang="ru-RU" sz="2000" b="1" dirty="0" smtClean="0">
+                <a:latin typeface="Calibri" panose="020F0502020204030204" pitchFamily="34" charset="0"/>
+                <a:ea typeface="Calibri" panose="020F0502020204030204" pitchFamily="34" charset="0"/>
+                <a:cs typeface="Times New Roman" panose="02020603050405020304" pitchFamily="18" charset="0"/>
+              </a:rPr>
+              <a:t>Слой пользовательского интерфейса, или слой презентации в </a:t>
+            </a:r>
+            <a:r>
+              <a:rPr lang="en-US" sz="2000" b="1" dirty="0" smtClean="0">
+                <a:latin typeface="Calibri" panose="020F0502020204030204" pitchFamily="34" charset="0"/>
+                <a:ea typeface="Calibri" panose="020F0502020204030204" pitchFamily="34" charset="0"/>
+                <a:cs typeface="Times New Roman" panose="02020603050405020304" pitchFamily="18" charset="0"/>
+              </a:rPr>
+              <a:t>C# </a:t>
+            </a:r>
+            <a:r>
+              <a:rPr lang="ru-RU" sz="2000" dirty="0" smtClean="0">
+                <a:latin typeface="Calibri" panose="020F0502020204030204" pitchFamily="34" charset="0"/>
+                <a:ea typeface="Calibri" panose="020F0502020204030204" pitchFamily="34" charset="0"/>
+                <a:cs typeface="Times New Roman" panose="02020603050405020304" pitchFamily="18" charset="0"/>
+              </a:rPr>
+              <a:t> – совокупность классов, предоставляющих </a:t>
+            </a:r>
+            <a:r>
+              <a:rPr lang="en-US" sz="2000" dirty="0" err="1" smtClean="0">
+                <a:latin typeface="Calibri" panose="020F0502020204030204" pitchFamily="34" charset="0"/>
+                <a:ea typeface="Calibri" panose="020F0502020204030204" pitchFamily="34" charset="0"/>
+                <a:cs typeface="Times New Roman" panose="02020603050405020304" pitchFamily="18" charset="0"/>
+              </a:rPr>
+              <a:t>api</a:t>
+            </a:r>
+            <a:r>
+              <a:rPr lang="en-US" sz="2000" dirty="0" smtClean="0">
+                <a:latin typeface="Calibri" panose="020F0502020204030204" pitchFamily="34" charset="0"/>
+                <a:ea typeface="Calibri" panose="020F0502020204030204" pitchFamily="34" charset="0"/>
+                <a:cs typeface="Times New Roman" panose="02020603050405020304" pitchFamily="18" charset="0"/>
+              </a:rPr>
+              <a:t> </a:t>
+            </a:r>
+            <a:r>
+              <a:rPr lang="ru-RU" sz="2000" dirty="0" smtClean="0">
+                <a:latin typeface="Calibri" panose="020F0502020204030204" pitchFamily="34" charset="0"/>
+                <a:ea typeface="Calibri" panose="020F0502020204030204" pitchFamily="34" charset="0"/>
+                <a:cs typeface="Times New Roman" panose="02020603050405020304" pitchFamily="18" charset="0"/>
+              </a:rPr>
+              <a:t>для запросов из интерфейса или внешних модулей</a:t>
+            </a:r>
+          </a:p>
+          <a:p>
+            <a:pPr>
+              <a:lnSpc>
+                <a:spcPct val="107000"/>
+              </a:lnSpc>
+              <a:spcAft>
+                <a:spcPts val="800"/>
+              </a:spcAft>
+            </a:pPr>
+            <a:endParaRPr lang="ru-RU" sz="2000" b="1" dirty="0">
+              <a:latin typeface="Calibri" panose="020F0502020204030204" pitchFamily="34" charset="0"/>
+              <a:ea typeface="Calibri" panose="020F0502020204030204" pitchFamily="34" charset="0"/>
+              <a:cs typeface="Times New Roman" panose="02020603050405020304" pitchFamily="18" charset="0"/>
+            </a:endParaRPr>
+          </a:p>
+        </p:txBody>
+      </p:sp>
+      <p:sp>
+        <p:nvSpPr>
+          <p:cNvPr id="3" name="Прямоугольник 2"/>
           <p:cNvSpPr/>
           <p:nvPr/>
         </p:nvSpPr>
         <p:spPr>
           <a:xfrm>
-            <a:off x="3154752" y="3256973"/>
-            <a:ext cx="2412840" cy="400110"/>
+            <a:off x="3447925" y="659460"/>
+            <a:ext cx="7482672" cy="470000"/>
           </a:xfrm>
           <a:prstGeom prst="rect">
             <a:avLst/>
           </a:prstGeom>
         </p:spPr>
         <p:txBody>
-          <a:bodyPr wrap="none">
+          <a:bodyPr wrap="square">
             <a:spAutoFit/>
           </a:bodyPr>
           <a:lstStyle/>
           <a:p>
-            <a:r>
-              <a:rPr lang="ru-RU" sz="2000" b="1" dirty="0">
+            <a:pPr>
+              <a:lnSpc>
+                <a:spcPct val="107000"/>
+              </a:lnSpc>
+              <a:spcAft>
+                <a:spcPts val="800"/>
+              </a:spcAft>
+            </a:pPr>
+            <a:r>
+              <a:rPr lang="ru-RU" sz="2400" b="1" dirty="0" smtClean="0">
                 <a:latin typeface="Calibri" panose="020F0502020204030204" pitchFamily="34" charset="0"/>
                 <a:ea typeface="Calibri" panose="020F0502020204030204" pitchFamily="34" charset="0"/>
                 <a:cs typeface="Times New Roman" panose="02020603050405020304" pitchFamily="18" charset="0"/>
               </a:rPr>
-              <a:t>Слой </a:t>
-            </a:r>
-            <a:r>
-              <a:rPr lang="ru-RU" sz="2000" b="1" dirty="0" smtClean="0">
-                <a:latin typeface="Calibri" panose="020F0502020204030204" pitchFamily="34" charset="0"/>
-                <a:ea typeface="Calibri" panose="020F0502020204030204" pitchFamily="34" charset="0"/>
-                <a:cs typeface="Times New Roman" panose="02020603050405020304" pitchFamily="18" charset="0"/>
-              </a:rPr>
-              <a:t>бизнес-логики</a:t>
-            </a:r>
-            <a:endParaRPr lang="ru-RU" sz="2000" dirty="0"/>
-          </a:p>
-        </p:txBody>
-      </p:sp>
-      <p:sp>
-        <p:nvSpPr>
-          <p:cNvPr id="5" name="Прямоугольник 4"/>
-          <p:cNvSpPr/>
-          <p:nvPr/>
-        </p:nvSpPr>
-        <p:spPr>
-          <a:xfrm>
-            <a:off x="2844963" y="4819743"/>
-            <a:ext cx="2831929" cy="400110"/>
-          </a:xfrm>
-          <a:prstGeom prst="rect">
-            <a:avLst/>
-          </a:prstGeom>
-        </p:spPr>
-        <p:txBody>
-          <a:bodyPr wrap="none">
-            <a:spAutoFit/>
-          </a:bodyPr>
-          <a:lstStyle/>
-          <a:p>
-            <a:r>
-              <a:rPr lang="ru-RU" sz="2000" b="1" dirty="0">
-                <a:latin typeface="Calibri" panose="020F0502020204030204" pitchFamily="34" charset="0"/>
-                <a:ea typeface="Calibri" panose="020F0502020204030204" pitchFamily="34" charset="0"/>
-                <a:cs typeface="Times New Roman" panose="02020603050405020304" pitchFamily="18" charset="0"/>
-              </a:rPr>
-              <a:t>Слой доступа к </a:t>
-            </a:r>
-            <a:r>
-              <a:rPr lang="ru-RU" sz="2000" b="1" dirty="0" smtClean="0">
-                <a:latin typeface="Calibri" panose="020F0502020204030204" pitchFamily="34" charset="0"/>
-                <a:ea typeface="Calibri" panose="020F0502020204030204" pitchFamily="34" charset="0"/>
-                <a:cs typeface="Times New Roman" panose="02020603050405020304" pitchFamily="18" charset="0"/>
-              </a:rPr>
-              <a:t>данным</a:t>
-            </a:r>
-            <a:endParaRPr lang="ru-RU" sz="2000" dirty="0"/>
-          </a:p>
-        </p:txBody>
-      </p:sp>
-      <p:cxnSp>
-        <p:nvCxnSpPr>
-          <p:cNvPr id="7" name="Прямая со стрелкой 6"/>
-          <p:cNvCxnSpPr/>
-          <p:nvPr/>
-        </p:nvCxnSpPr>
-        <p:spPr>
-          <a:xfrm>
-            <a:off x="4260928" y="2245968"/>
-            <a:ext cx="0" cy="818606"/>
-          </a:xfrm>
-          <a:prstGeom prst="straightConnector1">
-            <a:avLst/>
-          </a:prstGeom>
-          <a:ln>
-            <a:tailEnd type="triangle"/>
-          </a:ln>
-        </p:spPr>
-        <p:style>
-          <a:lnRef idx="1">
-            <a:schemeClr val="dk1"/>
-          </a:lnRef>
-          <a:fillRef idx="0">
-            <a:schemeClr val="dk1"/>
-          </a:fillRef>
-          <a:effectRef idx="0">
-            <a:schemeClr val="dk1"/>
-          </a:effectRef>
-          <a:fontRef idx="minor">
-            <a:schemeClr val="tx1"/>
-          </a:fontRef>
-        </p:style>
-      </p:cxnSp>
-      <p:cxnSp>
-        <p:nvCxnSpPr>
-          <p:cNvPr id="10" name="Прямая со стрелкой 9"/>
-          <p:cNvCxnSpPr/>
-          <p:nvPr/>
-        </p:nvCxnSpPr>
-        <p:spPr>
-          <a:xfrm>
-            <a:off x="4260928" y="3800448"/>
-            <a:ext cx="0" cy="818606"/>
-          </a:xfrm>
-          <a:prstGeom prst="straightConnector1">
-            <a:avLst/>
-          </a:prstGeom>
-          <a:ln>
-            <a:tailEnd type="triangle"/>
-          </a:ln>
-        </p:spPr>
-        <p:style>
-          <a:lnRef idx="1">
-            <a:schemeClr val="dk1"/>
-          </a:lnRef>
-          <a:fillRef idx="0">
-            <a:schemeClr val="dk1"/>
-          </a:fillRef>
-          <a:effectRef idx="0">
-            <a:schemeClr val="dk1"/>
-          </a:effectRef>
-          <a:fontRef idx="minor">
-            <a:schemeClr val="tx1"/>
-          </a:fontRef>
-        </p:style>
-      </p:cxnSp>
-      <p:cxnSp>
-        <p:nvCxnSpPr>
-          <p:cNvPr id="11" name="Прямая со стрелкой 10"/>
-          <p:cNvCxnSpPr/>
-          <p:nvPr/>
-        </p:nvCxnSpPr>
-        <p:spPr>
-          <a:xfrm>
-            <a:off x="4248054" y="778573"/>
-            <a:ext cx="0" cy="818606"/>
-          </a:xfrm>
-          <a:prstGeom prst="straightConnector1">
-            <a:avLst/>
-          </a:prstGeom>
-          <a:ln>
-            <a:tailEnd type="triangle"/>
-          </a:ln>
-        </p:spPr>
-        <p:style>
-          <a:lnRef idx="1">
-            <a:schemeClr val="dk1"/>
-          </a:lnRef>
-          <a:fillRef idx="0">
-            <a:schemeClr val="dk1"/>
-          </a:fillRef>
-          <a:effectRef idx="0">
-            <a:schemeClr val="dk1"/>
-          </a:effectRef>
-          <a:fontRef idx="minor">
-            <a:schemeClr val="tx1"/>
-          </a:fontRef>
-        </p:style>
-      </p:cxnSp>
-      <p:sp>
-        <p:nvSpPr>
-          <p:cNvPr id="12" name="Прямоугольник 11"/>
-          <p:cNvSpPr/>
-          <p:nvPr/>
-        </p:nvSpPr>
-        <p:spPr>
-          <a:xfrm>
-            <a:off x="2379055" y="1846603"/>
-            <a:ext cx="4615542" cy="400110"/>
-          </a:xfrm>
-          <a:prstGeom prst="rect">
-            <a:avLst/>
-          </a:prstGeom>
-        </p:spPr>
-        <p:txBody>
-          <a:bodyPr wrap="square">
-            <a:spAutoFit/>
-          </a:bodyPr>
-          <a:lstStyle/>
-          <a:p>
-            <a:r>
-              <a:rPr lang="ru-RU" sz="2000" b="1" dirty="0">
-                <a:latin typeface="Calibri" panose="020F0502020204030204" pitchFamily="34" charset="0"/>
-                <a:ea typeface="Calibri" panose="020F0502020204030204" pitchFamily="34" charset="0"/>
-                <a:cs typeface="Times New Roman" panose="02020603050405020304" pitchFamily="18" charset="0"/>
-              </a:rPr>
-              <a:t>Слой пользовательского </a:t>
-            </a:r>
-            <a:r>
-              <a:rPr lang="ru-RU" sz="2000" b="1" dirty="0" smtClean="0">
-                <a:latin typeface="Calibri" panose="020F0502020204030204" pitchFamily="34" charset="0"/>
-                <a:ea typeface="Calibri" panose="020F0502020204030204" pitchFamily="34" charset="0"/>
-                <a:cs typeface="Times New Roman" panose="02020603050405020304" pitchFamily="18" charset="0"/>
-              </a:rPr>
-              <a:t>интерфейса</a:t>
-            </a:r>
-            <a:endParaRPr lang="ru-RU" sz="2000" dirty="0"/>
-          </a:p>
-        </p:txBody>
-      </p:sp>
-      <p:sp>
-        <p:nvSpPr>
-          <p:cNvPr id="13" name="Прямоугольник 12"/>
-          <p:cNvSpPr/>
-          <p:nvPr/>
-        </p:nvSpPr>
-        <p:spPr>
-          <a:xfrm>
-            <a:off x="3062426" y="6205971"/>
-            <a:ext cx="2621914" cy="400110"/>
-          </a:xfrm>
-          <a:prstGeom prst="rect">
-            <a:avLst/>
-          </a:prstGeom>
-        </p:spPr>
-        <p:txBody>
-          <a:bodyPr wrap="square">
-            <a:spAutoFit/>
-          </a:bodyPr>
-          <a:lstStyle/>
-          <a:p>
-            <a:r>
-              <a:rPr lang="ru-RU" sz="2000" i="1" dirty="0" smtClean="0">
-                <a:latin typeface="Calibri" panose="020F0502020204030204" pitchFamily="34" charset="0"/>
-                <a:cs typeface="Times New Roman" panose="02020603050405020304" pitchFamily="18" charset="0"/>
-              </a:rPr>
-              <a:t>Источники данных</a:t>
-            </a:r>
-            <a:endParaRPr lang="ru-RU" sz="2000" i="1" dirty="0"/>
-          </a:p>
-        </p:txBody>
-      </p:sp>
-      <p:cxnSp>
-        <p:nvCxnSpPr>
-          <p:cNvPr id="14" name="Прямая со стрелкой 13"/>
-          <p:cNvCxnSpPr/>
-          <p:nvPr/>
-        </p:nvCxnSpPr>
-        <p:spPr>
-          <a:xfrm>
-            <a:off x="4248054" y="5451673"/>
-            <a:ext cx="0" cy="618551"/>
-          </a:xfrm>
-          <a:prstGeom prst="straightConnector1">
-            <a:avLst/>
-          </a:prstGeom>
-          <a:ln>
-            <a:tailEnd type="triangle"/>
-          </a:ln>
-        </p:spPr>
-        <p:style>
-          <a:lnRef idx="1">
-            <a:schemeClr val="dk1"/>
-          </a:lnRef>
-          <a:fillRef idx="0">
-            <a:schemeClr val="dk1"/>
-          </a:fillRef>
-          <a:effectRef idx="0">
-            <a:schemeClr val="dk1"/>
-          </a:effectRef>
-          <a:fontRef idx="minor">
-            <a:schemeClr val="tx1"/>
-          </a:fontRef>
-        </p:style>
-      </p:cxnSp>
-      <p:sp>
-        <p:nvSpPr>
-          <p:cNvPr id="16" name="Прямоугольник 15"/>
-          <p:cNvSpPr/>
-          <p:nvPr/>
-        </p:nvSpPr>
-        <p:spPr>
-          <a:xfrm>
-            <a:off x="1766805" y="1702302"/>
-            <a:ext cx="4981303" cy="3672043"/>
-          </a:xfrm>
-          <a:prstGeom prst="rect">
-            <a:avLst/>
-          </a:prstGeom>
-          <a:noFill/>
-          <a:ln>
-            <a:solidFill>
-              <a:schemeClr val="accent1">
-                <a:shade val="50000"/>
-              </a:schemeClr>
-            </a:solidFill>
-            <a:prstDash val="dashDot"/>
-          </a:ln>
-        </p:spPr>
-        <p:style>
-          <a:lnRef idx="2">
-            <a:schemeClr val="accent1">
-              <a:shade val="50000"/>
-            </a:schemeClr>
-          </a:lnRef>
-          <a:fillRef idx="1">
-            <a:schemeClr val="accent1"/>
-          </a:fillRef>
-          <a:effectRef idx="0">
-            <a:schemeClr val="accent1"/>
-          </a:effectRef>
-          <a:fontRef idx="minor">
-            <a:schemeClr val="lt1"/>
-          </a:fontRef>
-        </p:style>
-        <p:txBody>
-          <a:bodyPr rtlCol="0" anchor="ctr"/>
-          <a:lstStyle/>
-          <a:p>
-            <a:pPr algn="ctr"/>
-            <a:endParaRPr lang="ru-RU"/>
+              <a:t>Введем понятия архитектурных слоев</a:t>
+            </a:r>
+            <a:endParaRPr lang="ru-RU" sz="2400" b="1" dirty="0">
+              <a:latin typeface="Calibri" panose="020F0502020204030204" pitchFamily="34" charset="0"/>
+              <a:ea typeface="Calibri" panose="020F0502020204030204" pitchFamily="34" charset="0"/>
+              <a:cs typeface="Times New Roman" panose="02020603050405020304" pitchFamily="18" charset="0"/>
+            </a:endParaRPr>
           </a:p>
         </p:txBody>
       </p:sp>
     </p:spTree>
     <p:extLst>
       <p:ext uri="{BB962C8B-B14F-4D97-AF65-F5344CB8AC3E}">
-        <p14:creationId xmlns:p14="http://schemas.microsoft.com/office/powerpoint/2010/main" val="1071096040"/>
+        <p14:creationId xmlns:p14="http://schemas.microsoft.com/office/powerpoint/2010/main" val="1932949860"/>
       </p:ext>
     </p:extLst>
   </p:cSld>
@@ -6059,655 +6164,1152 @@
       </p:grpSpPr>
       <p:sp>
         <p:nvSpPr>
-          <p:cNvPr id="4" name="Прямоугольник 3"/>
+          <p:cNvPr id="2" name="Прямоугольник 1"/>
           <p:cNvSpPr/>
           <p:nvPr/>
         </p:nvSpPr>
         <p:spPr>
           <a:xfrm>
-            <a:off x="3714722" y="2844236"/>
-            <a:ext cx="5753755" cy="400110"/>
+            <a:off x="1030224" y="868680"/>
+            <a:ext cx="10631424" cy="621792"/>
           </a:xfrm>
           <a:prstGeom prst="rect">
             <a:avLst/>
           </a:prstGeom>
         </p:spPr>
-        <p:txBody>
-          <a:bodyPr wrap="none">
-            <a:spAutoFit/>
-          </a:bodyPr>
-          <a:lstStyle/>
-          <a:p>
-            <a:r>
-              <a:rPr lang="ru-RU" sz="2000" dirty="0" smtClean="0">
-                <a:latin typeface="Calibri" panose="020F0502020204030204" pitchFamily="34" charset="0"/>
-                <a:ea typeface="Calibri" panose="020F0502020204030204" pitchFamily="34" charset="0"/>
-                <a:cs typeface="Times New Roman" panose="02020603050405020304" pitchFamily="18" charset="0"/>
-              </a:rPr>
-              <a:t>Логический модуль 1 (сервисы, </a:t>
-            </a:r>
-            <a:r>
-              <a:rPr lang="ru-RU" sz="2000" dirty="0" err="1" smtClean="0">
-                <a:latin typeface="Calibri" panose="020F0502020204030204" pitchFamily="34" charset="0"/>
-                <a:ea typeface="Calibri" panose="020F0502020204030204" pitchFamily="34" charset="0"/>
-                <a:cs typeface="Times New Roman" panose="02020603050405020304" pitchFamily="18" charset="0"/>
-              </a:rPr>
-              <a:t>юзкейсы</a:t>
-            </a:r>
-            <a:r>
-              <a:rPr lang="ru-RU" sz="2000" dirty="0" smtClean="0">
-                <a:latin typeface="Calibri" panose="020F0502020204030204" pitchFamily="34" charset="0"/>
-                <a:ea typeface="Calibri" panose="020F0502020204030204" pitchFamily="34" charset="0"/>
-                <a:cs typeface="Times New Roman" panose="02020603050405020304" pitchFamily="18" charset="0"/>
-              </a:rPr>
-              <a:t>, модели)</a:t>
-            </a:r>
-            <a:endParaRPr lang="ru-RU" sz="2000" dirty="0"/>
-          </a:p>
-        </p:txBody>
-      </p:sp>
-      <p:sp>
-        <p:nvSpPr>
-          <p:cNvPr id="5" name="Прямоугольник 4"/>
-          <p:cNvSpPr/>
-          <p:nvPr/>
-        </p:nvSpPr>
-        <p:spPr>
-          <a:xfrm>
-            <a:off x="772276" y="5706120"/>
-            <a:ext cx="2831929" cy="400110"/>
-          </a:xfrm>
-          <a:prstGeom prst="rect">
-            <a:avLst/>
-          </a:prstGeom>
-        </p:spPr>
-        <p:txBody>
-          <a:bodyPr wrap="none">
-            <a:spAutoFit/>
-          </a:bodyPr>
-          <a:lstStyle/>
-          <a:p>
-            <a:r>
-              <a:rPr lang="ru-RU" sz="2000" b="1" dirty="0">
-                <a:latin typeface="Calibri" panose="020F0502020204030204" pitchFamily="34" charset="0"/>
-                <a:ea typeface="Calibri" panose="020F0502020204030204" pitchFamily="34" charset="0"/>
-                <a:cs typeface="Times New Roman" panose="02020603050405020304" pitchFamily="18" charset="0"/>
-              </a:rPr>
-              <a:t>Слой доступа к </a:t>
-            </a:r>
-            <a:r>
-              <a:rPr lang="ru-RU" sz="2000" b="1" dirty="0" smtClean="0">
-                <a:latin typeface="Calibri" panose="020F0502020204030204" pitchFamily="34" charset="0"/>
-                <a:ea typeface="Calibri" panose="020F0502020204030204" pitchFamily="34" charset="0"/>
-                <a:cs typeface="Times New Roman" panose="02020603050405020304" pitchFamily="18" charset="0"/>
-              </a:rPr>
-              <a:t>данным</a:t>
-            </a:r>
-            <a:endParaRPr lang="ru-RU" sz="2000" b="1" dirty="0"/>
-          </a:p>
-        </p:txBody>
-      </p:sp>
-      <p:cxnSp>
-        <p:nvCxnSpPr>
-          <p:cNvPr id="7" name="Прямая со стрелкой 6"/>
-          <p:cNvCxnSpPr/>
-          <p:nvPr/>
-        </p:nvCxnSpPr>
-        <p:spPr>
-          <a:xfrm>
-            <a:off x="2188240" y="1576829"/>
-            <a:ext cx="0" cy="1781767"/>
-          </a:xfrm>
-          <a:prstGeom prst="straightConnector1">
-            <a:avLst/>
-          </a:prstGeom>
-          <a:ln>
-            <a:tailEnd type="triangle"/>
-          </a:ln>
-        </p:spPr>
         <p:style>
           <a:lnRef idx="1">
-            <a:schemeClr val="dk1"/>
+            <a:schemeClr val="accent6"/>
           </a:lnRef>
-          <a:fillRef idx="0">
-            <a:schemeClr val="dk1"/>
+          <a:fillRef idx="2">
+            <a:schemeClr val="accent6"/>
           </a:fillRef>
-          <a:effectRef idx="0">
-            <a:schemeClr val="dk1"/>
+          <a:effectRef idx="1">
+            <a:schemeClr val="accent6"/>
           </a:effectRef>
           <a:fontRef idx="minor">
-            <a:schemeClr val="tx1"/>
+            <a:schemeClr val="dk1"/>
           </a:fontRef>
         </p:style>
-      </p:cxnSp>
-      <p:cxnSp>
-        <p:nvCxnSpPr>
-          <p:cNvPr id="10" name="Прямая со стрелкой 9"/>
-          <p:cNvCxnSpPr/>
-          <p:nvPr/>
-        </p:nvCxnSpPr>
-        <p:spPr>
-          <a:xfrm>
-            <a:off x="2188240" y="3793115"/>
-            <a:ext cx="0" cy="1712950"/>
-          </a:xfrm>
-          <a:prstGeom prst="straightConnector1">
-            <a:avLst/>
-          </a:prstGeom>
-          <a:ln>
-            <a:tailEnd type="triangle"/>
-          </a:ln>
-        </p:spPr>
-        <p:style>
-          <a:lnRef idx="1">
-            <a:schemeClr val="dk1"/>
-          </a:lnRef>
-          <a:fillRef idx="0">
-            <a:schemeClr val="dk1"/>
-          </a:fillRef>
-          <a:effectRef idx="0">
-            <a:schemeClr val="dk1"/>
-          </a:effectRef>
-          <a:fontRef idx="minor">
-            <a:schemeClr val="tx1"/>
-          </a:fontRef>
-        </p:style>
-      </p:cxnSp>
-      <p:sp>
-        <p:nvSpPr>
-          <p:cNvPr id="12" name="Прямоугольник 11"/>
-          <p:cNvSpPr/>
-          <p:nvPr/>
-        </p:nvSpPr>
-        <p:spPr>
-          <a:xfrm>
-            <a:off x="156963" y="1011073"/>
-            <a:ext cx="9596635" cy="400110"/>
-          </a:xfrm>
-          <a:prstGeom prst="rect">
-            <a:avLst/>
-          </a:prstGeom>
-        </p:spPr>
-        <p:txBody>
-          <a:bodyPr wrap="square">
-            <a:spAutoFit/>
-          </a:bodyPr>
-          <a:lstStyle/>
-          <a:p>
-            <a:r>
-              <a:rPr lang="ru-RU" sz="2000" b="1" dirty="0">
-                <a:latin typeface="Calibri" panose="020F0502020204030204" pitchFamily="34" charset="0"/>
-                <a:ea typeface="Calibri" panose="020F0502020204030204" pitchFamily="34" charset="0"/>
-                <a:cs typeface="Times New Roman" panose="02020603050405020304" pitchFamily="18" charset="0"/>
-              </a:rPr>
-              <a:t>Слой пользовательского </a:t>
-            </a:r>
-            <a:r>
-              <a:rPr lang="ru-RU" sz="2000" b="1" dirty="0" smtClean="0">
-                <a:latin typeface="Calibri" panose="020F0502020204030204" pitchFamily="34" charset="0"/>
-                <a:ea typeface="Calibri" panose="020F0502020204030204" pitchFamily="34" charset="0"/>
-                <a:cs typeface="Times New Roman" panose="02020603050405020304" pitchFamily="18" charset="0"/>
-              </a:rPr>
-              <a:t>интерфейса</a:t>
-            </a:r>
-            <a:r>
-              <a:rPr lang="en-US" sz="2000" b="1" dirty="0" smtClean="0">
-                <a:latin typeface="Calibri" panose="020F0502020204030204" pitchFamily="34" charset="0"/>
-                <a:ea typeface="Calibri" panose="020F0502020204030204" pitchFamily="34" charset="0"/>
-                <a:cs typeface="Times New Roman" panose="02020603050405020304" pitchFamily="18" charset="0"/>
-              </a:rPr>
-              <a:t> </a:t>
-            </a:r>
-            <a:r>
-              <a:rPr lang="en-US" sz="2000" dirty="0" smtClean="0">
-                <a:latin typeface="Calibri" panose="020F0502020204030204" pitchFamily="34" charset="0"/>
-                <a:ea typeface="Calibri" panose="020F0502020204030204" pitchFamily="34" charset="0"/>
-                <a:cs typeface="Times New Roman" panose="02020603050405020304" pitchFamily="18" charset="0"/>
-              </a:rPr>
-              <a:t>(</a:t>
-            </a:r>
-            <a:r>
-              <a:rPr lang="ru-RU" sz="2000" dirty="0" smtClean="0">
-                <a:latin typeface="Calibri" panose="020F0502020204030204" pitchFamily="34" charset="0"/>
-                <a:ea typeface="Calibri" panose="020F0502020204030204" pitchFamily="34" charset="0"/>
-                <a:cs typeface="Times New Roman" panose="02020603050405020304" pitchFamily="18" charset="0"/>
-              </a:rPr>
-              <a:t>контроллеры, </a:t>
-            </a:r>
-            <a:r>
-              <a:rPr lang="ru-RU" sz="2000" dirty="0" err="1" smtClean="0">
-                <a:latin typeface="Calibri" panose="020F0502020204030204" pitchFamily="34" charset="0"/>
-                <a:ea typeface="Calibri" panose="020F0502020204030204" pitchFamily="34" charset="0"/>
-                <a:cs typeface="Times New Roman" panose="02020603050405020304" pitchFamily="18" charset="0"/>
-              </a:rPr>
-              <a:t>экстеншен</a:t>
-            </a:r>
-            <a:r>
-              <a:rPr lang="ru-RU" sz="2000" dirty="0" smtClean="0">
-                <a:latin typeface="Calibri" panose="020F0502020204030204" pitchFamily="34" charset="0"/>
-                <a:ea typeface="Calibri" panose="020F0502020204030204" pitchFamily="34" charset="0"/>
-                <a:cs typeface="Times New Roman" panose="02020603050405020304" pitchFamily="18" charset="0"/>
-              </a:rPr>
-              <a:t> классы)</a:t>
-            </a:r>
-            <a:endParaRPr lang="ru-RU" sz="2000" dirty="0"/>
-          </a:p>
-        </p:txBody>
-      </p:sp>
-      <p:sp>
-        <p:nvSpPr>
-          <p:cNvPr id="17" name="Прямоугольник 16"/>
-          <p:cNvSpPr/>
-          <p:nvPr/>
-        </p:nvSpPr>
-        <p:spPr>
-          <a:xfrm>
-            <a:off x="981820" y="3338099"/>
-            <a:ext cx="2412840" cy="400110"/>
-          </a:xfrm>
-          <a:prstGeom prst="rect">
-            <a:avLst/>
-          </a:prstGeom>
-        </p:spPr>
-        <p:txBody>
-          <a:bodyPr wrap="none">
-            <a:spAutoFit/>
-          </a:bodyPr>
-          <a:lstStyle/>
-          <a:p>
-            <a:r>
-              <a:rPr lang="ru-RU" sz="2000" b="1" dirty="0">
-                <a:latin typeface="Calibri" panose="020F0502020204030204" pitchFamily="34" charset="0"/>
-                <a:ea typeface="Calibri" panose="020F0502020204030204" pitchFamily="34" charset="0"/>
-                <a:cs typeface="Times New Roman" panose="02020603050405020304" pitchFamily="18" charset="0"/>
-              </a:rPr>
-              <a:t>Слой </a:t>
-            </a:r>
-            <a:r>
-              <a:rPr lang="ru-RU" sz="2000" b="1" dirty="0" smtClean="0">
-                <a:latin typeface="Calibri" panose="020F0502020204030204" pitchFamily="34" charset="0"/>
-                <a:ea typeface="Calibri" panose="020F0502020204030204" pitchFamily="34" charset="0"/>
-                <a:cs typeface="Times New Roman" panose="02020603050405020304" pitchFamily="18" charset="0"/>
-              </a:rPr>
-              <a:t>бизнес-логики</a:t>
-            </a:r>
-            <a:endParaRPr lang="ru-RU" sz="2000" b="1" dirty="0"/>
-          </a:p>
-        </p:txBody>
-      </p:sp>
-      <p:sp>
-        <p:nvSpPr>
-          <p:cNvPr id="18" name="Прямоугольник 17"/>
-          <p:cNvSpPr/>
-          <p:nvPr/>
-        </p:nvSpPr>
-        <p:spPr>
-          <a:xfrm>
-            <a:off x="3714721" y="3392939"/>
-            <a:ext cx="5753755" cy="400110"/>
-          </a:xfrm>
-          <a:prstGeom prst="rect">
-            <a:avLst/>
-          </a:prstGeom>
-        </p:spPr>
-        <p:txBody>
-          <a:bodyPr wrap="none">
-            <a:spAutoFit/>
-          </a:bodyPr>
-          <a:lstStyle/>
-          <a:p>
-            <a:r>
-              <a:rPr lang="ru-RU" sz="2000" dirty="0" smtClean="0">
-                <a:latin typeface="Calibri" panose="020F0502020204030204" pitchFamily="34" charset="0"/>
-                <a:ea typeface="Calibri" panose="020F0502020204030204" pitchFamily="34" charset="0"/>
-                <a:cs typeface="Times New Roman" panose="02020603050405020304" pitchFamily="18" charset="0"/>
-              </a:rPr>
-              <a:t>Логический модуль 2 (сервисы, </a:t>
-            </a:r>
-            <a:r>
-              <a:rPr lang="ru-RU" sz="2000" dirty="0" err="1" smtClean="0">
-                <a:latin typeface="Calibri" panose="020F0502020204030204" pitchFamily="34" charset="0"/>
-                <a:ea typeface="Calibri" panose="020F0502020204030204" pitchFamily="34" charset="0"/>
-                <a:cs typeface="Times New Roman" panose="02020603050405020304" pitchFamily="18" charset="0"/>
-              </a:rPr>
-              <a:t>юзкейсы</a:t>
-            </a:r>
-            <a:r>
-              <a:rPr lang="ru-RU" sz="2000" dirty="0" smtClean="0">
-                <a:latin typeface="Calibri" panose="020F0502020204030204" pitchFamily="34" charset="0"/>
-                <a:ea typeface="Calibri" panose="020F0502020204030204" pitchFamily="34" charset="0"/>
-                <a:cs typeface="Times New Roman" panose="02020603050405020304" pitchFamily="18" charset="0"/>
-              </a:rPr>
-              <a:t>, модели)</a:t>
-            </a:r>
-            <a:endParaRPr lang="ru-RU" sz="2000" dirty="0"/>
-          </a:p>
-        </p:txBody>
-      </p:sp>
-      <p:sp>
-        <p:nvSpPr>
-          <p:cNvPr id="19" name="Прямоугольник 18"/>
-          <p:cNvSpPr/>
-          <p:nvPr/>
-        </p:nvSpPr>
-        <p:spPr>
-          <a:xfrm>
-            <a:off x="3714722" y="3945534"/>
-            <a:ext cx="5753755" cy="400110"/>
-          </a:xfrm>
-          <a:prstGeom prst="rect">
-            <a:avLst/>
-          </a:prstGeom>
-        </p:spPr>
-        <p:txBody>
-          <a:bodyPr wrap="none">
-            <a:spAutoFit/>
-          </a:bodyPr>
-          <a:lstStyle/>
-          <a:p>
-            <a:r>
-              <a:rPr lang="ru-RU" sz="2000" dirty="0" smtClean="0">
-                <a:latin typeface="Calibri" panose="020F0502020204030204" pitchFamily="34" charset="0"/>
-                <a:ea typeface="Calibri" panose="020F0502020204030204" pitchFamily="34" charset="0"/>
-                <a:cs typeface="Times New Roman" panose="02020603050405020304" pitchFamily="18" charset="0"/>
-              </a:rPr>
-              <a:t>Логический модуль 3 (сервисы, </a:t>
-            </a:r>
-            <a:r>
-              <a:rPr lang="ru-RU" sz="2000" dirty="0" err="1" smtClean="0">
-                <a:latin typeface="Calibri" panose="020F0502020204030204" pitchFamily="34" charset="0"/>
-                <a:ea typeface="Calibri" panose="020F0502020204030204" pitchFamily="34" charset="0"/>
-                <a:cs typeface="Times New Roman" panose="02020603050405020304" pitchFamily="18" charset="0"/>
-              </a:rPr>
-              <a:t>юзкейсы</a:t>
-            </a:r>
-            <a:r>
-              <a:rPr lang="ru-RU" sz="2000" dirty="0" smtClean="0">
-                <a:latin typeface="Calibri" panose="020F0502020204030204" pitchFamily="34" charset="0"/>
-                <a:ea typeface="Calibri" panose="020F0502020204030204" pitchFamily="34" charset="0"/>
-                <a:cs typeface="Times New Roman" panose="02020603050405020304" pitchFamily="18" charset="0"/>
-              </a:rPr>
-              <a:t>, модели)</a:t>
-            </a:r>
-            <a:endParaRPr lang="ru-RU" sz="2000" dirty="0"/>
-          </a:p>
-        </p:txBody>
-      </p:sp>
-      <p:sp>
-        <p:nvSpPr>
-          <p:cNvPr id="31" name="Прямоугольник 30"/>
-          <p:cNvSpPr/>
-          <p:nvPr/>
-        </p:nvSpPr>
-        <p:spPr>
-          <a:xfrm>
-            <a:off x="3845904" y="5105955"/>
-            <a:ext cx="8126712" cy="400110"/>
-          </a:xfrm>
-          <a:prstGeom prst="rect">
-            <a:avLst/>
-          </a:prstGeom>
-        </p:spPr>
-        <p:txBody>
-          <a:bodyPr wrap="none">
-            <a:spAutoFit/>
-          </a:bodyPr>
-          <a:lstStyle/>
-          <a:p>
-            <a:r>
-              <a:rPr lang="ru-RU" sz="2000" dirty="0" smtClean="0">
-                <a:latin typeface="Calibri" panose="020F0502020204030204" pitchFamily="34" charset="0"/>
-                <a:ea typeface="Calibri" panose="020F0502020204030204" pitchFamily="34" charset="0"/>
-                <a:cs typeface="Times New Roman" panose="02020603050405020304" pitchFamily="18" charset="0"/>
-              </a:rPr>
-              <a:t>Модуль работающий с источником 1 (</a:t>
-            </a:r>
-            <a:r>
-              <a:rPr lang="ru-RU" sz="2000" dirty="0" err="1" smtClean="0">
-                <a:latin typeface="Calibri" panose="020F0502020204030204" pitchFamily="34" charset="0"/>
-                <a:ea typeface="Calibri" panose="020F0502020204030204" pitchFamily="34" charset="0"/>
-                <a:cs typeface="Times New Roman" panose="02020603050405020304" pitchFamily="18" charset="0"/>
-              </a:rPr>
-              <a:t>репозитории</a:t>
-            </a:r>
-            <a:r>
-              <a:rPr lang="ru-RU" sz="2000" dirty="0" smtClean="0">
-                <a:latin typeface="Calibri" panose="020F0502020204030204" pitchFamily="34" charset="0"/>
-                <a:ea typeface="Calibri" panose="020F0502020204030204" pitchFamily="34" charset="0"/>
-                <a:cs typeface="Times New Roman" panose="02020603050405020304" pitchFamily="18" charset="0"/>
-              </a:rPr>
-              <a:t>, контексты, модели)</a:t>
-            </a:r>
-            <a:endParaRPr lang="ru-RU" sz="2000" dirty="0"/>
-          </a:p>
-        </p:txBody>
-      </p:sp>
-      <p:sp>
-        <p:nvSpPr>
-          <p:cNvPr id="32" name="Прямоугольник 31"/>
-          <p:cNvSpPr/>
-          <p:nvPr/>
-        </p:nvSpPr>
-        <p:spPr>
-          <a:xfrm>
-            <a:off x="3845904" y="5631000"/>
-            <a:ext cx="8126712" cy="400110"/>
-          </a:xfrm>
-          <a:prstGeom prst="rect">
-            <a:avLst/>
-          </a:prstGeom>
-        </p:spPr>
-        <p:txBody>
-          <a:bodyPr wrap="none">
-            <a:spAutoFit/>
-          </a:bodyPr>
-          <a:lstStyle/>
-          <a:p>
-            <a:r>
-              <a:rPr lang="ru-RU" sz="2000" dirty="0">
-                <a:latin typeface="Calibri" panose="020F0502020204030204" pitchFamily="34" charset="0"/>
-                <a:ea typeface="Calibri" panose="020F0502020204030204" pitchFamily="34" charset="0"/>
-                <a:cs typeface="Times New Roman" panose="02020603050405020304" pitchFamily="18" charset="0"/>
-              </a:rPr>
-              <a:t>Модуль работающий с источником </a:t>
-            </a:r>
-            <a:r>
-              <a:rPr lang="ru-RU" sz="2000" dirty="0" smtClean="0">
-                <a:latin typeface="Calibri" panose="020F0502020204030204" pitchFamily="34" charset="0"/>
-                <a:ea typeface="Calibri" panose="020F0502020204030204" pitchFamily="34" charset="0"/>
-                <a:cs typeface="Times New Roman" panose="02020603050405020304" pitchFamily="18" charset="0"/>
-              </a:rPr>
-              <a:t>2 (</a:t>
-            </a:r>
-            <a:r>
-              <a:rPr lang="ru-RU" sz="2000" dirty="0" err="1">
-                <a:latin typeface="Calibri" panose="020F0502020204030204" pitchFamily="34" charset="0"/>
-                <a:ea typeface="Calibri" panose="020F0502020204030204" pitchFamily="34" charset="0"/>
-                <a:cs typeface="Times New Roman" panose="02020603050405020304" pitchFamily="18" charset="0"/>
-              </a:rPr>
-              <a:t>репозитории</a:t>
-            </a:r>
-            <a:r>
-              <a:rPr lang="ru-RU" sz="2000" dirty="0">
-                <a:latin typeface="Calibri" panose="020F0502020204030204" pitchFamily="34" charset="0"/>
-                <a:ea typeface="Calibri" panose="020F0502020204030204" pitchFamily="34" charset="0"/>
-                <a:cs typeface="Times New Roman" panose="02020603050405020304" pitchFamily="18" charset="0"/>
-              </a:rPr>
-              <a:t>, контексты, модели</a:t>
-            </a:r>
-            <a:r>
-              <a:rPr lang="ru-RU" sz="2000" dirty="0" smtClean="0">
-                <a:latin typeface="Calibri" panose="020F0502020204030204" pitchFamily="34" charset="0"/>
-                <a:ea typeface="Calibri" panose="020F0502020204030204" pitchFamily="34" charset="0"/>
-                <a:cs typeface="Times New Roman" panose="02020603050405020304" pitchFamily="18" charset="0"/>
-              </a:rPr>
-              <a:t>)</a:t>
-            </a:r>
-            <a:endParaRPr lang="ru-RU" sz="2000" dirty="0"/>
-          </a:p>
-        </p:txBody>
-      </p:sp>
-      <p:sp>
-        <p:nvSpPr>
-          <p:cNvPr id="33" name="Прямоугольник 32"/>
-          <p:cNvSpPr/>
-          <p:nvPr/>
-        </p:nvSpPr>
-        <p:spPr>
-          <a:xfrm>
-            <a:off x="3845904" y="6178808"/>
-            <a:ext cx="8126712" cy="400110"/>
-          </a:xfrm>
-          <a:prstGeom prst="rect">
-            <a:avLst/>
-          </a:prstGeom>
-        </p:spPr>
-        <p:txBody>
-          <a:bodyPr wrap="none">
-            <a:spAutoFit/>
-          </a:bodyPr>
-          <a:lstStyle/>
-          <a:p>
-            <a:r>
-              <a:rPr lang="ru-RU" sz="2000" dirty="0">
-                <a:latin typeface="Calibri" panose="020F0502020204030204" pitchFamily="34" charset="0"/>
-                <a:ea typeface="Calibri" panose="020F0502020204030204" pitchFamily="34" charset="0"/>
-                <a:cs typeface="Times New Roman" panose="02020603050405020304" pitchFamily="18" charset="0"/>
-              </a:rPr>
-              <a:t>Модуль работающий с источником </a:t>
-            </a:r>
-            <a:r>
-              <a:rPr lang="ru-RU" sz="2000" dirty="0" smtClean="0">
-                <a:latin typeface="Calibri" panose="020F0502020204030204" pitchFamily="34" charset="0"/>
-                <a:ea typeface="Calibri" panose="020F0502020204030204" pitchFamily="34" charset="0"/>
-                <a:cs typeface="Times New Roman" panose="02020603050405020304" pitchFamily="18" charset="0"/>
-              </a:rPr>
-              <a:t>3 (</a:t>
-            </a:r>
-            <a:r>
-              <a:rPr lang="ru-RU" sz="2000" dirty="0" err="1">
-                <a:latin typeface="Calibri" panose="020F0502020204030204" pitchFamily="34" charset="0"/>
-                <a:ea typeface="Calibri" panose="020F0502020204030204" pitchFamily="34" charset="0"/>
-                <a:cs typeface="Times New Roman" panose="02020603050405020304" pitchFamily="18" charset="0"/>
-              </a:rPr>
-              <a:t>репозитории</a:t>
-            </a:r>
-            <a:r>
-              <a:rPr lang="ru-RU" sz="2000" dirty="0">
-                <a:latin typeface="Calibri" panose="020F0502020204030204" pitchFamily="34" charset="0"/>
-                <a:ea typeface="Calibri" panose="020F0502020204030204" pitchFamily="34" charset="0"/>
-                <a:cs typeface="Times New Roman" panose="02020603050405020304" pitchFamily="18" charset="0"/>
-              </a:rPr>
-              <a:t>, контексты, модели</a:t>
-            </a:r>
-            <a:r>
-              <a:rPr lang="ru-RU" sz="2000" dirty="0" smtClean="0">
-                <a:latin typeface="Calibri" panose="020F0502020204030204" pitchFamily="34" charset="0"/>
-                <a:ea typeface="Calibri" panose="020F0502020204030204" pitchFamily="34" charset="0"/>
-                <a:cs typeface="Times New Roman" panose="02020603050405020304" pitchFamily="18" charset="0"/>
-              </a:rPr>
-              <a:t>)</a:t>
-            </a:r>
-            <a:endParaRPr lang="ru-RU" sz="2000" dirty="0"/>
-          </a:p>
-        </p:txBody>
-      </p:sp>
-      <p:sp>
-        <p:nvSpPr>
-          <p:cNvPr id="35" name="Левая фигурная скобка 34"/>
-          <p:cNvSpPr/>
-          <p:nvPr/>
-        </p:nvSpPr>
-        <p:spPr>
-          <a:xfrm>
-            <a:off x="3453764" y="2878432"/>
-            <a:ext cx="224475" cy="1413315"/>
-          </a:xfrm>
-          <a:prstGeom prst="leftBrace">
-            <a:avLst>
-              <a:gd name="adj1" fmla="val 8333"/>
-              <a:gd name="adj2" fmla="val 47124"/>
-            </a:avLst>
-          </a:prstGeom>
-          <a:ln w="9525">
-            <a:solidFill>
-              <a:schemeClr val="tx1"/>
-            </a:solidFill>
-          </a:ln>
-        </p:spPr>
-        <p:style>
-          <a:lnRef idx="1">
-            <a:schemeClr val="accent1"/>
-          </a:lnRef>
-          <a:fillRef idx="0">
-            <a:schemeClr val="accent1"/>
-          </a:fillRef>
-          <a:effectRef idx="0">
-            <a:schemeClr val="accent1"/>
-          </a:effectRef>
-          <a:fontRef idx="minor">
-            <a:schemeClr val="tx1"/>
-          </a:fontRef>
-        </p:style>
         <p:txBody>
           <a:bodyPr rtlCol="0" anchor="ctr"/>
           <a:lstStyle/>
           <a:p>
             <a:pPr algn="ctr"/>
-            <a:endParaRPr lang="ru-RU"/>
-          </a:p>
-        </p:txBody>
-      </p:sp>
-      <p:sp>
-        <p:nvSpPr>
-          <p:cNvPr id="36" name="Левая фигурная скобка 35"/>
-          <p:cNvSpPr/>
+            <a:r>
+              <a:rPr lang="ru-RU" dirty="0" smtClean="0"/>
+              <a:t>Исходный код</a:t>
+            </a:r>
+            <a:endParaRPr lang="ru-RU" dirty="0"/>
+          </a:p>
+        </p:txBody>
+      </p:sp>
+      <p:grpSp>
+        <p:nvGrpSpPr>
+          <p:cNvPr id="9" name="Группа 8"/>
+          <p:cNvGrpSpPr/>
           <p:nvPr/>
-        </p:nvSpPr>
-        <p:spPr>
+        </p:nvGrpSpPr>
+        <p:grpSpPr>
           <a:xfrm>
-            <a:off x="3619286" y="5139444"/>
-            <a:ext cx="218154" cy="1533462"/>
+            <a:off x="1037844" y="1490297"/>
+            <a:ext cx="10631424" cy="1277287"/>
+            <a:chOff x="1037844" y="1490297"/>
+            <a:chExt cx="10631424" cy="1277287"/>
           </a:xfrm>
-          <a:prstGeom prst="leftBrace">
-            <a:avLst>
-              <a:gd name="adj1" fmla="val 8333"/>
-              <a:gd name="adj2" fmla="val 47124"/>
-            </a:avLst>
-          </a:prstGeom>
-          <a:ln w="9525">
-            <a:solidFill>
-              <a:schemeClr val="tx1"/>
-            </a:solidFill>
-          </a:ln>
-        </p:spPr>
-        <p:style>
-          <a:lnRef idx="1">
-            <a:schemeClr val="accent1"/>
-          </a:lnRef>
-          <a:fillRef idx="0">
-            <a:schemeClr val="accent1"/>
-          </a:fillRef>
-          <a:effectRef idx="0">
-            <a:schemeClr val="accent1"/>
-          </a:effectRef>
-          <a:fontRef idx="minor">
-            <a:schemeClr val="tx1"/>
-          </a:fontRef>
-        </p:style>
-        <p:txBody>
-          <a:bodyPr rtlCol="0" anchor="ctr"/>
-          <a:lstStyle/>
-          <a:p>
-            <a:pPr algn="ctr"/>
-            <a:endParaRPr lang="ru-RU"/>
-          </a:p>
-        </p:txBody>
-      </p:sp>
+        </p:grpSpPr>
+        <p:sp>
+          <p:nvSpPr>
+            <p:cNvPr id="6" name="Прямоугольник 5"/>
+            <p:cNvSpPr/>
+            <p:nvPr/>
+          </p:nvSpPr>
+          <p:spPr>
+            <a:xfrm>
+              <a:off x="1037844" y="2145792"/>
+              <a:ext cx="3337560" cy="621792"/>
+            </a:xfrm>
+            <a:prstGeom prst="rect">
+              <a:avLst/>
+            </a:prstGeom>
+          </p:spPr>
+          <p:style>
+            <a:lnRef idx="1">
+              <a:schemeClr val="accent6"/>
+            </a:lnRef>
+            <a:fillRef idx="2">
+              <a:schemeClr val="accent6"/>
+            </a:fillRef>
+            <a:effectRef idx="1">
+              <a:schemeClr val="accent6"/>
+            </a:effectRef>
+            <a:fontRef idx="minor">
+              <a:schemeClr val="dk1"/>
+            </a:fontRef>
+          </p:style>
+          <p:txBody>
+            <a:bodyPr rtlCol="0" anchor="ctr"/>
+            <a:lstStyle/>
+            <a:p>
+              <a:pPr algn="ctr"/>
+              <a:r>
+                <a:rPr lang="ru-RU" dirty="0" smtClean="0"/>
+                <a:t>Пользовательский интерфейс</a:t>
+              </a:r>
+              <a:endParaRPr lang="ru-RU" dirty="0"/>
+            </a:p>
+          </p:txBody>
+        </p:sp>
+        <p:sp>
+          <p:nvSpPr>
+            <p:cNvPr id="7" name="Прямоугольник 6"/>
+            <p:cNvSpPr/>
+            <p:nvPr/>
+          </p:nvSpPr>
+          <p:spPr>
+            <a:xfrm>
+              <a:off x="4684776" y="2145792"/>
+              <a:ext cx="3337560" cy="621792"/>
+            </a:xfrm>
+            <a:prstGeom prst="rect">
+              <a:avLst/>
+            </a:prstGeom>
+          </p:spPr>
+          <p:style>
+            <a:lnRef idx="1">
+              <a:schemeClr val="accent6"/>
+            </a:lnRef>
+            <a:fillRef idx="2">
+              <a:schemeClr val="accent6"/>
+            </a:fillRef>
+            <a:effectRef idx="1">
+              <a:schemeClr val="accent6"/>
+            </a:effectRef>
+            <a:fontRef idx="minor">
+              <a:schemeClr val="dk1"/>
+            </a:fontRef>
+          </p:style>
+          <p:txBody>
+            <a:bodyPr rtlCol="0" anchor="ctr"/>
+            <a:lstStyle/>
+            <a:p>
+              <a:pPr algn="ctr"/>
+              <a:r>
+                <a:rPr lang="ru-RU" dirty="0" smtClean="0"/>
+                <a:t>Бизнес-логика</a:t>
+              </a:r>
+              <a:endParaRPr lang="ru-RU" dirty="0"/>
+            </a:p>
+          </p:txBody>
+        </p:sp>
+        <p:sp>
+          <p:nvSpPr>
+            <p:cNvPr id="8" name="Прямоугольник 7"/>
+            <p:cNvSpPr/>
+            <p:nvPr/>
+          </p:nvSpPr>
+          <p:spPr>
+            <a:xfrm>
+              <a:off x="8331708" y="2145792"/>
+              <a:ext cx="3337560" cy="621792"/>
+            </a:xfrm>
+            <a:prstGeom prst="rect">
+              <a:avLst/>
+            </a:prstGeom>
+          </p:spPr>
+          <p:style>
+            <a:lnRef idx="1">
+              <a:schemeClr val="accent6"/>
+            </a:lnRef>
+            <a:fillRef idx="2">
+              <a:schemeClr val="accent6"/>
+            </a:fillRef>
+            <a:effectRef idx="1">
+              <a:schemeClr val="accent6"/>
+            </a:effectRef>
+            <a:fontRef idx="minor">
+              <a:schemeClr val="dk1"/>
+            </a:fontRef>
+          </p:style>
+          <p:txBody>
+            <a:bodyPr rtlCol="0" anchor="ctr"/>
+            <a:lstStyle/>
+            <a:p>
+              <a:pPr algn="ctr"/>
+              <a:r>
+                <a:rPr lang="ru-RU" dirty="0" smtClean="0"/>
+                <a:t>Доступ к данным</a:t>
+              </a:r>
+              <a:endParaRPr lang="ru-RU" dirty="0"/>
+            </a:p>
+          </p:txBody>
+        </p:sp>
+        <p:sp>
+          <p:nvSpPr>
+            <p:cNvPr id="3" name="Стрелка вниз 2"/>
+            <p:cNvSpPr/>
+            <p:nvPr/>
+          </p:nvSpPr>
+          <p:spPr>
+            <a:xfrm>
+              <a:off x="2699004" y="1490297"/>
+              <a:ext cx="292608" cy="640430"/>
+            </a:xfrm>
+            <a:prstGeom prst="downArrow">
+              <a:avLst/>
+            </a:prstGeom>
+          </p:spPr>
+          <p:style>
+            <a:lnRef idx="2">
+              <a:schemeClr val="accent1">
+                <a:shade val="50000"/>
+              </a:schemeClr>
+            </a:lnRef>
+            <a:fillRef idx="1">
+              <a:schemeClr val="accent1"/>
+            </a:fillRef>
+            <a:effectRef idx="0">
+              <a:schemeClr val="accent1"/>
+            </a:effectRef>
+            <a:fontRef idx="minor">
+              <a:schemeClr val="lt1"/>
+            </a:fontRef>
+          </p:style>
+          <p:txBody>
+            <a:bodyPr rtlCol="0" anchor="ctr"/>
+            <a:lstStyle/>
+            <a:p>
+              <a:pPr algn="ctr"/>
+              <a:endParaRPr lang="ru-RU"/>
+            </a:p>
+          </p:txBody>
+        </p:sp>
+        <p:sp>
+          <p:nvSpPr>
+            <p:cNvPr id="10" name="Стрелка вниз 9"/>
+            <p:cNvSpPr/>
+            <p:nvPr/>
+          </p:nvSpPr>
+          <p:spPr>
+            <a:xfrm>
+              <a:off x="6199632" y="1505362"/>
+              <a:ext cx="292608" cy="640430"/>
+            </a:xfrm>
+            <a:prstGeom prst="downArrow">
+              <a:avLst/>
+            </a:prstGeom>
+          </p:spPr>
+          <p:style>
+            <a:lnRef idx="2">
+              <a:schemeClr val="accent1">
+                <a:shade val="50000"/>
+              </a:schemeClr>
+            </a:lnRef>
+            <a:fillRef idx="1">
+              <a:schemeClr val="accent1"/>
+            </a:fillRef>
+            <a:effectRef idx="0">
+              <a:schemeClr val="accent1"/>
+            </a:effectRef>
+            <a:fontRef idx="minor">
+              <a:schemeClr val="lt1"/>
+            </a:fontRef>
+          </p:style>
+          <p:txBody>
+            <a:bodyPr rtlCol="0" anchor="ctr"/>
+            <a:lstStyle/>
+            <a:p>
+              <a:pPr algn="ctr"/>
+              <a:endParaRPr lang="ru-RU"/>
+            </a:p>
+          </p:txBody>
+        </p:sp>
+        <p:sp>
+          <p:nvSpPr>
+            <p:cNvPr id="11" name="Стрелка вниз 10"/>
+            <p:cNvSpPr/>
+            <p:nvPr/>
+          </p:nvSpPr>
+          <p:spPr>
+            <a:xfrm>
+              <a:off x="9816846" y="1505362"/>
+              <a:ext cx="292608" cy="640430"/>
+            </a:xfrm>
+            <a:prstGeom prst="downArrow">
+              <a:avLst/>
+            </a:prstGeom>
+          </p:spPr>
+          <p:style>
+            <a:lnRef idx="2">
+              <a:schemeClr val="accent1">
+                <a:shade val="50000"/>
+              </a:schemeClr>
+            </a:lnRef>
+            <a:fillRef idx="1">
+              <a:schemeClr val="accent1"/>
+            </a:fillRef>
+            <a:effectRef idx="0">
+              <a:schemeClr val="accent1"/>
+            </a:effectRef>
+            <a:fontRef idx="minor">
+              <a:schemeClr val="lt1"/>
+            </a:fontRef>
+          </p:style>
+          <p:txBody>
+            <a:bodyPr rtlCol="0" anchor="ctr"/>
+            <a:lstStyle/>
+            <a:p>
+              <a:pPr algn="ctr"/>
+              <a:endParaRPr lang="ru-RU"/>
+            </a:p>
+          </p:txBody>
+        </p:sp>
+      </p:grpSp>
+      <p:grpSp>
+        <p:nvGrpSpPr>
+          <p:cNvPr id="47" name="Группа 46"/>
+          <p:cNvGrpSpPr/>
+          <p:nvPr/>
+        </p:nvGrpSpPr>
+        <p:grpSpPr>
+          <a:xfrm>
+            <a:off x="1037844" y="2779601"/>
+            <a:ext cx="10650474" cy="1618488"/>
+            <a:chOff x="1037844" y="2779601"/>
+            <a:chExt cx="10650474" cy="1618488"/>
+          </a:xfrm>
+        </p:grpSpPr>
+        <p:sp>
+          <p:nvSpPr>
+            <p:cNvPr id="13" name="Прямоугольник 12"/>
+            <p:cNvSpPr/>
+            <p:nvPr/>
+          </p:nvSpPr>
+          <p:spPr>
+            <a:xfrm>
+              <a:off x="1037844" y="3431873"/>
+              <a:ext cx="3337560" cy="966216"/>
+            </a:xfrm>
+            <a:prstGeom prst="rect">
+              <a:avLst/>
+            </a:prstGeom>
+          </p:spPr>
+          <p:style>
+            <a:lnRef idx="1">
+              <a:schemeClr val="accent6"/>
+            </a:lnRef>
+            <a:fillRef idx="2">
+              <a:schemeClr val="accent6"/>
+            </a:fillRef>
+            <a:effectRef idx="1">
+              <a:schemeClr val="accent6"/>
+            </a:effectRef>
+            <a:fontRef idx="minor">
+              <a:schemeClr val="dk1"/>
+            </a:fontRef>
+          </p:style>
+          <p:txBody>
+            <a:bodyPr rtlCol="0" anchor="ctr"/>
+            <a:lstStyle/>
+            <a:p>
+              <a:pPr algn="ctr"/>
+              <a:r>
+                <a:rPr lang="ru-RU" dirty="0" smtClean="0"/>
+                <a:t>Контроллеры</a:t>
+              </a:r>
+            </a:p>
+            <a:p>
+              <a:pPr algn="ctr"/>
+              <a:r>
+                <a:rPr lang="ru-RU" dirty="0" err="1" smtClean="0"/>
+                <a:t>Экстеншены</a:t>
+              </a:r>
+              <a:endParaRPr lang="ru-RU" dirty="0" smtClean="0"/>
+            </a:p>
+            <a:p>
+              <a:pPr algn="ctr"/>
+              <a:r>
+                <a:rPr lang="ru-RU" dirty="0" smtClean="0"/>
+                <a:t>…</a:t>
+              </a:r>
+              <a:endParaRPr lang="ru-RU" dirty="0"/>
+            </a:p>
+          </p:txBody>
+        </p:sp>
+        <p:sp>
+          <p:nvSpPr>
+            <p:cNvPr id="17" name="Прямоугольник 16"/>
+            <p:cNvSpPr/>
+            <p:nvPr/>
+          </p:nvSpPr>
+          <p:spPr>
+            <a:xfrm>
+              <a:off x="4684776" y="3453384"/>
+              <a:ext cx="1578864" cy="621792"/>
+            </a:xfrm>
+            <a:prstGeom prst="rect">
+              <a:avLst/>
+            </a:prstGeom>
+          </p:spPr>
+          <p:style>
+            <a:lnRef idx="1">
+              <a:schemeClr val="accent6"/>
+            </a:lnRef>
+            <a:fillRef idx="2">
+              <a:schemeClr val="accent6"/>
+            </a:fillRef>
+            <a:effectRef idx="1">
+              <a:schemeClr val="accent6"/>
+            </a:effectRef>
+            <a:fontRef idx="minor">
+              <a:schemeClr val="dk1"/>
+            </a:fontRef>
+          </p:style>
+          <p:txBody>
+            <a:bodyPr rtlCol="0" anchor="ctr"/>
+            <a:lstStyle/>
+            <a:p>
+              <a:pPr algn="ctr"/>
+              <a:r>
+                <a:rPr lang="ru-RU" dirty="0" smtClean="0"/>
+                <a:t>Модуль1</a:t>
+              </a:r>
+              <a:endParaRPr lang="ru-RU" dirty="0"/>
+            </a:p>
+          </p:txBody>
+        </p:sp>
+        <p:sp>
+          <p:nvSpPr>
+            <p:cNvPr id="18" name="Прямоугольник 17"/>
+            <p:cNvSpPr/>
+            <p:nvPr/>
+          </p:nvSpPr>
+          <p:spPr>
+            <a:xfrm>
+              <a:off x="6443472" y="3453384"/>
+              <a:ext cx="1578864" cy="621792"/>
+            </a:xfrm>
+            <a:prstGeom prst="rect">
+              <a:avLst/>
+            </a:prstGeom>
+          </p:spPr>
+          <p:style>
+            <a:lnRef idx="1">
+              <a:schemeClr val="accent6"/>
+            </a:lnRef>
+            <a:fillRef idx="2">
+              <a:schemeClr val="accent6"/>
+            </a:fillRef>
+            <a:effectRef idx="1">
+              <a:schemeClr val="accent6"/>
+            </a:effectRef>
+            <a:fontRef idx="minor">
+              <a:schemeClr val="dk1"/>
+            </a:fontRef>
+          </p:style>
+          <p:txBody>
+            <a:bodyPr rtlCol="0" anchor="ctr"/>
+            <a:lstStyle/>
+            <a:p>
+              <a:pPr algn="ctr"/>
+              <a:r>
+                <a:rPr lang="ru-RU" dirty="0" smtClean="0"/>
+                <a:t>Модуль2</a:t>
+              </a:r>
+              <a:endParaRPr lang="ru-RU" dirty="0"/>
+            </a:p>
+          </p:txBody>
+        </p:sp>
+        <p:sp>
+          <p:nvSpPr>
+            <p:cNvPr id="19" name="Прямоугольник 18"/>
+            <p:cNvSpPr/>
+            <p:nvPr/>
+          </p:nvSpPr>
+          <p:spPr>
+            <a:xfrm>
+              <a:off x="8331708" y="3432048"/>
+              <a:ext cx="1578864" cy="621792"/>
+            </a:xfrm>
+            <a:prstGeom prst="rect">
+              <a:avLst/>
+            </a:prstGeom>
+          </p:spPr>
+          <p:style>
+            <a:lnRef idx="1">
+              <a:schemeClr val="accent6"/>
+            </a:lnRef>
+            <a:fillRef idx="2">
+              <a:schemeClr val="accent6"/>
+            </a:fillRef>
+            <a:effectRef idx="1">
+              <a:schemeClr val="accent6"/>
+            </a:effectRef>
+            <a:fontRef idx="minor">
+              <a:schemeClr val="dk1"/>
+            </a:fontRef>
+          </p:style>
+          <p:txBody>
+            <a:bodyPr rtlCol="0" anchor="ctr"/>
+            <a:lstStyle/>
+            <a:p>
+              <a:pPr algn="ctr"/>
+              <a:r>
+                <a:rPr lang="ru-RU" dirty="0" smtClean="0"/>
+                <a:t>Модуль3</a:t>
+              </a:r>
+              <a:endParaRPr lang="ru-RU" dirty="0"/>
+            </a:p>
+          </p:txBody>
+        </p:sp>
+        <p:sp>
+          <p:nvSpPr>
+            <p:cNvPr id="20" name="Прямоугольник 19"/>
+            <p:cNvSpPr/>
+            <p:nvPr/>
+          </p:nvSpPr>
+          <p:spPr>
+            <a:xfrm>
+              <a:off x="10109454" y="3425952"/>
+              <a:ext cx="1578864" cy="621792"/>
+            </a:xfrm>
+            <a:prstGeom prst="rect">
+              <a:avLst/>
+            </a:prstGeom>
+          </p:spPr>
+          <p:style>
+            <a:lnRef idx="1">
+              <a:schemeClr val="accent6"/>
+            </a:lnRef>
+            <a:fillRef idx="2">
+              <a:schemeClr val="accent6"/>
+            </a:fillRef>
+            <a:effectRef idx="1">
+              <a:schemeClr val="accent6"/>
+            </a:effectRef>
+            <a:fontRef idx="minor">
+              <a:schemeClr val="dk1"/>
+            </a:fontRef>
+          </p:style>
+          <p:txBody>
+            <a:bodyPr rtlCol="0" anchor="ctr"/>
+            <a:lstStyle/>
+            <a:p>
+              <a:pPr algn="ctr"/>
+              <a:r>
+                <a:rPr lang="ru-RU" dirty="0" smtClean="0"/>
+                <a:t>Модуль1</a:t>
+              </a:r>
+              <a:endParaRPr lang="ru-RU" dirty="0"/>
+            </a:p>
+          </p:txBody>
+        </p:sp>
+        <p:sp>
+          <p:nvSpPr>
+            <p:cNvPr id="21" name="Стрелка вниз 20"/>
+            <p:cNvSpPr/>
+            <p:nvPr/>
+          </p:nvSpPr>
+          <p:spPr>
+            <a:xfrm>
+              <a:off x="2706624" y="2782649"/>
+              <a:ext cx="292608" cy="640430"/>
+            </a:xfrm>
+            <a:prstGeom prst="downArrow">
+              <a:avLst/>
+            </a:prstGeom>
+          </p:spPr>
+          <p:style>
+            <a:lnRef idx="2">
+              <a:schemeClr val="accent1">
+                <a:shade val="50000"/>
+              </a:schemeClr>
+            </a:lnRef>
+            <a:fillRef idx="1">
+              <a:schemeClr val="accent1"/>
+            </a:fillRef>
+            <a:effectRef idx="0">
+              <a:schemeClr val="accent1"/>
+            </a:effectRef>
+            <a:fontRef idx="minor">
+              <a:schemeClr val="lt1"/>
+            </a:fontRef>
+          </p:style>
+          <p:txBody>
+            <a:bodyPr rtlCol="0" anchor="ctr"/>
+            <a:lstStyle/>
+            <a:p>
+              <a:pPr algn="ctr"/>
+              <a:endParaRPr lang="ru-RU"/>
+            </a:p>
+          </p:txBody>
+        </p:sp>
+        <p:sp>
+          <p:nvSpPr>
+            <p:cNvPr id="22" name="Стрелка вниз 21"/>
+            <p:cNvSpPr/>
+            <p:nvPr/>
+          </p:nvSpPr>
+          <p:spPr>
+            <a:xfrm>
+              <a:off x="5327904" y="2793571"/>
+              <a:ext cx="292608" cy="640430"/>
+            </a:xfrm>
+            <a:prstGeom prst="downArrow">
+              <a:avLst/>
+            </a:prstGeom>
+          </p:spPr>
+          <p:style>
+            <a:lnRef idx="2">
+              <a:schemeClr val="accent1">
+                <a:shade val="50000"/>
+              </a:schemeClr>
+            </a:lnRef>
+            <a:fillRef idx="1">
+              <a:schemeClr val="accent1"/>
+            </a:fillRef>
+            <a:effectRef idx="0">
+              <a:schemeClr val="accent1"/>
+            </a:effectRef>
+            <a:fontRef idx="minor">
+              <a:schemeClr val="lt1"/>
+            </a:fontRef>
+          </p:style>
+          <p:txBody>
+            <a:bodyPr rtlCol="0" anchor="ctr"/>
+            <a:lstStyle/>
+            <a:p>
+              <a:pPr algn="ctr"/>
+              <a:endParaRPr lang="ru-RU"/>
+            </a:p>
+          </p:txBody>
+        </p:sp>
+        <p:sp>
+          <p:nvSpPr>
+            <p:cNvPr id="23" name="Стрелка вниз 22"/>
+            <p:cNvSpPr/>
+            <p:nvPr/>
+          </p:nvSpPr>
+          <p:spPr>
+            <a:xfrm>
+              <a:off x="7053834" y="2794841"/>
+              <a:ext cx="292608" cy="640430"/>
+            </a:xfrm>
+            <a:prstGeom prst="downArrow">
+              <a:avLst/>
+            </a:prstGeom>
+          </p:spPr>
+          <p:style>
+            <a:lnRef idx="2">
+              <a:schemeClr val="accent1">
+                <a:shade val="50000"/>
+              </a:schemeClr>
+            </a:lnRef>
+            <a:fillRef idx="1">
+              <a:schemeClr val="accent1"/>
+            </a:fillRef>
+            <a:effectRef idx="0">
+              <a:schemeClr val="accent1"/>
+            </a:effectRef>
+            <a:fontRef idx="minor">
+              <a:schemeClr val="lt1"/>
+            </a:fontRef>
+          </p:style>
+          <p:txBody>
+            <a:bodyPr rtlCol="0" anchor="ctr"/>
+            <a:lstStyle/>
+            <a:p>
+              <a:pPr algn="ctr"/>
+              <a:endParaRPr lang="ru-RU"/>
+            </a:p>
+          </p:txBody>
+        </p:sp>
+        <p:sp>
+          <p:nvSpPr>
+            <p:cNvPr id="24" name="Стрелка вниз 23"/>
+            <p:cNvSpPr/>
+            <p:nvPr/>
+          </p:nvSpPr>
+          <p:spPr>
+            <a:xfrm>
+              <a:off x="9007602" y="2779601"/>
+              <a:ext cx="292608" cy="640430"/>
+            </a:xfrm>
+            <a:prstGeom prst="downArrow">
+              <a:avLst/>
+            </a:prstGeom>
+          </p:spPr>
+          <p:style>
+            <a:lnRef idx="2">
+              <a:schemeClr val="accent1">
+                <a:shade val="50000"/>
+              </a:schemeClr>
+            </a:lnRef>
+            <a:fillRef idx="1">
+              <a:schemeClr val="accent1"/>
+            </a:fillRef>
+            <a:effectRef idx="0">
+              <a:schemeClr val="accent1"/>
+            </a:effectRef>
+            <a:fontRef idx="minor">
+              <a:schemeClr val="lt1"/>
+            </a:fontRef>
+          </p:style>
+          <p:txBody>
+            <a:bodyPr rtlCol="0" anchor="ctr"/>
+            <a:lstStyle/>
+            <a:p>
+              <a:pPr algn="ctr"/>
+              <a:endParaRPr lang="ru-RU"/>
+            </a:p>
+          </p:txBody>
+        </p:sp>
+        <p:sp>
+          <p:nvSpPr>
+            <p:cNvPr id="25" name="Стрелка вниз 24"/>
+            <p:cNvSpPr/>
+            <p:nvPr/>
+          </p:nvSpPr>
+          <p:spPr>
+            <a:xfrm>
+              <a:off x="10634472" y="2779601"/>
+              <a:ext cx="292608" cy="640430"/>
+            </a:xfrm>
+            <a:prstGeom prst="downArrow">
+              <a:avLst/>
+            </a:prstGeom>
+          </p:spPr>
+          <p:style>
+            <a:lnRef idx="2">
+              <a:schemeClr val="accent1">
+                <a:shade val="50000"/>
+              </a:schemeClr>
+            </a:lnRef>
+            <a:fillRef idx="1">
+              <a:schemeClr val="accent1"/>
+            </a:fillRef>
+            <a:effectRef idx="0">
+              <a:schemeClr val="accent1"/>
+            </a:effectRef>
+            <a:fontRef idx="minor">
+              <a:schemeClr val="lt1"/>
+            </a:fontRef>
+          </p:style>
+          <p:txBody>
+            <a:bodyPr rtlCol="0" anchor="ctr"/>
+            <a:lstStyle/>
+            <a:p>
+              <a:pPr algn="ctr"/>
+              <a:endParaRPr lang="ru-RU"/>
+            </a:p>
+          </p:txBody>
+        </p:sp>
+      </p:grpSp>
+      <p:grpSp>
+        <p:nvGrpSpPr>
+          <p:cNvPr id="46" name="Группа 45"/>
+          <p:cNvGrpSpPr/>
+          <p:nvPr/>
+        </p:nvGrpSpPr>
+        <p:grpSpPr>
+          <a:xfrm>
+            <a:off x="4684776" y="4047744"/>
+            <a:ext cx="7031736" cy="1593088"/>
+            <a:chOff x="4684776" y="4089671"/>
+            <a:chExt cx="7031736" cy="1593088"/>
+          </a:xfrm>
+        </p:grpSpPr>
+        <p:sp>
+          <p:nvSpPr>
+            <p:cNvPr id="26" name="Прямоугольник 25"/>
+            <p:cNvSpPr/>
+            <p:nvPr/>
+          </p:nvSpPr>
+          <p:spPr>
+            <a:xfrm>
+              <a:off x="4684776" y="4762263"/>
+              <a:ext cx="1578864" cy="920496"/>
+            </a:xfrm>
+            <a:prstGeom prst="rect">
+              <a:avLst/>
+            </a:prstGeom>
+          </p:spPr>
+          <p:style>
+            <a:lnRef idx="1">
+              <a:schemeClr val="accent6"/>
+            </a:lnRef>
+            <a:fillRef idx="2">
+              <a:schemeClr val="accent6"/>
+            </a:fillRef>
+            <a:effectRef idx="1">
+              <a:schemeClr val="accent6"/>
+            </a:effectRef>
+            <a:fontRef idx="minor">
+              <a:schemeClr val="dk1"/>
+            </a:fontRef>
+          </p:style>
+          <p:txBody>
+            <a:bodyPr rtlCol="0" anchor="ctr"/>
+            <a:lstStyle/>
+            <a:p>
+              <a:pPr algn="ctr"/>
+              <a:r>
+                <a:rPr lang="ru-RU" dirty="0" smtClean="0"/>
+                <a:t>Сервисы</a:t>
+              </a:r>
+            </a:p>
+            <a:p>
+              <a:pPr algn="ctr"/>
+              <a:r>
+                <a:rPr lang="ru-RU" dirty="0" smtClean="0"/>
+                <a:t>Модели</a:t>
+              </a:r>
+            </a:p>
+            <a:p>
+              <a:pPr algn="ctr"/>
+              <a:r>
+                <a:rPr lang="ru-RU" dirty="0" smtClean="0"/>
+                <a:t>…</a:t>
+              </a:r>
+              <a:endParaRPr lang="ru-RU" dirty="0"/>
+            </a:p>
+          </p:txBody>
+        </p:sp>
+        <p:sp>
+          <p:nvSpPr>
+            <p:cNvPr id="28" name="Прямоугольник 27"/>
+            <p:cNvSpPr/>
+            <p:nvPr/>
+          </p:nvSpPr>
+          <p:spPr>
+            <a:xfrm>
+              <a:off x="6443472" y="4762263"/>
+              <a:ext cx="1578864" cy="920496"/>
+            </a:xfrm>
+            <a:prstGeom prst="rect">
+              <a:avLst/>
+            </a:prstGeom>
+          </p:spPr>
+          <p:style>
+            <a:lnRef idx="1">
+              <a:schemeClr val="accent6"/>
+            </a:lnRef>
+            <a:fillRef idx="2">
+              <a:schemeClr val="accent6"/>
+            </a:fillRef>
+            <a:effectRef idx="1">
+              <a:schemeClr val="accent6"/>
+            </a:effectRef>
+            <a:fontRef idx="minor">
+              <a:schemeClr val="dk1"/>
+            </a:fontRef>
+          </p:style>
+          <p:txBody>
+            <a:bodyPr rtlCol="0" anchor="ctr"/>
+            <a:lstStyle/>
+            <a:p>
+              <a:pPr algn="ctr"/>
+              <a:r>
+                <a:rPr lang="ru-RU" dirty="0" smtClean="0"/>
+                <a:t>Сервисы</a:t>
+              </a:r>
+            </a:p>
+            <a:p>
+              <a:pPr algn="ctr"/>
+              <a:r>
+                <a:rPr lang="ru-RU" dirty="0" smtClean="0"/>
+                <a:t>Модели</a:t>
+              </a:r>
+            </a:p>
+            <a:p>
+              <a:pPr algn="ctr"/>
+              <a:r>
+                <a:rPr lang="ru-RU" dirty="0" smtClean="0"/>
+                <a:t>…</a:t>
+              </a:r>
+              <a:endParaRPr lang="ru-RU" dirty="0"/>
+            </a:p>
+          </p:txBody>
+        </p:sp>
+        <p:sp>
+          <p:nvSpPr>
+            <p:cNvPr id="29" name="Прямоугольник 28"/>
+            <p:cNvSpPr/>
+            <p:nvPr/>
+          </p:nvSpPr>
+          <p:spPr>
+            <a:xfrm>
+              <a:off x="8331708" y="4762263"/>
+              <a:ext cx="1578864" cy="920496"/>
+            </a:xfrm>
+            <a:prstGeom prst="rect">
+              <a:avLst/>
+            </a:prstGeom>
+          </p:spPr>
+          <p:style>
+            <a:lnRef idx="1">
+              <a:schemeClr val="accent6"/>
+            </a:lnRef>
+            <a:fillRef idx="2">
+              <a:schemeClr val="accent6"/>
+            </a:fillRef>
+            <a:effectRef idx="1">
+              <a:schemeClr val="accent6"/>
+            </a:effectRef>
+            <a:fontRef idx="minor">
+              <a:schemeClr val="dk1"/>
+            </a:fontRef>
+          </p:style>
+          <p:txBody>
+            <a:bodyPr rtlCol="0" anchor="ctr"/>
+            <a:lstStyle/>
+            <a:p>
+              <a:pPr algn="ctr"/>
+              <a:r>
+                <a:rPr lang="ru-RU" dirty="0" err="1" smtClean="0"/>
+                <a:t>Репозитории</a:t>
+              </a:r>
+              <a:endParaRPr lang="ru-RU" dirty="0" smtClean="0"/>
+            </a:p>
+            <a:p>
+              <a:pPr algn="ctr"/>
+              <a:r>
+                <a:rPr lang="ru-RU" dirty="0" smtClean="0"/>
+                <a:t>Модели</a:t>
+              </a:r>
+            </a:p>
+            <a:p>
+              <a:pPr algn="ctr"/>
+              <a:r>
+                <a:rPr lang="ru-RU" dirty="0" smtClean="0"/>
+                <a:t>…</a:t>
+              </a:r>
+              <a:endParaRPr lang="ru-RU" dirty="0"/>
+            </a:p>
+          </p:txBody>
+        </p:sp>
+        <p:sp>
+          <p:nvSpPr>
+            <p:cNvPr id="30" name="Прямоугольник 29"/>
+            <p:cNvSpPr/>
+            <p:nvPr/>
+          </p:nvSpPr>
+          <p:spPr>
+            <a:xfrm>
+              <a:off x="10137648" y="4762263"/>
+              <a:ext cx="1578864" cy="920496"/>
+            </a:xfrm>
+            <a:prstGeom prst="rect">
+              <a:avLst/>
+            </a:prstGeom>
+          </p:spPr>
+          <p:style>
+            <a:lnRef idx="1">
+              <a:schemeClr val="accent6"/>
+            </a:lnRef>
+            <a:fillRef idx="2">
+              <a:schemeClr val="accent6"/>
+            </a:fillRef>
+            <a:effectRef idx="1">
+              <a:schemeClr val="accent6"/>
+            </a:effectRef>
+            <a:fontRef idx="minor">
+              <a:schemeClr val="dk1"/>
+            </a:fontRef>
+          </p:style>
+          <p:txBody>
+            <a:bodyPr rtlCol="0" anchor="ctr"/>
+            <a:lstStyle/>
+            <a:p>
+              <a:pPr algn="ctr"/>
+              <a:r>
+                <a:rPr lang="ru-RU" dirty="0" err="1" smtClean="0"/>
+                <a:t>Репозитории</a:t>
+              </a:r>
+              <a:endParaRPr lang="ru-RU" dirty="0" smtClean="0"/>
+            </a:p>
+            <a:p>
+              <a:pPr algn="ctr"/>
+              <a:r>
+                <a:rPr lang="ru-RU" dirty="0" smtClean="0"/>
+                <a:t>Модели</a:t>
+              </a:r>
+            </a:p>
+            <a:p>
+              <a:pPr algn="ctr"/>
+              <a:r>
+                <a:rPr lang="ru-RU" dirty="0" smtClean="0"/>
+                <a:t>…</a:t>
+              </a:r>
+              <a:endParaRPr lang="ru-RU" dirty="0"/>
+            </a:p>
+          </p:txBody>
+        </p:sp>
+        <p:sp>
+          <p:nvSpPr>
+            <p:cNvPr id="32" name="Стрелка вниз 31"/>
+            <p:cNvSpPr/>
+            <p:nvPr/>
+          </p:nvSpPr>
+          <p:spPr>
+            <a:xfrm>
+              <a:off x="7086600" y="4117261"/>
+              <a:ext cx="292608" cy="640430"/>
+            </a:xfrm>
+            <a:prstGeom prst="downArrow">
+              <a:avLst/>
+            </a:prstGeom>
+          </p:spPr>
+          <p:style>
+            <a:lnRef idx="2">
+              <a:schemeClr val="accent1">
+                <a:shade val="50000"/>
+              </a:schemeClr>
+            </a:lnRef>
+            <a:fillRef idx="1">
+              <a:schemeClr val="accent1"/>
+            </a:fillRef>
+            <a:effectRef idx="0">
+              <a:schemeClr val="accent1"/>
+            </a:effectRef>
+            <a:fontRef idx="minor">
+              <a:schemeClr val="lt1"/>
+            </a:fontRef>
+          </p:style>
+          <p:txBody>
+            <a:bodyPr rtlCol="0" anchor="ctr"/>
+            <a:lstStyle/>
+            <a:p>
+              <a:pPr algn="ctr"/>
+              <a:endParaRPr lang="ru-RU"/>
+            </a:p>
+          </p:txBody>
+        </p:sp>
+        <p:sp>
+          <p:nvSpPr>
+            <p:cNvPr id="33" name="Стрелка вниз 32"/>
+            <p:cNvSpPr/>
+            <p:nvPr/>
+          </p:nvSpPr>
+          <p:spPr>
+            <a:xfrm>
+              <a:off x="5324856" y="4135199"/>
+              <a:ext cx="292608" cy="640430"/>
+            </a:xfrm>
+            <a:prstGeom prst="downArrow">
+              <a:avLst/>
+            </a:prstGeom>
+          </p:spPr>
+          <p:style>
+            <a:lnRef idx="2">
+              <a:schemeClr val="accent1">
+                <a:shade val="50000"/>
+              </a:schemeClr>
+            </a:lnRef>
+            <a:fillRef idx="1">
+              <a:schemeClr val="accent1"/>
+            </a:fillRef>
+            <a:effectRef idx="0">
+              <a:schemeClr val="accent1"/>
+            </a:effectRef>
+            <a:fontRef idx="minor">
+              <a:schemeClr val="lt1"/>
+            </a:fontRef>
+          </p:style>
+          <p:txBody>
+            <a:bodyPr rtlCol="0" anchor="ctr"/>
+            <a:lstStyle/>
+            <a:p>
+              <a:pPr algn="ctr"/>
+              <a:endParaRPr lang="ru-RU"/>
+            </a:p>
+          </p:txBody>
+        </p:sp>
+        <p:sp>
+          <p:nvSpPr>
+            <p:cNvPr id="34" name="Стрелка вниз 33"/>
+            <p:cNvSpPr/>
+            <p:nvPr/>
+          </p:nvSpPr>
+          <p:spPr>
+            <a:xfrm>
+              <a:off x="9015984" y="4108354"/>
+              <a:ext cx="292608" cy="640430"/>
+            </a:xfrm>
+            <a:prstGeom prst="downArrow">
+              <a:avLst/>
+            </a:prstGeom>
+          </p:spPr>
+          <p:style>
+            <a:lnRef idx="2">
+              <a:schemeClr val="accent1">
+                <a:shade val="50000"/>
+              </a:schemeClr>
+            </a:lnRef>
+            <a:fillRef idx="1">
+              <a:schemeClr val="accent1"/>
+            </a:fillRef>
+            <a:effectRef idx="0">
+              <a:schemeClr val="accent1"/>
+            </a:effectRef>
+            <a:fontRef idx="minor">
+              <a:schemeClr val="lt1"/>
+            </a:fontRef>
+          </p:style>
+          <p:txBody>
+            <a:bodyPr rtlCol="0" anchor="ctr"/>
+            <a:lstStyle/>
+            <a:p>
+              <a:pPr algn="ctr"/>
+              <a:endParaRPr lang="ru-RU"/>
+            </a:p>
+          </p:txBody>
+        </p:sp>
+        <p:sp>
+          <p:nvSpPr>
+            <p:cNvPr id="45" name="Стрелка вниз 44"/>
+            <p:cNvSpPr/>
+            <p:nvPr/>
+          </p:nvSpPr>
+          <p:spPr>
+            <a:xfrm>
+              <a:off x="10752582" y="4089671"/>
+              <a:ext cx="292608" cy="640430"/>
+            </a:xfrm>
+            <a:prstGeom prst="downArrow">
+              <a:avLst/>
+            </a:prstGeom>
+          </p:spPr>
+          <p:style>
+            <a:lnRef idx="2">
+              <a:schemeClr val="accent1">
+                <a:shade val="50000"/>
+              </a:schemeClr>
+            </a:lnRef>
+            <a:fillRef idx="1">
+              <a:schemeClr val="accent1"/>
+            </a:fillRef>
+            <a:effectRef idx="0">
+              <a:schemeClr val="accent1"/>
+            </a:effectRef>
+            <a:fontRef idx="minor">
+              <a:schemeClr val="lt1"/>
+            </a:fontRef>
+          </p:style>
+          <p:txBody>
+            <a:bodyPr rtlCol="0" anchor="ctr"/>
+            <a:lstStyle/>
+            <a:p>
+              <a:pPr algn="ctr"/>
+              <a:endParaRPr lang="ru-RU"/>
+            </a:p>
+          </p:txBody>
+        </p:sp>
+      </p:grpSp>
     </p:spTree>
     <p:extLst>
       <p:ext uri="{BB962C8B-B14F-4D97-AF65-F5344CB8AC3E}">
-        <p14:creationId xmlns:p14="http://schemas.microsoft.com/office/powerpoint/2010/main" val="412453033"/>
+        <p14:creationId xmlns:p14="http://schemas.microsoft.com/office/powerpoint/2010/main" val="3005573198"/>
       </p:ext>
     </p:extLst>
   </p:cSld>
@@ -6717,7 +7319,189 @@
   <p:timing>
     <p:tnLst>
       <p:par>
-        <p:cTn id="1" dur="indefinite" restart="never" nodeType="tmRoot"/>
+        <p:cTn id="1" dur="indefinite" restart="never" nodeType="tmRoot">
+          <p:childTnLst>
+            <p:seq concurrent="1" nextAc="seek">
+              <p:cTn id="2" dur="indefinite" nodeType="mainSeq">
+                <p:childTnLst>
+                  <p:par>
+                    <p:cTn id="3" fill="hold">
+                      <p:stCondLst>
+                        <p:cond delay="indefinite"/>
+                      </p:stCondLst>
+                      <p:childTnLst>
+                        <p:par>
+                          <p:cTn id="4" fill="hold">
+                            <p:stCondLst>
+                              <p:cond delay="0"/>
+                            </p:stCondLst>
+                            <p:childTnLst>
+                              <p:par>
+                                <p:cTn id="5" presetID="22" presetClass="entr" presetSubtype="1" fill="hold" nodeType="clickEffect">
+                                  <p:stCondLst>
+                                    <p:cond delay="0"/>
+                                  </p:stCondLst>
+                                  <p:childTnLst>
+                                    <p:set>
+                                      <p:cBhvr>
+                                        <p:cTn id="6" dur="1" fill="hold">
+                                          <p:stCondLst>
+                                            <p:cond delay="0"/>
+                                          </p:stCondLst>
+                                        </p:cTn>
+                                        <p:tgtEl>
+                                          <p:spTgt spid="9"/>
+                                        </p:tgtEl>
+                                        <p:attrNameLst>
+                                          <p:attrName>style.visibility</p:attrName>
+                                        </p:attrNameLst>
+                                      </p:cBhvr>
+                                      <p:to>
+                                        <p:strVal val="visible"/>
+                                      </p:to>
+                                    </p:set>
+                                    <p:animEffect transition="in" filter="wipe(up)">
+                                      <p:cBhvr>
+                                        <p:cTn id="7" dur="500"/>
+                                        <p:tgtEl>
+                                          <p:spTgt spid="9"/>
+                                        </p:tgtEl>
+                                      </p:cBhvr>
+                                    </p:animEffect>
+                                  </p:childTnLst>
+                                </p:cTn>
+                              </p:par>
+                            </p:childTnLst>
+                          </p:cTn>
+                        </p:par>
+                      </p:childTnLst>
+                    </p:cTn>
+                  </p:par>
+                  <p:par>
+                    <p:cTn id="8" fill="hold">
+                      <p:stCondLst>
+                        <p:cond delay="indefinite"/>
+                      </p:stCondLst>
+                      <p:childTnLst>
+                        <p:par>
+                          <p:cTn id="9" fill="hold">
+                            <p:stCondLst>
+                              <p:cond delay="0"/>
+                            </p:stCondLst>
+                            <p:childTnLst>
+                              <p:par>
+                                <p:cTn id="10" presetID="22" presetClass="entr" presetSubtype="1" fill="hold" nodeType="clickEffect">
+                                  <p:stCondLst>
+                                    <p:cond delay="0"/>
+                                  </p:stCondLst>
+                                  <p:childTnLst>
+                                    <p:set>
+                                      <p:cBhvr>
+                                        <p:cTn id="11" dur="1" fill="hold">
+                                          <p:stCondLst>
+                                            <p:cond delay="0"/>
+                                          </p:stCondLst>
+                                        </p:cTn>
+                                        <p:tgtEl>
+                                          <p:spTgt spid="47"/>
+                                        </p:tgtEl>
+                                        <p:attrNameLst>
+                                          <p:attrName>style.visibility</p:attrName>
+                                        </p:attrNameLst>
+                                      </p:cBhvr>
+                                      <p:to>
+                                        <p:strVal val="visible"/>
+                                      </p:to>
+                                    </p:set>
+                                    <p:animEffect transition="in" filter="wipe(up)">
+                                      <p:cBhvr>
+                                        <p:cTn id="12" dur="500"/>
+                                        <p:tgtEl>
+                                          <p:spTgt spid="47"/>
+                                        </p:tgtEl>
+                                      </p:cBhvr>
+                                    </p:animEffect>
+                                  </p:childTnLst>
+                                </p:cTn>
+                              </p:par>
+                            </p:childTnLst>
+                          </p:cTn>
+                        </p:par>
+                      </p:childTnLst>
+                    </p:cTn>
+                  </p:par>
+                  <p:par>
+                    <p:cTn id="13" fill="hold">
+                      <p:stCondLst>
+                        <p:cond delay="indefinite"/>
+                      </p:stCondLst>
+                      <p:childTnLst>
+                        <p:par>
+                          <p:cTn id="14" fill="hold">
+                            <p:stCondLst>
+                              <p:cond delay="0"/>
+                            </p:stCondLst>
+                            <p:childTnLst>
+                              <p:par>
+                                <p:cTn id="15" presetID="22" presetClass="entr" presetSubtype="1" fill="hold" nodeType="clickEffect">
+                                  <p:stCondLst>
+                                    <p:cond delay="0"/>
+                                  </p:stCondLst>
+                                  <p:childTnLst>
+                                    <p:set>
+                                      <p:cBhvr>
+                                        <p:cTn id="16" dur="1" fill="hold">
+                                          <p:stCondLst>
+                                            <p:cond delay="0"/>
+                                          </p:stCondLst>
+                                        </p:cTn>
+                                        <p:tgtEl>
+                                          <p:spTgt spid="46"/>
+                                        </p:tgtEl>
+                                        <p:attrNameLst>
+                                          <p:attrName>style.visibility</p:attrName>
+                                        </p:attrNameLst>
+                                      </p:cBhvr>
+                                      <p:to>
+                                        <p:strVal val="visible"/>
+                                      </p:to>
+                                    </p:set>
+                                    <p:animEffect transition="in" filter="wipe(up)">
+                                      <p:cBhvr>
+                                        <p:cTn id="17" dur="500"/>
+                                        <p:tgtEl>
+                                          <p:spTgt spid="46"/>
+                                        </p:tgtEl>
+                                      </p:cBhvr>
+                                    </p:animEffect>
+                                  </p:childTnLst>
+                                </p:cTn>
+                              </p:par>
+                            </p:childTnLst>
+                          </p:cTn>
+                        </p:par>
+                      </p:childTnLst>
+                    </p:cTn>
+                  </p:par>
+                </p:childTnLst>
+              </p:cTn>
+              <p:prevCondLst>
+                <p:cond evt="onPrev" delay="0">
+                  <p:tgtEl>
+                    <p:sldTgt/>
+                  </p:tgtEl>
+                </p:cond>
+              </p:prevCondLst>
+              <p:nextCondLst>
+                <p:cond evt="onNext" delay="0">
+                  <p:tgtEl>
+                    <p:sldTgt/>
+                  </p:tgtEl>
+                </p:cond>
+              </p:nextCondLst>
+            </p:seq>
+          </p:childTnLst>
+        </p:cTn>
       </p:par>
     </p:tnLst>
   </p:timing>
@@ -6777,58 +7561,163 @@
       </p:grpSpPr>
       <p:sp>
         <p:nvSpPr>
-          <p:cNvPr id="2" name="Заголовок 1"/>
-          <p:cNvSpPr>
-            <a:spLocks noGrp="1"/>
-          </p:cNvSpPr>
-          <p:nvPr>
-            <p:ph type="title"/>
-          </p:nvPr>
-        </p:nvSpPr>
-        <p:spPr/>
-        <p:txBody>
-          <a:bodyPr/>
+          <p:cNvPr id="12" name="Прямоугольник 11"/>
+          <p:cNvSpPr/>
+          <p:nvPr/>
+        </p:nvSpPr>
+        <p:spPr>
+          <a:xfrm>
+            <a:off x="1062219" y="983641"/>
+            <a:ext cx="9596635" cy="400110"/>
+          </a:xfrm>
+          <a:prstGeom prst="rect">
+            <a:avLst/>
+          </a:prstGeom>
+        </p:spPr>
+        <p:txBody>
+          <a:bodyPr wrap="square">
+            <a:spAutoFit/>
+          </a:bodyPr>
           <a:lstStyle/>
           <a:p>
             <a:r>
-              <a:rPr lang="ru-RU" dirty="0" smtClean="0"/>
-              <a:t>Пример</a:t>
-            </a:r>
-            <a:endParaRPr lang="ru-RU" dirty="0"/>
-          </a:p>
-        </p:txBody>
-      </p:sp>
-      <p:sp>
-        <p:nvSpPr>
-          <p:cNvPr id="3" name="Объект 2"/>
-          <p:cNvSpPr>
-            <a:spLocks noGrp="1"/>
-          </p:cNvSpPr>
-          <p:nvPr>
-            <p:ph idx="1"/>
-          </p:nvPr>
-        </p:nvSpPr>
-        <p:spPr/>
-        <p:txBody>
-          <a:bodyPr/>
+              <a:rPr lang="ru-RU" sz="2000" b="1" dirty="0" smtClean="0">
+                <a:latin typeface="Calibri" panose="020F0502020204030204" pitchFamily="34" charset="0"/>
+                <a:ea typeface="Calibri" panose="020F0502020204030204" pitchFamily="34" charset="0"/>
+                <a:cs typeface="Times New Roman" panose="02020603050405020304" pitchFamily="18" charset="0"/>
+              </a:rPr>
+              <a:t>Некоторые паттерны </a:t>
+            </a:r>
+            <a:r>
+              <a:rPr lang="en-US" sz="2000" b="1" dirty="0" smtClean="0">
+                <a:latin typeface="Calibri" panose="020F0502020204030204" pitchFamily="34" charset="0"/>
+                <a:ea typeface="Calibri" panose="020F0502020204030204" pitchFamily="34" charset="0"/>
+                <a:cs typeface="Times New Roman" panose="02020603050405020304" pitchFamily="18" charset="0"/>
+              </a:rPr>
+              <a:t>DDD</a:t>
+            </a:r>
+            <a:endParaRPr lang="ru-RU" sz="2000" dirty="0"/>
+          </a:p>
+        </p:txBody>
+      </p:sp>
+      <p:sp>
+        <p:nvSpPr>
+          <p:cNvPr id="16" name="Прямоугольник 15"/>
+          <p:cNvSpPr/>
+          <p:nvPr/>
+        </p:nvSpPr>
+        <p:spPr>
+          <a:xfrm>
+            <a:off x="827522" y="1867561"/>
+            <a:ext cx="11084061" cy="707886"/>
+          </a:xfrm>
+          <a:prstGeom prst="rect">
+            <a:avLst/>
+          </a:prstGeom>
+        </p:spPr>
+        <p:txBody>
+          <a:bodyPr wrap="square">
+            <a:spAutoFit/>
+          </a:bodyPr>
           <a:lstStyle/>
           <a:p>
             <a:r>
-              <a:rPr lang="ru-RU" dirty="0" smtClean="0"/>
-              <a:t>Рассмотрим для примера проект </a:t>
-            </a:r>
-            <a:r>
-              <a:rPr lang="en-US" dirty="0" err="1" smtClean="0"/>
-              <a:t>DVExtension</a:t>
-            </a:r>
-            <a:endParaRPr lang="ru-RU" dirty="0"/>
+              <a:rPr lang="ru-RU" sz="2000" b="1" dirty="0" smtClean="0">
+                <a:latin typeface="Calibri" panose="020F0502020204030204" pitchFamily="34" charset="0"/>
+                <a:ea typeface="Calibri" panose="020F0502020204030204" pitchFamily="34" charset="0"/>
+                <a:cs typeface="Times New Roman" panose="02020603050405020304" pitchFamily="18" charset="0"/>
+              </a:rPr>
+              <a:t>Паттерн «ограниченный контекс</a:t>
+            </a:r>
+            <a:r>
+              <a:rPr lang="ru-RU" sz="2000" b="1" dirty="0">
+                <a:latin typeface="Calibri" panose="020F0502020204030204" pitchFamily="34" charset="0"/>
+                <a:ea typeface="Calibri" panose="020F0502020204030204" pitchFamily="34" charset="0"/>
+                <a:cs typeface="Times New Roman" panose="02020603050405020304" pitchFamily="18" charset="0"/>
+              </a:rPr>
+              <a:t>т</a:t>
+            </a:r>
+            <a:r>
+              <a:rPr lang="ru-RU" sz="2000" b="1" dirty="0" smtClean="0">
+                <a:latin typeface="Calibri" panose="020F0502020204030204" pitchFamily="34" charset="0"/>
+                <a:ea typeface="Calibri" panose="020F0502020204030204" pitchFamily="34" charset="0"/>
+                <a:cs typeface="Times New Roman" panose="02020603050405020304" pitchFamily="18" charset="0"/>
+              </a:rPr>
+              <a:t>» </a:t>
+            </a:r>
+            <a:r>
+              <a:rPr lang="ru-RU" sz="2000" dirty="0" smtClean="0">
+                <a:latin typeface="Calibri" panose="020F0502020204030204" pitchFamily="34" charset="0"/>
+                <a:ea typeface="Calibri" panose="020F0502020204030204" pitchFamily="34" charset="0"/>
+                <a:cs typeface="Times New Roman" panose="02020603050405020304" pitchFamily="18" charset="0"/>
+              </a:rPr>
+              <a:t>- кладем понятие и код бизнес-логики, который с ним работает, в один модуль бизнес-логики</a:t>
+            </a:r>
+            <a:endParaRPr lang="ru-RU" sz="2000" dirty="0"/>
+          </a:p>
+        </p:txBody>
+      </p:sp>
+      <p:sp>
+        <p:nvSpPr>
+          <p:cNvPr id="5" name="Прямоугольник 4"/>
+          <p:cNvSpPr/>
+          <p:nvPr/>
+        </p:nvSpPr>
+        <p:spPr>
+          <a:xfrm>
+            <a:off x="827522" y="2705314"/>
+            <a:ext cx="11084061" cy="707886"/>
+          </a:xfrm>
+          <a:prstGeom prst="rect">
+            <a:avLst/>
+          </a:prstGeom>
+        </p:spPr>
+        <p:txBody>
+          <a:bodyPr wrap="square">
+            <a:spAutoFit/>
+          </a:bodyPr>
+          <a:lstStyle/>
+          <a:p>
+            <a:r>
+              <a:rPr lang="ru-RU" sz="2000" b="1" dirty="0" smtClean="0">
+                <a:latin typeface="Calibri" panose="020F0502020204030204" pitchFamily="34" charset="0"/>
+                <a:ea typeface="Calibri" panose="020F0502020204030204" pitchFamily="34" charset="0"/>
+                <a:cs typeface="Times New Roman" panose="02020603050405020304" pitchFamily="18" charset="0"/>
+              </a:rPr>
+              <a:t>Паттерн </a:t>
+            </a:r>
+            <a:r>
+              <a:rPr lang="ru-RU" sz="2000" b="1" dirty="0">
+                <a:latin typeface="Calibri" panose="020F0502020204030204" pitchFamily="34" charset="0"/>
+                <a:ea typeface="Calibri" panose="020F0502020204030204" pitchFamily="34" charset="0"/>
+                <a:cs typeface="Times New Roman" panose="02020603050405020304" pitchFamily="18" charset="0"/>
+              </a:rPr>
+              <a:t>е</a:t>
+            </a:r>
+            <a:r>
+              <a:rPr lang="ru-RU" sz="2000" b="1" dirty="0" smtClean="0">
+                <a:latin typeface="Calibri" panose="020F0502020204030204" pitchFamily="34" charset="0"/>
+                <a:ea typeface="Calibri" panose="020F0502020204030204" pitchFamily="34" charset="0"/>
+                <a:cs typeface="Times New Roman" panose="02020603050405020304" pitchFamily="18" charset="0"/>
+              </a:rPr>
+              <a:t>диный язык</a:t>
+            </a:r>
+            <a:r>
+              <a:rPr lang="ru-RU" sz="2000" dirty="0" smtClean="0">
+                <a:latin typeface="Calibri" panose="020F0502020204030204" pitchFamily="34" charset="0"/>
+                <a:ea typeface="Calibri" panose="020F0502020204030204" pitchFamily="34" charset="0"/>
+                <a:cs typeface="Times New Roman" panose="02020603050405020304" pitchFamily="18" charset="0"/>
+              </a:rPr>
+              <a:t> – универсальный список понятий, с их названиями в коде, описывающий термины в системе. Можно использовать для названия модулей</a:t>
+            </a:r>
+            <a:endParaRPr lang="ru-RU" sz="2000" dirty="0"/>
           </a:p>
         </p:txBody>
       </p:sp>
     </p:spTree>
     <p:extLst>
       <p:ext uri="{BB962C8B-B14F-4D97-AF65-F5344CB8AC3E}">
-        <p14:creationId xmlns:p14="http://schemas.microsoft.com/office/powerpoint/2010/main" val="1393440007"/>
+        <p14:creationId xmlns:p14="http://schemas.microsoft.com/office/powerpoint/2010/main" val="2708093931"/>
       </p:ext>
     </p:extLst>
   </p:cSld>
